--- a/xxx-RockPaperScissorsBoom/Coach/Lectures.pptx
+++ b/xxx-RockPaperScissorsBoom/Coach/Lectures.pptx
@@ -5,25 +5,40 @@
     <p:sldMasterId id="2147483986" r:id="rId4"/>
   </p:sldMasterIdLst>
   <p:notesMasterIdLst>
-    <p:notesMasterId r:id="rId18"/>
+    <p:notesMasterId r:id="rId33"/>
   </p:notesMasterIdLst>
   <p:handoutMasterIdLst>
-    <p:handoutMasterId r:id="rId19"/>
+    <p:handoutMasterId r:id="rId34"/>
   </p:handoutMasterIdLst>
   <p:sldIdLst>
     <p:sldId id="3635" r:id="rId5"/>
     <p:sldId id="3636" r:id="rId6"/>
     <p:sldId id="509" r:id="rId7"/>
     <p:sldId id="3673" r:id="rId8"/>
-    <p:sldId id="3660" r:id="rId9"/>
-    <p:sldId id="528" r:id="rId10"/>
-    <p:sldId id="3674" r:id="rId11"/>
-    <p:sldId id="3671" r:id="rId12"/>
-    <p:sldId id="3664" r:id="rId13"/>
-    <p:sldId id="3675" r:id="rId14"/>
-    <p:sldId id="3672" r:id="rId15"/>
-    <p:sldId id="3665" r:id="rId16"/>
-    <p:sldId id="3663" r:id="rId17"/>
+    <p:sldId id="528" r:id="rId9"/>
+    <p:sldId id="3674" r:id="rId10"/>
+    <p:sldId id="3664" r:id="rId11"/>
+    <p:sldId id="3675" r:id="rId12"/>
+    <p:sldId id="3665" r:id="rId13"/>
+    <p:sldId id="3676" r:id="rId14"/>
+    <p:sldId id="3678" r:id="rId15"/>
+    <p:sldId id="3679" r:id="rId16"/>
+    <p:sldId id="3681" r:id="rId17"/>
+    <p:sldId id="3682" r:id="rId18"/>
+    <p:sldId id="3684" r:id="rId19"/>
+    <p:sldId id="3685" r:id="rId20"/>
+    <p:sldId id="3687" r:id="rId21"/>
+    <p:sldId id="3688" r:id="rId22"/>
+    <p:sldId id="3690" r:id="rId23"/>
+    <p:sldId id="3691" r:id="rId24"/>
+    <p:sldId id="3693" r:id="rId25"/>
+    <p:sldId id="3694" r:id="rId26"/>
+    <p:sldId id="3696" r:id="rId27"/>
+    <p:sldId id="3697" r:id="rId28"/>
+    <p:sldId id="3699" r:id="rId29"/>
+    <p:sldId id="3700" r:id="rId30"/>
+    <p:sldId id="3702" r:id="rId31"/>
+    <p:sldId id="3663" r:id="rId32"/>
   </p:sldIdLst>
   <p:sldSz cx="12192000" cy="6858000"/>
   <p:notesSz cx="6858000" cy="9144000"/>
@@ -144,152 +159,6 @@
 </p1510:revInfo>
 </file>
 
-<file path=ppt/changesInfos/changesInfo1.xml><?xml version="1.0" encoding="utf-8"?>
-<pc:chgInfo xmlns:a="http://schemas.openxmlformats.org/drawingml/2006/main" xmlns:r="http://schemas.openxmlformats.org/officeDocument/2006/relationships" xmlns:ac="http://schemas.microsoft.com/office/drawing/2013/main/command" xmlns:pc="http://schemas.microsoft.com/office/powerpoint/2013/main/command">
-  <pc:docChgLst>
-    <pc:chgData name="Peter Laudati" userId="fc1173ac-280e-4cfe-aafb-65006f84bb93" providerId="ADAL" clId="{58E3B4D3-A2DF-7F4C-AAEA-BED2DE260FD9}"/>
-    <pc:docChg chg="custSel addSld delSld modSld">
-      <pc:chgData name="Peter Laudati" userId="fc1173ac-280e-4cfe-aafb-65006f84bb93" providerId="ADAL" clId="{58E3B4D3-A2DF-7F4C-AAEA-BED2DE260FD9}" dt="2022-08-18T18:53:15.105" v="9" actId="2696"/>
-      <pc:docMkLst>
-        <pc:docMk/>
-      </pc:docMkLst>
-      <pc:sldChg chg="addSp delSp modSp mod chgLayout">
-        <pc:chgData name="Peter Laudati" userId="fc1173ac-280e-4cfe-aafb-65006f84bb93" providerId="ADAL" clId="{58E3B4D3-A2DF-7F4C-AAEA-BED2DE260FD9}" dt="2022-08-18T18:50:40.408" v="0" actId="700"/>
-        <pc:sldMkLst>
-          <pc:docMk/>
-          <pc:sldMk cId="1858828968" sldId="3635"/>
-        </pc:sldMkLst>
-        <pc:spChg chg="add mod ord">
-          <ac:chgData name="Peter Laudati" userId="fc1173ac-280e-4cfe-aafb-65006f84bb93" providerId="ADAL" clId="{58E3B4D3-A2DF-7F4C-AAEA-BED2DE260FD9}" dt="2022-08-18T18:50:40.408" v="0" actId="700"/>
-          <ac:spMkLst>
-            <pc:docMk/>
-            <pc:sldMk cId="1858828968" sldId="3635"/>
-            <ac:spMk id="2" creationId="{8FF79584-2A68-E4C0-6F82-610A3B2D774A}"/>
-          </ac:spMkLst>
-        </pc:spChg>
-        <pc:spChg chg="mod ord">
-          <ac:chgData name="Peter Laudati" userId="fc1173ac-280e-4cfe-aafb-65006f84bb93" providerId="ADAL" clId="{58E3B4D3-A2DF-7F4C-AAEA-BED2DE260FD9}" dt="2022-08-18T18:50:40.408" v="0" actId="700"/>
-          <ac:spMkLst>
-            <pc:docMk/>
-            <pc:sldMk cId="1858828968" sldId="3635"/>
-            <ac:spMk id="4" creationId="{00000000-0000-0000-0000-000000000000}"/>
-          </ac:spMkLst>
-        </pc:spChg>
-        <pc:spChg chg="del">
-          <ac:chgData name="Peter Laudati" userId="fc1173ac-280e-4cfe-aafb-65006f84bb93" providerId="ADAL" clId="{58E3B4D3-A2DF-7F4C-AAEA-BED2DE260FD9}" dt="2022-08-18T18:50:40.408" v="0" actId="700"/>
-          <ac:spMkLst>
-            <pc:docMk/>
-            <pc:sldMk cId="1858828968" sldId="3635"/>
-            <ac:spMk id="6" creationId="{ADCCA4A4-85CC-CBC9-9F7D-0FADD8287C35}"/>
-          </ac:spMkLst>
-        </pc:spChg>
-      </pc:sldChg>
-      <pc:sldChg chg="addSp delSp modSp new del mod modClrScheme chgLayout">
-        <pc:chgData name="Peter Laudati" userId="fc1173ac-280e-4cfe-aafb-65006f84bb93" providerId="ADAL" clId="{58E3B4D3-A2DF-7F4C-AAEA-BED2DE260FD9}" dt="2022-08-18T18:53:15.105" v="9" actId="2696"/>
-        <pc:sldMkLst>
-          <pc:docMk/>
-          <pc:sldMk cId="2955131668" sldId="3676"/>
-        </pc:sldMkLst>
-        <pc:spChg chg="del mod ord">
-          <ac:chgData name="Peter Laudati" userId="fc1173ac-280e-4cfe-aafb-65006f84bb93" providerId="ADAL" clId="{58E3B4D3-A2DF-7F4C-AAEA-BED2DE260FD9}" dt="2022-08-18T18:53:00.294" v="6" actId="700"/>
-          <ac:spMkLst>
-            <pc:docMk/>
-            <pc:sldMk cId="2955131668" sldId="3676"/>
-            <ac:spMk id="2" creationId="{8B96030A-A5AF-0231-924B-D611237E8878}"/>
-          </ac:spMkLst>
-        </pc:spChg>
-        <pc:spChg chg="del">
-          <ac:chgData name="Peter Laudati" userId="fc1173ac-280e-4cfe-aafb-65006f84bb93" providerId="ADAL" clId="{58E3B4D3-A2DF-7F4C-AAEA-BED2DE260FD9}" dt="2022-08-18T18:53:00.294" v="6" actId="700"/>
-          <ac:spMkLst>
-            <pc:docMk/>
-            <pc:sldMk cId="2955131668" sldId="3676"/>
-            <ac:spMk id="3" creationId="{092B7AF9-7723-AAF9-77C0-EA960710F7A9}"/>
-          </ac:spMkLst>
-        </pc:spChg>
-        <pc:spChg chg="del">
-          <ac:chgData name="Peter Laudati" userId="fc1173ac-280e-4cfe-aafb-65006f84bb93" providerId="ADAL" clId="{58E3B4D3-A2DF-7F4C-AAEA-BED2DE260FD9}" dt="2022-08-18T18:53:00.294" v="6" actId="700"/>
-          <ac:spMkLst>
-            <pc:docMk/>
-            <pc:sldMk cId="2955131668" sldId="3676"/>
-            <ac:spMk id="4" creationId="{CB2032A5-869A-2D79-CDA7-0D1245A03EB0}"/>
-          </ac:spMkLst>
-        </pc:spChg>
-        <pc:spChg chg="add del mod ord">
-          <ac:chgData name="Peter Laudati" userId="fc1173ac-280e-4cfe-aafb-65006f84bb93" providerId="ADAL" clId="{58E3B4D3-A2DF-7F4C-AAEA-BED2DE260FD9}" dt="2022-08-18T18:53:04.406" v="7" actId="700"/>
-          <ac:spMkLst>
-            <pc:docMk/>
-            <pc:sldMk cId="2955131668" sldId="3676"/>
-            <ac:spMk id="5" creationId="{E02AD455-A414-0690-1A17-CE7C8B748C6C}"/>
-          </ac:spMkLst>
-        </pc:spChg>
-        <pc:spChg chg="add del mod ord">
-          <ac:chgData name="Peter Laudati" userId="fc1173ac-280e-4cfe-aafb-65006f84bb93" providerId="ADAL" clId="{58E3B4D3-A2DF-7F4C-AAEA-BED2DE260FD9}" dt="2022-08-18T18:53:10.590" v="8" actId="700"/>
-          <ac:spMkLst>
-            <pc:docMk/>
-            <pc:sldMk cId="2955131668" sldId="3676"/>
-            <ac:spMk id="6" creationId="{1BF74B6F-2880-3AFF-B91D-BB103E599E77}"/>
-          </ac:spMkLst>
-        </pc:spChg>
-        <pc:spChg chg="add del mod ord">
-          <ac:chgData name="Peter Laudati" userId="fc1173ac-280e-4cfe-aafb-65006f84bb93" providerId="ADAL" clId="{58E3B4D3-A2DF-7F4C-AAEA-BED2DE260FD9}" dt="2022-08-18T18:53:10.590" v="8" actId="700"/>
-          <ac:spMkLst>
-            <pc:docMk/>
-            <pc:sldMk cId="2955131668" sldId="3676"/>
-            <ac:spMk id="7" creationId="{EF4C5732-2F8A-471E-987C-A61C94B1CD14}"/>
-          </ac:spMkLst>
-        </pc:spChg>
-        <pc:spChg chg="add del mod ord">
-          <ac:chgData name="Peter Laudati" userId="fc1173ac-280e-4cfe-aafb-65006f84bb93" providerId="ADAL" clId="{58E3B4D3-A2DF-7F4C-AAEA-BED2DE260FD9}" dt="2022-08-18T18:53:10.590" v="8" actId="700"/>
-          <ac:spMkLst>
-            <pc:docMk/>
-            <pc:sldMk cId="2955131668" sldId="3676"/>
-            <ac:spMk id="8" creationId="{4ACF6CF9-205A-DE12-0C54-EA712F8CBECE}"/>
-          </ac:spMkLst>
-        </pc:spChg>
-        <pc:spChg chg="add mod ord">
-          <ac:chgData name="Peter Laudati" userId="fc1173ac-280e-4cfe-aafb-65006f84bb93" providerId="ADAL" clId="{58E3B4D3-A2DF-7F4C-AAEA-BED2DE260FD9}" dt="2022-08-18T18:53:10.590" v="8" actId="700"/>
-          <ac:spMkLst>
-            <pc:docMk/>
-            <pc:sldMk cId="2955131668" sldId="3676"/>
-            <ac:spMk id="9" creationId="{24EDC00B-2681-1031-C0BE-FA0A65853705}"/>
-          </ac:spMkLst>
-        </pc:spChg>
-        <pc:spChg chg="add mod ord">
-          <ac:chgData name="Peter Laudati" userId="fc1173ac-280e-4cfe-aafb-65006f84bb93" providerId="ADAL" clId="{58E3B4D3-A2DF-7F4C-AAEA-BED2DE260FD9}" dt="2022-08-18T18:53:10.590" v="8" actId="700"/>
-          <ac:spMkLst>
-            <pc:docMk/>
-            <pc:sldMk cId="2955131668" sldId="3676"/>
-            <ac:spMk id="10" creationId="{7C627F91-8906-F394-82D7-60756A7DE665}"/>
-          </ac:spMkLst>
-        </pc:spChg>
-        <pc:spChg chg="add mod ord">
-          <ac:chgData name="Peter Laudati" userId="fc1173ac-280e-4cfe-aafb-65006f84bb93" providerId="ADAL" clId="{58E3B4D3-A2DF-7F4C-AAEA-BED2DE260FD9}" dt="2022-08-18T18:53:10.590" v="8" actId="700"/>
-          <ac:spMkLst>
-            <pc:docMk/>
-            <pc:sldMk cId="2955131668" sldId="3676"/>
-            <ac:spMk id="11" creationId="{1ACE53EE-561F-CAC3-090B-2A3B8177FDFA}"/>
-          </ac:spMkLst>
-        </pc:spChg>
-      </pc:sldChg>
-      <pc:sldChg chg="new del">
-        <pc:chgData name="Peter Laudati" userId="fc1173ac-280e-4cfe-aafb-65006f84bb93" providerId="ADAL" clId="{58E3B4D3-A2DF-7F4C-AAEA-BED2DE260FD9}" dt="2022-08-18T18:52:46.477" v="4" actId="2696"/>
-        <pc:sldMkLst>
-          <pc:docMk/>
-          <pc:sldMk cId="4059191753" sldId="3676"/>
-        </pc:sldMkLst>
-      </pc:sldChg>
-      <pc:sldChg chg="new del">
-        <pc:chgData name="Peter Laudati" userId="fc1173ac-280e-4cfe-aafb-65006f84bb93" providerId="ADAL" clId="{58E3B4D3-A2DF-7F4C-AAEA-BED2DE260FD9}" dt="2022-08-18T18:52:44.654" v="3" actId="2696"/>
-        <pc:sldMkLst>
-          <pc:docMk/>
-          <pc:sldMk cId="80496332" sldId="3677"/>
-        </pc:sldMkLst>
-      </pc:sldChg>
-    </pc:docChg>
-  </pc:docChgLst>
-</pc:chgInfo>
-</file>
-
 <file path=ppt/handoutMasters/handoutMaster1.xml><?xml version="1.0" encoding="utf-8"?>
 <p:handoutMaster xmlns:a="http://schemas.openxmlformats.org/drawingml/2006/main" xmlns:r="http://schemas.openxmlformats.org/officeDocument/2006/relationships" xmlns:p="http://schemas.openxmlformats.org/presentationml/2006/main">
   <p:cSld>
@@ -372,7 +241,7 @@
           <a:p>
             <a:fld id="{D2F29697-4A6D-AC4B-B035-E737BE26C24F}" type="datetimeFigureOut">
               <a:rPr lang="en-US" smtClean="0"/>
-              <a:t>9/8/22</a:t>
+              <a:t>7/13/2023</a:t>
             </a:fld>
             <a:endParaRPr lang="en-US"/>
           </a:p>
@@ -537,7 +406,7 @@
           <a:p>
             <a:fld id="{3B795838-E26F-BF4F-AF40-5695E293B9BE}" type="datetimeFigureOut">
               <a:rPr lang="en-US" smtClean="0"/>
-              <a:t>9/8/22</a:t>
+              <a:t>7/13/2023</a:t>
             </a:fld>
             <a:endParaRPr lang="en-US"/>
           </a:p>
@@ -1021,6 +890,924 @@
           <a:p>
             <a:r>
               <a:rPr lang="en-US" dirty="0"/>
+              <a:t>For each challenge, list out the key high-level goals.</a:t>
+            </a:r>
+          </a:p>
+          <a:p>
+            <a:r>
+              <a:rPr lang="en-US" dirty="0"/>
+              <a:t>If there are important specifications, list them here, or remind students to “read the student guide!” </a:t>
+            </a:r>
+          </a:p>
+        </p:txBody>
+      </p:sp>
+      <p:sp>
+        <p:nvSpPr>
+          <p:cNvPr id="4" name="Slide Number Placeholder 3"/>
+          <p:cNvSpPr>
+            <a:spLocks noGrp="1"/>
+          </p:cNvSpPr>
+          <p:nvPr>
+            <p:ph type="sldNum" sz="quarter" idx="10"/>
+          </p:nvPr>
+        </p:nvSpPr>
+        <p:spPr/>
+        <p:txBody>
+          <a:bodyPr/>
+          <a:lstStyle/>
+          <a:p>
+            <a:pPr marL="0" marR="0" lvl="0" indent="0" algn="r" defTabSz="914400" rtl="0" eaLnBrk="1" fontAlgn="auto" latinLnBrk="0" hangingPunct="1">
+              <a:lnSpc>
+                <a:spcPct val="100000"/>
+              </a:lnSpc>
+              <a:spcBef>
+                <a:spcPts val="0"/>
+              </a:spcBef>
+              <a:spcAft>
+                <a:spcPts val="0"/>
+              </a:spcAft>
+              <a:buClrTx/>
+              <a:buSzTx/>
+              <a:buFontTx/>
+              <a:buNone/>
+              <a:tabLst/>
+              <a:defRPr/>
+            </a:pPr>
+            <a:fld id="{871D71AE-08D6-4951-B1CF-CF97299DB5EB}" type="slidenum">
+              <a:rPr kumimoji="0" lang="en-US" sz="1200" b="0" i="0" u="none" strike="noStrike" kern="1200" cap="none" spc="0" normalizeH="0" baseline="0" noProof="0" smtClean="0">
+                <a:ln>
+                  <a:noFill/>
+                </a:ln>
+                <a:solidFill>
+                  <a:prstClr val="black"/>
+                </a:solidFill>
+                <a:effectLst/>
+                <a:uLnTx/>
+                <a:uFillTx/>
+                <a:latin typeface="Calibri" panose="020F0502020204030204"/>
+                <a:ea typeface="+mn-ea"/>
+                <a:cs typeface="+mn-cs"/>
+              </a:rPr>
+              <a:pPr marL="0" marR="0" lvl="0" indent="0" algn="r" defTabSz="914400" rtl="0" eaLnBrk="1" fontAlgn="auto" latinLnBrk="0" hangingPunct="1">
+                <a:lnSpc>
+                  <a:spcPct val="100000"/>
+                </a:lnSpc>
+                <a:spcBef>
+                  <a:spcPts val="0"/>
+                </a:spcBef>
+                <a:spcAft>
+                  <a:spcPts val="0"/>
+                </a:spcAft>
+                <a:buClrTx/>
+                <a:buSzTx/>
+                <a:buFontTx/>
+                <a:buNone/>
+                <a:tabLst/>
+                <a:defRPr/>
+              </a:pPr>
+              <a:t>17</a:t>
+            </a:fld>
+            <a:endParaRPr kumimoji="0" lang="en-US" sz="1200" b="0" i="0" u="none" strike="noStrike" kern="1200" cap="none" spc="0" normalizeH="0" baseline="0" noProof="0">
+              <a:ln>
+                <a:noFill/>
+              </a:ln>
+              <a:solidFill>
+                <a:prstClr val="black"/>
+              </a:solidFill>
+              <a:effectLst/>
+              <a:uLnTx/>
+              <a:uFillTx/>
+              <a:latin typeface="Calibri" panose="020F0502020204030204"/>
+              <a:ea typeface="+mn-ea"/>
+              <a:cs typeface="+mn-cs"/>
+            </a:endParaRPr>
+          </a:p>
+        </p:txBody>
+      </p:sp>
+    </p:spTree>
+    <p:extLst>
+      <p:ext uri="{BB962C8B-B14F-4D97-AF65-F5344CB8AC3E}">
+        <p14:creationId xmlns:p14="http://schemas.microsoft.com/office/powerpoint/2010/main" val="923154972"/>
+      </p:ext>
+    </p:extLst>
+  </p:cSld>
+  <p:clrMapOvr>
+    <a:masterClrMapping/>
+  </p:clrMapOvr>
+</p:notes>
+</file>
+
+<file path=ppt/notesSlides/notesSlide11.xml><?xml version="1.0" encoding="utf-8"?>
+<p:notes xmlns:a="http://schemas.openxmlformats.org/drawingml/2006/main" xmlns:r="http://schemas.openxmlformats.org/officeDocument/2006/relationships" xmlns:p="http://schemas.openxmlformats.org/presentationml/2006/main">
+  <p:cSld>
+    <p:spTree>
+      <p:nvGrpSpPr>
+        <p:cNvPr id="1" name=""/>
+        <p:cNvGrpSpPr/>
+        <p:nvPr/>
+      </p:nvGrpSpPr>
+      <p:grpSpPr>
+        <a:xfrm>
+          <a:off x="0" y="0"/>
+          <a:ext cx="0" cy="0"/>
+          <a:chOff x="0" y="0"/>
+          <a:chExt cx="0" cy="0"/>
+        </a:xfrm>
+      </p:grpSpPr>
+      <p:sp>
+        <p:nvSpPr>
+          <p:cNvPr id="2" name="Slide Image Placeholder 1"/>
+          <p:cNvSpPr>
+            <a:spLocks noGrp="1" noRot="1" noChangeAspect="1"/>
+          </p:cNvSpPr>
+          <p:nvPr>
+            <p:ph type="sldImg"/>
+          </p:nvPr>
+        </p:nvSpPr>
+        <p:spPr/>
+      </p:sp>
+      <p:sp>
+        <p:nvSpPr>
+          <p:cNvPr id="3" name="Notes Placeholder 2"/>
+          <p:cNvSpPr>
+            <a:spLocks noGrp="1"/>
+          </p:cNvSpPr>
+          <p:nvPr>
+            <p:ph type="body" idx="1"/>
+          </p:nvPr>
+        </p:nvSpPr>
+        <p:spPr/>
+        <p:txBody>
+          <a:bodyPr/>
+          <a:lstStyle/>
+          <a:p>
+            <a:r>
+              <a:rPr lang="en-US" dirty="0"/>
+              <a:t>For each challenge, list out the key high-level goals.</a:t>
+            </a:r>
+          </a:p>
+          <a:p>
+            <a:r>
+              <a:rPr lang="en-US" dirty="0"/>
+              <a:t>If there are important specifications, list them here, or remind students to “read the student guide!” </a:t>
+            </a:r>
+          </a:p>
+        </p:txBody>
+      </p:sp>
+      <p:sp>
+        <p:nvSpPr>
+          <p:cNvPr id="4" name="Slide Number Placeholder 3"/>
+          <p:cNvSpPr>
+            <a:spLocks noGrp="1"/>
+          </p:cNvSpPr>
+          <p:nvPr>
+            <p:ph type="sldNum" sz="quarter" idx="10"/>
+          </p:nvPr>
+        </p:nvSpPr>
+        <p:spPr/>
+        <p:txBody>
+          <a:bodyPr/>
+          <a:lstStyle/>
+          <a:p>
+            <a:pPr marL="0" marR="0" lvl="0" indent="0" algn="r" defTabSz="914400" rtl="0" eaLnBrk="1" fontAlgn="auto" latinLnBrk="0" hangingPunct="1">
+              <a:lnSpc>
+                <a:spcPct val="100000"/>
+              </a:lnSpc>
+              <a:spcBef>
+                <a:spcPts val="0"/>
+              </a:spcBef>
+              <a:spcAft>
+                <a:spcPts val="0"/>
+              </a:spcAft>
+              <a:buClrTx/>
+              <a:buSzTx/>
+              <a:buFontTx/>
+              <a:buNone/>
+              <a:tabLst/>
+              <a:defRPr/>
+            </a:pPr>
+            <a:fld id="{871D71AE-08D6-4951-B1CF-CF97299DB5EB}" type="slidenum">
+              <a:rPr kumimoji="0" lang="en-US" sz="1200" b="0" i="0" u="none" strike="noStrike" kern="1200" cap="none" spc="0" normalizeH="0" baseline="0" noProof="0" smtClean="0">
+                <a:ln>
+                  <a:noFill/>
+                </a:ln>
+                <a:solidFill>
+                  <a:prstClr val="black"/>
+                </a:solidFill>
+                <a:effectLst/>
+                <a:uLnTx/>
+                <a:uFillTx/>
+                <a:latin typeface="Calibri" panose="020F0502020204030204"/>
+                <a:ea typeface="+mn-ea"/>
+                <a:cs typeface="+mn-cs"/>
+              </a:rPr>
+              <a:pPr marL="0" marR="0" lvl="0" indent="0" algn="r" defTabSz="914400" rtl="0" eaLnBrk="1" fontAlgn="auto" latinLnBrk="0" hangingPunct="1">
+                <a:lnSpc>
+                  <a:spcPct val="100000"/>
+                </a:lnSpc>
+                <a:spcBef>
+                  <a:spcPts val="0"/>
+                </a:spcBef>
+                <a:spcAft>
+                  <a:spcPts val="0"/>
+                </a:spcAft>
+                <a:buClrTx/>
+                <a:buSzTx/>
+                <a:buFontTx/>
+                <a:buNone/>
+                <a:tabLst/>
+                <a:defRPr/>
+              </a:pPr>
+              <a:t>19</a:t>
+            </a:fld>
+            <a:endParaRPr kumimoji="0" lang="en-US" sz="1200" b="0" i="0" u="none" strike="noStrike" kern="1200" cap="none" spc="0" normalizeH="0" baseline="0" noProof="0">
+              <a:ln>
+                <a:noFill/>
+              </a:ln>
+              <a:solidFill>
+                <a:prstClr val="black"/>
+              </a:solidFill>
+              <a:effectLst/>
+              <a:uLnTx/>
+              <a:uFillTx/>
+              <a:latin typeface="Calibri" panose="020F0502020204030204"/>
+              <a:ea typeface="+mn-ea"/>
+              <a:cs typeface="+mn-cs"/>
+            </a:endParaRPr>
+          </a:p>
+        </p:txBody>
+      </p:sp>
+    </p:spTree>
+    <p:extLst>
+      <p:ext uri="{BB962C8B-B14F-4D97-AF65-F5344CB8AC3E}">
+        <p14:creationId xmlns:p14="http://schemas.microsoft.com/office/powerpoint/2010/main" val="4101804643"/>
+      </p:ext>
+    </p:extLst>
+  </p:cSld>
+  <p:clrMapOvr>
+    <a:masterClrMapping/>
+  </p:clrMapOvr>
+</p:notes>
+</file>
+
+<file path=ppt/notesSlides/notesSlide12.xml><?xml version="1.0" encoding="utf-8"?>
+<p:notes xmlns:a="http://schemas.openxmlformats.org/drawingml/2006/main" xmlns:r="http://schemas.openxmlformats.org/officeDocument/2006/relationships" xmlns:p="http://schemas.openxmlformats.org/presentationml/2006/main">
+  <p:cSld>
+    <p:spTree>
+      <p:nvGrpSpPr>
+        <p:cNvPr id="1" name=""/>
+        <p:cNvGrpSpPr/>
+        <p:nvPr/>
+      </p:nvGrpSpPr>
+      <p:grpSpPr>
+        <a:xfrm>
+          <a:off x="0" y="0"/>
+          <a:ext cx="0" cy="0"/>
+          <a:chOff x="0" y="0"/>
+          <a:chExt cx="0" cy="0"/>
+        </a:xfrm>
+      </p:grpSpPr>
+      <p:sp>
+        <p:nvSpPr>
+          <p:cNvPr id="2" name="Slide Image Placeholder 1"/>
+          <p:cNvSpPr>
+            <a:spLocks noGrp="1" noRot="1" noChangeAspect="1"/>
+          </p:cNvSpPr>
+          <p:nvPr>
+            <p:ph type="sldImg"/>
+          </p:nvPr>
+        </p:nvSpPr>
+        <p:spPr/>
+      </p:sp>
+      <p:sp>
+        <p:nvSpPr>
+          <p:cNvPr id="3" name="Notes Placeholder 2"/>
+          <p:cNvSpPr>
+            <a:spLocks noGrp="1"/>
+          </p:cNvSpPr>
+          <p:nvPr>
+            <p:ph type="body" idx="1"/>
+          </p:nvPr>
+        </p:nvSpPr>
+        <p:spPr/>
+        <p:txBody>
+          <a:bodyPr/>
+          <a:lstStyle/>
+          <a:p>
+            <a:r>
+              <a:rPr lang="en-US" dirty="0"/>
+              <a:t>For each challenge, list out the key high-level goals.</a:t>
+            </a:r>
+          </a:p>
+          <a:p>
+            <a:r>
+              <a:rPr lang="en-US" dirty="0"/>
+              <a:t>If there are important specifications, list them here, or remind students to “read the student guide!” </a:t>
+            </a:r>
+          </a:p>
+        </p:txBody>
+      </p:sp>
+      <p:sp>
+        <p:nvSpPr>
+          <p:cNvPr id="4" name="Slide Number Placeholder 3"/>
+          <p:cNvSpPr>
+            <a:spLocks noGrp="1"/>
+          </p:cNvSpPr>
+          <p:nvPr>
+            <p:ph type="sldNum" sz="quarter" idx="10"/>
+          </p:nvPr>
+        </p:nvSpPr>
+        <p:spPr/>
+        <p:txBody>
+          <a:bodyPr/>
+          <a:lstStyle/>
+          <a:p>
+            <a:pPr marL="0" marR="0" lvl="0" indent="0" algn="r" defTabSz="914400" rtl="0" eaLnBrk="1" fontAlgn="auto" latinLnBrk="0" hangingPunct="1">
+              <a:lnSpc>
+                <a:spcPct val="100000"/>
+              </a:lnSpc>
+              <a:spcBef>
+                <a:spcPts val="0"/>
+              </a:spcBef>
+              <a:spcAft>
+                <a:spcPts val="0"/>
+              </a:spcAft>
+              <a:buClrTx/>
+              <a:buSzTx/>
+              <a:buFontTx/>
+              <a:buNone/>
+              <a:tabLst/>
+              <a:defRPr/>
+            </a:pPr>
+            <a:fld id="{871D71AE-08D6-4951-B1CF-CF97299DB5EB}" type="slidenum">
+              <a:rPr kumimoji="0" lang="en-US" sz="1200" b="0" i="0" u="none" strike="noStrike" kern="1200" cap="none" spc="0" normalizeH="0" baseline="0" noProof="0" smtClean="0">
+                <a:ln>
+                  <a:noFill/>
+                </a:ln>
+                <a:solidFill>
+                  <a:prstClr val="black"/>
+                </a:solidFill>
+                <a:effectLst/>
+                <a:uLnTx/>
+                <a:uFillTx/>
+                <a:latin typeface="Calibri" panose="020F0502020204030204"/>
+                <a:ea typeface="+mn-ea"/>
+                <a:cs typeface="+mn-cs"/>
+              </a:rPr>
+              <a:pPr marL="0" marR="0" lvl="0" indent="0" algn="r" defTabSz="914400" rtl="0" eaLnBrk="1" fontAlgn="auto" latinLnBrk="0" hangingPunct="1">
+                <a:lnSpc>
+                  <a:spcPct val="100000"/>
+                </a:lnSpc>
+                <a:spcBef>
+                  <a:spcPts val="0"/>
+                </a:spcBef>
+                <a:spcAft>
+                  <a:spcPts val="0"/>
+                </a:spcAft>
+                <a:buClrTx/>
+                <a:buSzTx/>
+                <a:buFontTx/>
+                <a:buNone/>
+                <a:tabLst/>
+                <a:defRPr/>
+              </a:pPr>
+              <a:t>21</a:t>
+            </a:fld>
+            <a:endParaRPr kumimoji="0" lang="en-US" sz="1200" b="0" i="0" u="none" strike="noStrike" kern="1200" cap="none" spc="0" normalizeH="0" baseline="0" noProof="0">
+              <a:ln>
+                <a:noFill/>
+              </a:ln>
+              <a:solidFill>
+                <a:prstClr val="black"/>
+              </a:solidFill>
+              <a:effectLst/>
+              <a:uLnTx/>
+              <a:uFillTx/>
+              <a:latin typeface="Calibri" panose="020F0502020204030204"/>
+              <a:ea typeface="+mn-ea"/>
+              <a:cs typeface="+mn-cs"/>
+            </a:endParaRPr>
+          </a:p>
+        </p:txBody>
+      </p:sp>
+    </p:spTree>
+    <p:extLst>
+      <p:ext uri="{BB962C8B-B14F-4D97-AF65-F5344CB8AC3E}">
+        <p14:creationId xmlns:p14="http://schemas.microsoft.com/office/powerpoint/2010/main" val="2750991142"/>
+      </p:ext>
+    </p:extLst>
+  </p:cSld>
+  <p:clrMapOvr>
+    <a:masterClrMapping/>
+  </p:clrMapOvr>
+</p:notes>
+</file>
+
+<file path=ppt/notesSlides/notesSlide13.xml><?xml version="1.0" encoding="utf-8"?>
+<p:notes xmlns:a="http://schemas.openxmlformats.org/drawingml/2006/main" xmlns:r="http://schemas.openxmlformats.org/officeDocument/2006/relationships" xmlns:p="http://schemas.openxmlformats.org/presentationml/2006/main">
+  <p:cSld>
+    <p:spTree>
+      <p:nvGrpSpPr>
+        <p:cNvPr id="1" name=""/>
+        <p:cNvGrpSpPr/>
+        <p:nvPr/>
+      </p:nvGrpSpPr>
+      <p:grpSpPr>
+        <a:xfrm>
+          <a:off x="0" y="0"/>
+          <a:ext cx="0" cy="0"/>
+          <a:chOff x="0" y="0"/>
+          <a:chExt cx="0" cy="0"/>
+        </a:xfrm>
+      </p:grpSpPr>
+      <p:sp>
+        <p:nvSpPr>
+          <p:cNvPr id="2" name="Slide Image Placeholder 1"/>
+          <p:cNvSpPr>
+            <a:spLocks noGrp="1" noRot="1" noChangeAspect="1"/>
+          </p:cNvSpPr>
+          <p:nvPr>
+            <p:ph type="sldImg"/>
+          </p:nvPr>
+        </p:nvSpPr>
+        <p:spPr/>
+      </p:sp>
+      <p:sp>
+        <p:nvSpPr>
+          <p:cNvPr id="3" name="Notes Placeholder 2"/>
+          <p:cNvSpPr>
+            <a:spLocks noGrp="1"/>
+          </p:cNvSpPr>
+          <p:nvPr>
+            <p:ph type="body" idx="1"/>
+          </p:nvPr>
+        </p:nvSpPr>
+        <p:spPr/>
+        <p:txBody>
+          <a:bodyPr/>
+          <a:lstStyle/>
+          <a:p>
+            <a:r>
+              <a:rPr lang="en-US" dirty="0"/>
+              <a:t>For each challenge, list out the key high-level goals.</a:t>
+            </a:r>
+          </a:p>
+          <a:p>
+            <a:r>
+              <a:rPr lang="en-US" dirty="0"/>
+              <a:t>If there are important specifications, list them here, or remind students to “read the student guide!” </a:t>
+            </a:r>
+          </a:p>
+        </p:txBody>
+      </p:sp>
+      <p:sp>
+        <p:nvSpPr>
+          <p:cNvPr id="4" name="Slide Number Placeholder 3"/>
+          <p:cNvSpPr>
+            <a:spLocks noGrp="1"/>
+          </p:cNvSpPr>
+          <p:nvPr>
+            <p:ph type="sldNum" sz="quarter" idx="10"/>
+          </p:nvPr>
+        </p:nvSpPr>
+        <p:spPr/>
+        <p:txBody>
+          <a:bodyPr/>
+          <a:lstStyle/>
+          <a:p>
+            <a:pPr marL="0" marR="0" lvl="0" indent="0" algn="r" defTabSz="914400" rtl="0" eaLnBrk="1" fontAlgn="auto" latinLnBrk="0" hangingPunct="1">
+              <a:lnSpc>
+                <a:spcPct val="100000"/>
+              </a:lnSpc>
+              <a:spcBef>
+                <a:spcPts val="0"/>
+              </a:spcBef>
+              <a:spcAft>
+                <a:spcPts val="0"/>
+              </a:spcAft>
+              <a:buClrTx/>
+              <a:buSzTx/>
+              <a:buFontTx/>
+              <a:buNone/>
+              <a:tabLst/>
+              <a:defRPr/>
+            </a:pPr>
+            <a:fld id="{871D71AE-08D6-4951-B1CF-CF97299DB5EB}" type="slidenum">
+              <a:rPr kumimoji="0" lang="en-US" sz="1200" b="0" i="0" u="none" strike="noStrike" kern="1200" cap="none" spc="0" normalizeH="0" baseline="0" noProof="0" smtClean="0">
+                <a:ln>
+                  <a:noFill/>
+                </a:ln>
+                <a:solidFill>
+                  <a:prstClr val="black"/>
+                </a:solidFill>
+                <a:effectLst/>
+                <a:uLnTx/>
+                <a:uFillTx/>
+                <a:latin typeface="Calibri" panose="020F0502020204030204"/>
+                <a:ea typeface="+mn-ea"/>
+                <a:cs typeface="+mn-cs"/>
+              </a:rPr>
+              <a:pPr marL="0" marR="0" lvl="0" indent="0" algn="r" defTabSz="914400" rtl="0" eaLnBrk="1" fontAlgn="auto" latinLnBrk="0" hangingPunct="1">
+                <a:lnSpc>
+                  <a:spcPct val="100000"/>
+                </a:lnSpc>
+                <a:spcBef>
+                  <a:spcPts val="0"/>
+                </a:spcBef>
+                <a:spcAft>
+                  <a:spcPts val="0"/>
+                </a:spcAft>
+                <a:buClrTx/>
+                <a:buSzTx/>
+                <a:buFontTx/>
+                <a:buNone/>
+                <a:tabLst/>
+                <a:defRPr/>
+              </a:pPr>
+              <a:t>23</a:t>
+            </a:fld>
+            <a:endParaRPr kumimoji="0" lang="en-US" sz="1200" b="0" i="0" u="none" strike="noStrike" kern="1200" cap="none" spc="0" normalizeH="0" baseline="0" noProof="0">
+              <a:ln>
+                <a:noFill/>
+              </a:ln>
+              <a:solidFill>
+                <a:prstClr val="black"/>
+              </a:solidFill>
+              <a:effectLst/>
+              <a:uLnTx/>
+              <a:uFillTx/>
+              <a:latin typeface="Calibri" panose="020F0502020204030204"/>
+              <a:ea typeface="+mn-ea"/>
+              <a:cs typeface="+mn-cs"/>
+            </a:endParaRPr>
+          </a:p>
+        </p:txBody>
+      </p:sp>
+    </p:spTree>
+    <p:extLst>
+      <p:ext uri="{BB962C8B-B14F-4D97-AF65-F5344CB8AC3E}">
+        <p14:creationId xmlns:p14="http://schemas.microsoft.com/office/powerpoint/2010/main" val="3322109213"/>
+      </p:ext>
+    </p:extLst>
+  </p:cSld>
+  <p:clrMapOvr>
+    <a:masterClrMapping/>
+  </p:clrMapOvr>
+</p:notes>
+</file>
+
+<file path=ppt/notesSlides/notesSlide14.xml><?xml version="1.0" encoding="utf-8"?>
+<p:notes xmlns:a="http://schemas.openxmlformats.org/drawingml/2006/main" xmlns:r="http://schemas.openxmlformats.org/officeDocument/2006/relationships" xmlns:p="http://schemas.openxmlformats.org/presentationml/2006/main">
+  <p:cSld>
+    <p:spTree>
+      <p:nvGrpSpPr>
+        <p:cNvPr id="1" name=""/>
+        <p:cNvGrpSpPr/>
+        <p:nvPr/>
+      </p:nvGrpSpPr>
+      <p:grpSpPr>
+        <a:xfrm>
+          <a:off x="0" y="0"/>
+          <a:ext cx="0" cy="0"/>
+          <a:chOff x="0" y="0"/>
+          <a:chExt cx="0" cy="0"/>
+        </a:xfrm>
+      </p:grpSpPr>
+      <p:sp>
+        <p:nvSpPr>
+          <p:cNvPr id="2" name="Slide Image Placeholder 1"/>
+          <p:cNvSpPr>
+            <a:spLocks noGrp="1" noRot="1" noChangeAspect="1"/>
+          </p:cNvSpPr>
+          <p:nvPr>
+            <p:ph type="sldImg"/>
+          </p:nvPr>
+        </p:nvSpPr>
+        <p:spPr/>
+      </p:sp>
+      <p:sp>
+        <p:nvSpPr>
+          <p:cNvPr id="3" name="Notes Placeholder 2"/>
+          <p:cNvSpPr>
+            <a:spLocks noGrp="1"/>
+          </p:cNvSpPr>
+          <p:nvPr>
+            <p:ph type="body" idx="1"/>
+          </p:nvPr>
+        </p:nvSpPr>
+        <p:spPr/>
+        <p:txBody>
+          <a:bodyPr/>
+          <a:lstStyle/>
+          <a:p>
+            <a:r>
+              <a:rPr lang="en-US" dirty="0"/>
+              <a:t>For each challenge, list out the key high-level goals.</a:t>
+            </a:r>
+          </a:p>
+          <a:p>
+            <a:r>
+              <a:rPr lang="en-US" dirty="0"/>
+              <a:t>If there are important specifications, list them here, or remind students to “read the student guide!” </a:t>
+            </a:r>
+          </a:p>
+        </p:txBody>
+      </p:sp>
+      <p:sp>
+        <p:nvSpPr>
+          <p:cNvPr id="4" name="Slide Number Placeholder 3"/>
+          <p:cNvSpPr>
+            <a:spLocks noGrp="1"/>
+          </p:cNvSpPr>
+          <p:nvPr>
+            <p:ph type="sldNum" sz="quarter" idx="10"/>
+          </p:nvPr>
+        </p:nvSpPr>
+        <p:spPr/>
+        <p:txBody>
+          <a:bodyPr/>
+          <a:lstStyle/>
+          <a:p>
+            <a:pPr marL="0" marR="0" lvl="0" indent="0" algn="r" defTabSz="914400" rtl="0" eaLnBrk="1" fontAlgn="auto" latinLnBrk="0" hangingPunct="1">
+              <a:lnSpc>
+                <a:spcPct val="100000"/>
+              </a:lnSpc>
+              <a:spcBef>
+                <a:spcPts val="0"/>
+              </a:spcBef>
+              <a:spcAft>
+                <a:spcPts val="0"/>
+              </a:spcAft>
+              <a:buClrTx/>
+              <a:buSzTx/>
+              <a:buFontTx/>
+              <a:buNone/>
+              <a:tabLst/>
+              <a:defRPr/>
+            </a:pPr>
+            <a:fld id="{871D71AE-08D6-4951-B1CF-CF97299DB5EB}" type="slidenum">
+              <a:rPr kumimoji="0" lang="en-US" sz="1200" b="0" i="0" u="none" strike="noStrike" kern="1200" cap="none" spc="0" normalizeH="0" baseline="0" noProof="0" smtClean="0">
+                <a:ln>
+                  <a:noFill/>
+                </a:ln>
+                <a:solidFill>
+                  <a:prstClr val="black"/>
+                </a:solidFill>
+                <a:effectLst/>
+                <a:uLnTx/>
+                <a:uFillTx/>
+                <a:latin typeface="Calibri" panose="020F0502020204030204"/>
+                <a:ea typeface="+mn-ea"/>
+                <a:cs typeface="+mn-cs"/>
+              </a:rPr>
+              <a:pPr marL="0" marR="0" lvl="0" indent="0" algn="r" defTabSz="914400" rtl="0" eaLnBrk="1" fontAlgn="auto" latinLnBrk="0" hangingPunct="1">
+                <a:lnSpc>
+                  <a:spcPct val="100000"/>
+                </a:lnSpc>
+                <a:spcBef>
+                  <a:spcPts val="0"/>
+                </a:spcBef>
+                <a:spcAft>
+                  <a:spcPts val="0"/>
+                </a:spcAft>
+                <a:buClrTx/>
+                <a:buSzTx/>
+                <a:buFontTx/>
+                <a:buNone/>
+                <a:tabLst/>
+                <a:defRPr/>
+              </a:pPr>
+              <a:t>25</a:t>
+            </a:fld>
+            <a:endParaRPr kumimoji="0" lang="en-US" sz="1200" b="0" i="0" u="none" strike="noStrike" kern="1200" cap="none" spc="0" normalizeH="0" baseline="0" noProof="0">
+              <a:ln>
+                <a:noFill/>
+              </a:ln>
+              <a:solidFill>
+                <a:prstClr val="black"/>
+              </a:solidFill>
+              <a:effectLst/>
+              <a:uLnTx/>
+              <a:uFillTx/>
+              <a:latin typeface="Calibri" panose="020F0502020204030204"/>
+              <a:ea typeface="+mn-ea"/>
+              <a:cs typeface="+mn-cs"/>
+            </a:endParaRPr>
+          </a:p>
+        </p:txBody>
+      </p:sp>
+    </p:spTree>
+    <p:extLst>
+      <p:ext uri="{BB962C8B-B14F-4D97-AF65-F5344CB8AC3E}">
+        <p14:creationId xmlns:p14="http://schemas.microsoft.com/office/powerpoint/2010/main" val="1795532092"/>
+      </p:ext>
+    </p:extLst>
+  </p:cSld>
+  <p:clrMapOvr>
+    <a:masterClrMapping/>
+  </p:clrMapOvr>
+</p:notes>
+</file>
+
+<file path=ppt/notesSlides/notesSlide15.xml><?xml version="1.0" encoding="utf-8"?>
+<p:notes xmlns:a="http://schemas.openxmlformats.org/drawingml/2006/main" xmlns:r="http://schemas.openxmlformats.org/officeDocument/2006/relationships" xmlns:p="http://schemas.openxmlformats.org/presentationml/2006/main">
+  <p:cSld>
+    <p:spTree>
+      <p:nvGrpSpPr>
+        <p:cNvPr id="1" name=""/>
+        <p:cNvGrpSpPr/>
+        <p:nvPr/>
+      </p:nvGrpSpPr>
+      <p:grpSpPr>
+        <a:xfrm>
+          <a:off x="0" y="0"/>
+          <a:ext cx="0" cy="0"/>
+          <a:chOff x="0" y="0"/>
+          <a:chExt cx="0" cy="0"/>
+        </a:xfrm>
+      </p:grpSpPr>
+      <p:sp>
+        <p:nvSpPr>
+          <p:cNvPr id="2" name="Slide Image Placeholder 1"/>
+          <p:cNvSpPr>
+            <a:spLocks noGrp="1" noRot="1" noChangeAspect="1"/>
+          </p:cNvSpPr>
+          <p:nvPr>
+            <p:ph type="sldImg"/>
+          </p:nvPr>
+        </p:nvSpPr>
+        <p:spPr/>
+      </p:sp>
+      <p:sp>
+        <p:nvSpPr>
+          <p:cNvPr id="3" name="Notes Placeholder 2"/>
+          <p:cNvSpPr>
+            <a:spLocks noGrp="1"/>
+          </p:cNvSpPr>
+          <p:nvPr>
+            <p:ph type="body" idx="1"/>
+          </p:nvPr>
+        </p:nvSpPr>
+        <p:spPr/>
+        <p:txBody>
+          <a:bodyPr/>
+          <a:lstStyle/>
+          <a:p>
+            <a:r>
+              <a:rPr lang="en-US" dirty="0"/>
+              <a:t>For each challenge, list out the key high-level goals.</a:t>
+            </a:r>
+          </a:p>
+          <a:p>
+            <a:r>
+              <a:rPr lang="en-US" dirty="0"/>
+              <a:t>If there are important specifications, list them here, or remind students to “read the student guide!” </a:t>
+            </a:r>
+          </a:p>
+        </p:txBody>
+      </p:sp>
+      <p:sp>
+        <p:nvSpPr>
+          <p:cNvPr id="4" name="Slide Number Placeholder 3"/>
+          <p:cNvSpPr>
+            <a:spLocks noGrp="1"/>
+          </p:cNvSpPr>
+          <p:nvPr>
+            <p:ph type="sldNum" sz="quarter" idx="10"/>
+          </p:nvPr>
+        </p:nvSpPr>
+        <p:spPr/>
+        <p:txBody>
+          <a:bodyPr/>
+          <a:lstStyle/>
+          <a:p>
+            <a:pPr marL="0" marR="0" lvl="0" indent="0" algn="r" defTabSz="914400" rtl="0" eaLnBrk="1" fontAlgn="auto" latinLnBrk="0" hangingPunct="1">
+              <a:lnSpc>
+                <a:spcPct val="100000"/>
+              </a:lnSpc>
+              <a:spcBef>
+                <a:spcPts val="0"/>
+              </a:spcBef>
+              <a:spcAft>
+                <a:spcPts val="0"/>
+              </a:spcAft>
+              <a:buClrTx/>
+              <a:buSzTx/>
+              <a:buFontTx/>
+              <a:buNone/>
+              <a:tabLst/>
+              <a:defRPr/>
+            </a:pPr>
+            <a:fld id="{871D71AE-08D6-4951-B1CF-CF97299DB5EB}" type="slidenum">
+              <a:rPr kumimoji="0" lang="en-US" sz="1200" b="0" i="0" u="none" strike="noStrike" kern="1200" cap="none" spc="0" normalizeH="0" baseline="0" noProof="0" smtClean="0">
+                <a:ln>
+                  <a:noFill/>
+                </a:ln>
+                <a:solidFill>
+                  <a:prstClr val="black"/>
+                </a:solidFill>
+                <a:effectLst/>
+                <a:uLnTx/>
+                <a:uFillTx/>
+                <a:latin typeface="Calibri" panose="020F0502020204030204"/>
+                <a:ea typeface="+mn-ea"/>
+                <a:cs typeface="+mn-cs"/>
+              </a:rPr>
+              <a:pPr marL="0" marR="0" lvl="0" indent="0" algn="r" defTabSz="914400" rtl="0" eaLnBrk="1" fontAlgn="auto" latinLnBrk="0" hangingPunct="1">
+                <a:lnSpc>
+                  <a:spcPct val="100000"/>
+                </a:lnSpc>
+                <a:spcBef>
+                  <a:spcPts val="0"/>
+                </a:spcBef>
+                <a:spcAft>
+                  <a:spcPts val="0"/>
+                </a:spcAft>
+                <a:buClrTx/>
+                <a:buSzTx/>
+                <a:buFontTx/>
+                <a:buNone/>
+                <a:tabLst/>
+                <a:defRPr/>
+              </a:pPr>
+              <a:t>27</a:t>
+            </a:fld>
+            <a:endParaRPr kumimoji="0" lang="en-US" sz="1200" b="0" i="0" u="none" strike="noStrike" kern="1200" cap="none" spc="0" normalizeH="0" baseline="0" noProof="0">
+              <a:ln>
+                <a:noFill/>
+              </a:ln>
+              <a:solidFill>
+                <a:prstClr val="black"/>
+              </a:solidFill>
+              <a:effectLst/>
+              <a:uLnTx/>
+              <a:uFillTx/>
+              <a:latin typeface="Calibri" panose="020F0502020204030204"/>
+              <a:ea typeface="+mn-ea"/>
+              <a:cs typeface="+mn-cs"/>
+            </a:endParaRPr>
+          </a:p>
+        </p:txBody>
+      </p:sp>
+    </p:spTree>
+    <p:extLst>
+      <p:ext uri="{BB962C8B-B14F-4D97-AF65-F5344CB8AC3E}">
+        <p14:creationId xmlns:p14="http://schemas.microsoft.com/office/powerpoint/2010/main" val="2040048611"/>
+      </p:ext>
+    </p:extLst>
+  </p:cSld>
+  <p:clrMapOvr>
+    <a:masterClrMapping/>
+  </p:clrMapOvr>
+</p:notes>
+</file>
+
+<file path=ppt/notesSlides/notesSlide16.xml><?xml version="1.0" encoding="utf-8"?>
+<p:notes xmlns:a="http://schemas.openxmlformats.org/drawingml/2006/main" xmlns:r="http://schemas.openxmlformats.org/officeDocument/2006/relationships" xmlns:p="http://schemas.openxmlformats.org/presentationml/2006/main">
+  <p:cSld>
+    <p:spTree>
+      <p:nvGrpSpPr>
+        <p:cNvPr id="1" name=""/>
+        <p:cNvGrpSpPr/>
+        <p:nvPr/>
+      </p:nvGrpSpPr>
+      <p:grpSpPr>
+        <a:xfrm>
+          <a:off x="0" y="0"/>
+          <a:ext cx="0" cy="0"/>
+          <a:chOff x="0" y="0"/>
+          <a:chExt cx="0" cy="0"/>
+        </a:xfrm>
+      </p:grpSpPr>
+      <p:sp>
+        <p:nvSpPr>
+          <p:cNvPr id="2" name="Slide Image Placeholder 1"/>
+          <p:cNvSpPr>
+            <a:spLocks noGrp="1" noRot="1" noChangeAspect="1"/>
+          </p:cNvSpPr>
+          <p:nvPr>
+            <p:ph type="sldImg"/>
+          </p:nvPr>
+        </p:nvSpPr>
+        <p:spPr/>
+      </p:sp>
+      <p:sp>
+        <p:nvSpPr>
+          <p:cNvPr id="3" name="Notes Placeholder 2"/>
+          <p:cNvSpPr>
+            <a:spLocks noGrp="1"/>
+          </p:cNvSpPr>
+          <p:nvPr>
+            <p:ph type="body" idx="1"/>
+          </p:nvPr>
+        </p:nvSpPr>
+        <p:spPr/>
+        <p:txBody>
+          <a:bodyPr/>
+          <a:lstStyle/>
+          <a:p>
+            <a:r>
+              <a:rPr lang="en-US" dirty="0"/>
               <a:t>Thank students for attending and share the link to the What The Hack website with them.</a:t>
             </a:r>
           </a:p>
@@ -1096,7 +1883,7 @@
                 <a:tabLst/>
                 <a:defRPr/>
               </a:pPr>
-              <a:t>13</a:t>
+              <a:t>28</a:t>
             </a:fld>
             <a:endParaRPr kumimoji="0" lang="en-US" sz="1200" b="0" i="0" u="none" strike="noStrike" kern="1200" cap="none" spc="0" normalizeH="0" baseline="0" noProof="0" dirty="0">
               <a:ln>
@@ -1533,183 +2320,6 @@
           <a:p>
             <a:r>
               <a:rPr lang="en-US" dirty="0"/>
-              <a:t>Template for a lecture slide with bullets (if you need them).</a:t>
-            </a:r>
-          </a:p>
-          <a:p>
-            <a:endParaRPr lang="en-US" dirty="0"/>
-          </a:p>
-          <a:p>
-            <a:r>
-              <a:rPr lang="en-US" dirty="0"/>
-              <a:t>Try to NOT use bullet lists in your presentation.  </a:t>
-            </a:r>
-          </a:p>
-          <a:p>
-            <a:r>
-              <a:rPr lang="en-US" dirty="0"/>
-              <a:t>Diagrams, puppy pictures, </a:t>
-            </a:r>
-            <a:r>
-              <a:rPr lang="en-US" dirty="0" err="1"/>
-              <a:t>etc</a:t>
-            </a:r>
-            <a:r>
-              <a:rPr lang="en-US" dirty="0"/>
-              <a:t> are always better. </a:t>
-            </a:r>
-            <a:r>
-              <a:rPr lang="en-US" dirty="0">
-                <a:sym typeface="Wingdings" panose="05000000000000000000" pitchFamily="2" charset="2"/>
-              </a:rPr>
-              <a:t></a:t>
-            </a:r>
-            <a:endParaRPr lang="en-US" dirty="0"/>
-          </a:p>
-        </p:txBody>
-      </p:sp>
-      <p:sp>
-        <p:nvSpPr>
-          <p:cNvPr id="4" name="Slide Number Placeholder 3"/>
-          <p:cNvSpPr>
-            <a:spLocks noGrp="1"/>
-          </p:cNvSpPr>
-          <p:nvPr>
-            <p:ph type="sldNum" sz="quarter" idx="5"/>
-          </p:nvPr>
-        </p:nvSpPr>
-        <p:spPr/>
-        <p:txBody>
-          <a:bodyPr/>
-          <a:lstStyle/>
-          <a:p>
-            <a:pPr marL="0" marR="0" lvl="0" indent="0" algn="r" defTabSz="914400" rtl="0" eaLnBrk="1" fontAlgn="auto" latinLnBrk="0" hangingPunct="1">
-              <a:lnSpc>
-                <a:spcPct val="100000"/>
-              </a:lnSpc>
-              <a:spcBef>
-                <a:spcPts val="0"/>
-              </a:spcBef>
-              <a:spcAft>
-                <a:spcPts val="0"/>
-              </a:spcAft>
-              <a:buClrTx/>
-              <a:buSzTx/>
-              <a:buFontTx/>
-              <a:buNone/>
-              <a:tabLst/>
-              <a:defRPr/>
-            </a:pPr>
-            <a:fld id="{72A19410-49C3-46C5-A633-999FD8C4418C}" type="slidenum">
-              <a:rPr kumimoji="0" lang="en-US" sz="1200" b="0" i="0" u="none" strike="noStrike" kern="1200" cap="none" spc="0" normalizeH="0" baseline="0" noProof="0" smtClean="0">
-                <a:ln>
-                  <a:noFill/>
-                </a:ln>
-                <a:solidFill>
-                  <a:prstClr val="black"/>
-                </a:solidFill>
-                <a:effectLst/>
-                <a:uLnTx/>
-                <a:uFillTx/>
-                <a:latin typeface="Calibri" panose="020F0502020204030204"/>
-                <a:ea typeface="+mn-ea"/>
-                <a:cs typeface="+mn-cs"/>
-              </a:rPr>
-              <a:pPr marL="0" marR="0" lvl="0" indent="0" algn="r" defTabSz="914400" rtl="0" eaLnBrk="1" fontAlgn="auto" latinLnBrk="0" hangingPunct="1">
-                <a:lnSpc>
-                  <a:spcPct val="100000"/>
-                </a:lnSpc>
-                <a:spcBef>
-                  <a:spcPts val="0"/>
-                </a:spcBef>
-                <a:spcAft>
-                  <a:spcPts val="0"/>
-                </a:spcAft>
-                <a:buClrTx/>
-                <a:buSzTx/>
-                <a:buFontTx/>
-                <a:buNone/>
-                <a:tabLst/>
-                <a:defRPr/>
-              </a:pPr>
-              <a:t>5</a:t>
-            </a:fld>
-            <a:endParaRPr kumimoji="0" lang="en-US" sz="1200" b="0" i="0" u="none" strike="noStrike" kern="1200" cap="none" spc="0" normalizeH="0" baseline="0" noProof="0">
-              <a:ln>
-                <a:noFill/>
-              </a:ln>
-              <a:solidFill>
-                <a:prstClr val="black"/>
-              </a:solidFill>
-              <a:effectLst/>
-              <a:uLnTx/>
-              <a:uFillTx/>
-              <a:latin typeface="Calibri" panose="020F0502020204030204"/>
-              <a:ea typeface="+mn-ea"/>
-              <a:cs typeface="+mn-cs"/>
-            </a:endParaRPr>
-          </a:p>
-        </p:txBody>
-      </p:sp>
-    </p:spTree>
-    <p:extLst>
-      <p:ext uri="{BB962C8B-B14F-4D97-AF65-F5344CB8AC3E}">
-        <p14:creationId xmlns:p14="http://schemas.microsoft.com/office/powerpoint/2010/main" val="1249804079"/>
-      </p:ext>
-    </p:extLst>
-  </p:cSld>
-  <p:clrMapOvr>
-    <a:masterClrMapping/>
-  </p:clrMapOvr>
-</p:notes>
-</file>
-
-<file path=ppt/notesSlides/notesSlide5.xml><?xml version="1.0" encoding="utf-8"?>
-<p:notes xmlns:a="http://schemas.openxmlformats.org/drawingml/2006/main" xmlns:r="http://schemas.openxmlformats.org/officeDocument/2006/relationships" xmlns:p="http://schemas.openxmlformats.org/presentationml/2006/main">
-  <p:cSld>
-    <p:spTree>
-      <p:nvGrpSpPr>
-        <p:cNvPr id="1" name=""/>
-        <p:cNvGrpSpPr/>
-        <p:nvPr/>
-      </p:nvGrpSpPr>
-      <p:grpSpPr>
-        <a:xfrm>
-          <a:off x="0" y="0"/>
-          <a:ext cx="0" cy="0"/>
-          <a:chOff x="0" y="0"/>
-          <a:chExt cx="0" cy="0"/>
-        </a:xfrm>
-      </p:grpSpPr>
-      <p:sp>
-        <p:nvSpPr>
-          <p:cNvPr id="2" name="Slide Image Placeholder 1"/>
-          <p:cNvSpPr>
-            <a:spLocks noGrp="1" noRot="1" noChangeAspect="1"/>
-          </p:cNvSpPr>
-          <p:nvPr>
-            <p:ph type="sldImg"/>
-          </p:nvPr>
-        </p:nvSpPr>
-        <p:spPr/>
-      </p:sp>
-      <p:sp>
-        <p:nvSpPr>
-          <p:cNvPr id="3" name="Notes Placeholder 2"/>
-          <p:cNvSpPr>
-            <a:spLocks noGrp="1"/>
-          </p:cNvSpPr>
-          <p:nvPr>
-            <p:ph type="body" idx="1"/>
-          </p:nvPr>
-        </p:nvSpPr>
-        <p:spPr/>
-        <p:txBody>
-          <a:bodyPr/>
-          <a:lstStyle/>
-          <a:p>
-            <a:r>
-              <a:rPr lang="en-US" dirty="0"/>
               <a:t>For each challenge, list out the key high-level goals.</a:t>
             </a:r>
           </a:p>
@@ -1785,7 +2395,7 @@
                 <a:tabLst/>
                 <a:defRPr/>
               </a:pPr>
-              <a:t>6</a:t>
+              <a:t>5</a:t>
             </a:fld>
             <a:endParaRPr kumimoji="0" lang="en-US" sz="1200" b="0" i="0" u="none" strike="noStrike" kern="1200" cap="none" spc="0" normalizeH="0" baseline="0" noProof="0">
               <a:ln>
@@ -1817,7 +2427,7 @@
 </p:notes>
 </file>
 
-<file path=ppt/notesSlides/notesSlide6.xml><?xml version="1.0" encoding="utf-8"?>
+<file path=ppt/notesSlides/notesSlide5.xml><?xml version="1.0" encoding="utf-8"?>
 <p:notes xmlns:a="http://schemas.openxmlformats.org/drawingml/2006/main" xmlns:r="http://schemas.openxmlformats.org/officeDocument/2006/relationships" xmlns:p="http://schemas.openxmlformats.org/presentationml/2006/main">
   <p:cSld>
     <p:spTree>
@@ -1863,38 +2473,14 @@
           <a:p>
             <a:r>
               <a:rPr lang="en-US" dirty="0"/>
-              <a:t>Template for a lecture slide with bullets (if you need them).</a:t>
-            </a:r>
-          </a:p>
-          <a:p>
-            <a:endParaRPr lang="en-US" dirty="0"/>
+              <a:t>For each challenge, list out the key high-level goals.</a:t>
+            </a:r>
           </a:p>
           <a:p>
             <a:r>
               <a:rPr lang="en-US" dirty="0"/>
-              <a:t>Try to NOT use bullet lists in your presentation.  </a:t>
-            </a:r>
-          </a:p>
-          <a:p>
-            <a:r>
-              <a:rPr lang="en-US" dirty="0"/>
-              <a:t>Diagrams, puppy pictures, </a:t>
-            </a:r>
-            <a:r>
-              <a:rPr lang="en-US" dirty="0" err="1"/>
-              <a:t>etc</a:t>
-            </a:r>
-            <a:r>
-              <a:rPr lang="en-US" dirty="0"/>
-              <a:t> are always better. </a:t>
-            </a:r>
-            <a:r>
-              <a:rPr lang="en-US" dirty="0">
-                <a:sym typeface="Wingdings" panose="05000000000000000000" pitchFamily="2" charset="2"/>
-              </a:rPr>
-              <a:t></a:t>
-            </a:r>
-            <a:endParaRPr lang="en-US" dirty="0"/>
+              <a:t>If there are important specifications, list them here, or remind students to “read the student guide!” </a:t>
+            </a:r>
           </a:p>
         </p:txBody>
       </p:sp>
@@ -1905,7 +2491,7 @@
             <a:spLocks noGrp="1"/>
           </p:cNvSpPr>
           <p:nvPr>
-            <p:ph type="sldNum" sz="quarter" idx="5"/>
+            <p:ph type="sldNum" sz="quarter" idx="10"/>
           </p:nvPr>
         </p:nvSpPr>
         <p:spPr/>
@@ -1930,7 +2516,7 @@
               <a:tabLst/>
               <a:defRPr/>
             </a:pPr>
-            <a:fld id="{72A19410-49C3-46C5-A633-999FD8C4418C}" type="slidenum">
+            <a:fld id="{871D71AE-08D6-4951-B1CF-CF97299DB5EB}" type="slidenum">
               <a:rPr kumimoji="0" lang="en-US" sz="1200" b="0" i="0" u="none" strike="noStrike" kern="1200" cap="none" spc="0" normalizeH="0" baseline="0" noProof="0" smtClean="0">
                 <a:ln>
                   <a:noFill/>
@@ -1962,7 +2548,7 @@
                 <a:tabLst/>
                 <a:defRPr/>
               </a:pPr>
-              <a:t>8</a:t>
+              <a:t>7</a:t>
             </a:fld>
             <a:endParaRPr kumimoji="0" lang="en-US" sz="1200" b="0" i="0" u="none" strike="noStrike" kern="1200" cap="none" spc="0" normalizeH="0" baseline="0" noProof="0">
               <a:ln>
@@ -1984,7 +2570,7 @@
     </p:spTree>
     <p:extLst>
       <p:ext uri="{BB962C8B-B14F-4D97-AF65-F5344CB8AC3E}">
-        <p14:creationId xmlns:p14="http://schemas.microsoft.com/office/powerpoint/2010/main" val="3411555569"/>
+        <p14:creationId xmlns:p14="http://schemas.microsoft.com/office/powerpoint/2010/main" val="705387831"/>
       </p:ext>
     </p:extLst>
   </p:cSld>
@@ -1994,7 +2580,7 @@
 </p:notes>
 </file>
 
-<file path=ppt/notesSlides/notesSlide7.xml><?xml version="1.0" encoding="utf-8"?>
+<file path=ppt/notesSlides/notesSlide6.xml><?xml version="1.0" encoding="utf-8"?>
 <p:notes xmlns:a="http://schemas.openxmlformats.org/drawingml/2006/main" xmlns:r="http://schemas.openxmlformats.org/officeDocument/2006/relationships" xmlns:p="http://schemas.openxmlformats.org/presentationml/2006/main">
   <p:cSld>
     <p:spTree>
@@ -2137,7 +2723,7 @@
     </p:spTree>
     <p:extLst>
       <p:ext uri="{BB962C8B-B14F-4D97-AF65-F5344CB8AC3E}">
-        <p14:creationId xmlns:p14="http://schemas.microsoft.com/office/powerpoint/2010/main" val="705387831"/>
+        <p14:creationId xmlns:p14="http://schemas.microsoft.com/office/powerpoint/2010/main" val="1829794613"/>
       </p:ext>
     </p:extLst>
   </p:cSld>
@@ -2147,184 +2733,7 @@
 </p:notes>
 </file>
 
-<file path=ppt/notesSlides/notesSlide8.xml><?xml version="1.0" encoding="utf-8"?>
-<p:notes xmlns:a="http://schemas.openxmlformats.org/drawingml/2006/main" xmlns:r="http://schemas.openxmlformats.org/officeDocument/2006/relationships" xmlns:p="http://schemas.openxmlformats.org/presentationml/2006/main">
-  <p:cSld>
-    <p:spTree>
-      <p:nvGrpSpPr>
-        <p:cNvPr id="1" name=""/>
-        <p:cNvGrpSpPr/>
-        <p:nvPr/>
-      </p:nvGrpSpPr>
-      <p:grpSpPr>
-        <a:xfrm>
-          <a:off x="0" y="0"/>
-          <a:ext cx="0" cy="0"/>
-          <a:chOff x="0" y="0"/>
-          <a:chExt cx="0" cy="0"/>
-        </a:xfrm>
-      </p:grpSpPr>
-      <p:sp>
-        <p:nvSpPr>
-          <p:cNvPr id="2" name="Slide Image Placeholder 1"/>
-          <p:cNvSpPr>
-            <a:spLocks noGrp="1" noRot="1" noChangeAspect="1"/>
-          </p:cNvSpPr>
-          <p:nvPr>
-            <p:ph type="sldImg"/>
-          </p:nvPr>
-        </p:nvSpPr>
-        <p:spPr/>
-      </p:sp>
-      <p:sp>
-        <p:nvSpPr>
-          <p:cNvPr id="3" name="Notes Placeholder 2"/>
-          <p:cNvSpPr>
-            <a:spLocks noGrp="1"/>
-          </p:cNvSpPr>
-          <p:nvPr>
-            <p:ph type="body" idx="1"/>
-          </p:nvPr>
-        </p:nvSpPr>
-        <p:spPr/>
-        <p:txBody>
-          <a:bodyPr/>
-          <a:lstStyle/>
-          <a:p>
-            <a:r>
-              <a:rPr lang="en-US" dirty="0"/>
-              <a:t>Template for a lecture slide with bullets (if you need them).</a:t>
-            </a:r>
-          </a:p>
-          <a:p>
-            <a:endParaRPr lang="en-US" dirty="0"/>
-          </a:p>
-          <a:p>
-            <a:r>
-              <a:rPr lang="en-US" dirty="0"/>
-              <a:t>Try to NOT use bullet lists in your presentation.  </a:t>
-            </a:r>
-          </a:p>
-          <a:p>
-            <a:r>
-              <a:rPr lang="en-US" dirty="0"/>
-              <a:t>Diagrams, puppy pictures, </a:t>
-            </a:r>
-            <a:r>
-              <a:rPr lang="en-US" dirty="0" err="1"/>
-              <a:t>etc</a:t>
-            </a:r>
-            <a:r>
-              <a:rPr lang="en-US" dirty="0"/>
-              <a:t> are always better. </a:t>
-            </a:r>
-            <a:r>
-              <a:rPr lang="en-US" dirty="0">
-                <a:sym typeface="Wingdings" panose="05000000000000000000" pitchFamily="2" charset="2"/>
-              </a:rPr>
-              <a:t></a:t>
-            </a:r>
-            <a:endParaRPr lang="en-US" dirty="0"/>
-          </a:p>
-        </p:txBody>
-      </p:sp>
-      <p:sp>
-        <p:nvSpPr>
-          <p:cNvPr id="4" name="Slide Number Placeholder 3"/>
-          <p:cNvSpPr>
-            <a:spLocks noGrp="1"/>
-          </p:cNvSpPr>
-          <p:nvPr>
-            <p:ph type="sldNum" sz="quarter" idx="5"/>
-          </p:nvPr>
-        </p:nvSpPr>
-        <p:spPr/>
-        <p:txBody>
-          <a:bodyPr/>
-          <a:lstStyle/>
-          <a:p>
-            <a:pPr marL="0" marR="0" lvl="0" indent="0" algn="r" defTabSz="914400" rtl="0" eaLnBrk="1" fontAlgn="auto" latinLnBrk="0" hangingPunct="1">
-              <a:lnSpc>
-                <a:spcPct val="100000"/>
-              </a:lnSpc>
-              <a:spcBef>
-                <a:spcPts val="0"/>
-              </a:spcBef>
-              <a:spcAft>
-                <a:spcPts val="0"/>
-              </a:spcAft>
-              <a:buClrTx/>
-              <a:buSzTx/>
-              <a:buFontTx/>
-              <a:buNone/>
-              <a:tabLst/>
-              <a:defRPr/>
-            </a:pPr>
-            <a:fld id="{72A19410-49C3-46C5-A633-999FD8C4418C}" type="slidenum">
-              <a:rPr kumimoji="0" lang="en-US" sz="1200" b="0" i="0" u="none" strike="noStrike" kern="1200" cap="none" spc="0" normalizeH="0" baseline="0" noProof="0" smtClean="0">
-                <a:ln>
-                  <a:noFill/>
-                </a:ln>
-                <a:solidFill>
-                  <a:prstClr val="black"/>
-                </a:solidFill>
-                <a:effectLst/>
-                <a:uLnTx/>
-                <a:uFillTx/>
-                <a:latin typeface="Calibri" panose="020F0502020204030204"/>
-                <a:ea typeface="+mn-ea"/>
-                <a:cs typeface="+mn-cs"/>
-              </a:rPr>
-              <a:pPr marL="0" marR="0" lvl="0" indent="0" algn="r" defTabSz="914400" rtl="0" eaLnBrk="1" fontAlgn="auto" latinLnBrk="0" hangingPunct="1">
-                <a:lnSpc>
-                  <a:spcPct val="100000"/>
-                </a:lnSpc>
-                <a:spcBef>
-                  <a:spcPts val="0"/>
-                </a:spcBef>
-                <a:spcAft>
-                  <a:spcPts val="0"/>
-                </a:spcAft>
-                <a:buClrTx/>
-                <a:buSzTx/>
-                <a:buFontTx/>
-                <a:buNone/>
-                <a:tabLst/>
-                <a:defRPr/>
-              </a:pPr>
-              <a:t>11</a:t>
-            </a:fld>
-            <a:endParaRPr kumimoji="0" lang="en-US" sz="1200" b="0" i="0" u="none" strike="noStrike" kern="1200" cap="none" spc="0" normalizeH="0" baseline="0" noProof="0">
-              <a:ln>
-                <a:noFill/>
-              </a:ln>
-              <a:solidFill>
-                <a:prstClr val="black"/>
-              </a:solidFill>
-              <a:effectLst/>
-              <a:uLnTx/>
-              <a:uFillTx/>
-              <a:latin typeface="Calibri" panose="020F0502020204030204"/>
-              <a:ea typeface="+mn-ea"/>
-              <a:cs typeface="+mn-cs"/>
-            </a:endParaRPr>
-          </a:p>
-        </p:txBody>
-      </p:sp>
-    </p:spTree>
-    <p:extLst>
-      <p:ext uri="{BB962C8B-B14F-4D97-AF65-F5344CB8AC3E}">
-        <p14:creationId xmlns:p14="http://schemas.microsoft.com/office/powerpoint/2010/main" val="1826291477"/>
-      </p:ext>
-    </p:extLst>
-  </p:cSld>
-  <p:clrMapOvr>
-    <a:masterClrMapping/>
-  </p:clrMapOvr>
-</p:notes>
-</file>
-
-<file path=ppt/notesSlides/notesSlide9.xml><?xml version="1.0" encoding="utf-8"?>
+<file path=ppt/notesSlides/notesSlide7.xml><?xml version="1.0" encoding="utf-8"?>
 <p:notes xmlns:a="http://schemas.openxmlformats.org/drawingml/2006/main" xmlns:r="http://schemas.openxmlformats.org/officeDocument/2006/relationships" xmlns:p="http://schemas.openxmlformats.org/presentationml/2006/main">
   <p:cSld>
     <p:spTree>
@@ -2445,7 +2854,7 @@
                 <a:tabLst/>
                 <a:defRPr/>
               </a:pPr>
-              <a:t>12</a:t>
+              <a:t>11</a:t>
             </a:fld>
             <a:endParaRPr kumimoji="0" lang="en-US" sz="1200" b="0" i="0" u="none" strike="noStrike" kern="1200" cap="none" spc="0" normalizeH="0" baseline="0" noProof="0">
               <a:ln>
@@ -2467,7 +2876,313 @@
     </p:spTree>
     <p:extLst>
       <p:ext uri="{BB962C8B-B14F-4D97-AF65-F5344CB8AC3E}">
-        <p14:creationId xmlns:p14="http://schemas.microsoft.com/office/powerpoint/2010/main" val="1829794613"/>
+        <p14:creationId xmlns:p14="http://schemas.microsoft.com/office/powerpoint/2010/main" val="3995943668"/>
+      </p:ext>
+    </p:extLst>
+  </p:cSld>
+  <p:clrMapOvr>
+    <a:masterClrMapping/>
+  </p:clrMapOvr>
+</p:notes>
+</file>
+
+<file path=ppt/notesSlides/notesSlide8.xml><?xml version="1.0" encoding="utf-8"?>
+<p:notes xmlns:a="http://schemas.openxmlformats.org/drawingml/2006/main" xmlns:r="http://schemas.openxmlformats.org/officeDocument/2006/relationships" xmlns:p="http://schemas.openxmlformats.org/presentationml/2006/main">
+  <p:cSld>
+    <p:spTree>
+      <p:nvGrpSpPr>
+        <p:cNvPr id="1" name=""/>
+        <p:cNvGrpSpPr/>
+        <p:nvPr/>
+      </p:nvGrpSpPr>
+      <p:grpSpPr>
+        <a:xfrm>
+          <a:off x="0" y="0"/>
+          <a:ext cx="0" cy="0"/>
+          <a:chOff x="0" y="0"/>
+          <a:chExt cx="0" cy="0"/>
+        </a:xfrm>
+      </p:grpSpPr>
+      <p:sp>
+        <p:nvSpPr>
+          <p:cNvPr id="2" name="Slide Image Placeholder 1"/>
+          <p:cNvSpPr>
+            <a:spLocks noGrp="1" noRot="1" noChangeAspect="1"/>
+          </p:cNvSpPr>
+          <p:nvPr>
+            <p:ph type="sldImg"/>
+          </p:nvPr>
+        </p:nvSpPr>
+        <p:spPr/>
+      </p:sp>
+      <p:sp>
+        <p:nvSpPr>
+          <p:cNvPr id="3" name="Notes Placeholder 2"/>
+          <p:cNvSpPr>
+            <a:spLocks noGrp="1"/>
+          </p:cNvSpPr>
+          <p:nvPr>
+            <p:ph type="body" idx="1"/>
+          </p:nvPr>
+        </p:nvSpPr>
+        <p:spPr/>
+        <p:txBody>
+          <a:bodyPr/>
+          <a:lstStyle/>
+          <a:p>
+            <a:r>
+              <a:rPr lang="en-US" dirty="0"/>
+              <a:t>For each challenge, list out the key high-level goals.</a:t>
+            </a:r>
+          </a:p>
+          <a:p>
+            <a:r>
+              <a:rPr lang="en-US" dirty="0"/>
+              <a:t>If there are important specifications, list them here, or remind students to “read the student guide!” </a:t>
+            </a:r>
+          </a:p>
+        </p:txBody>
+      </p:sp>
+      <p:sp>
+        <p:nvSpPr>
+          <p:cNvPr id="4" name="Slide Number Placeholder 3"/>
+          <p:cNvSpPr>
+            <a:spLocks noGrp="1"/>
+          </p:cNvSpPr>
+          <p:nvPr>
+            <p:ph type="sldNum" sz="quarter" idx="10"/>
+          </p:nvPr>
+        </p:nvSpPr>
+        <p:spPr/>
+        <p:txBody>
+          <a:bodyPr/>
+          <a:lstStyle/>
+          <a:p>
+            <a:pPr marL="0" marR="0" lvl="0" indent="0" algn="r" defTabSz="914400" rtl="0" eaLnBrk="1" fontAlgn="auto" latinLnBrk="0" hangingPunct="1">
+              <a:lnSpc>
+                <a:spcPct val="100000"/>
+              </a:lnSpc>
+              <a:spcBef>
+                <a:spcPts val="0"/>
+              </a:spcBef>
+              <a:spcAft>
+                <a:spcPts val="0"/>
+              </a:spcAft>
+              <a:buClrTx/>
+              <a:buSzTx/>
+              <a:buFontTx/>
+              <a:buNone/>
+              <a:tabLst/>
+              <a:defRPr/>
+            </a:pPr>
+            <a:fld id="{871D71AE-08D6-4951-B1CF-CF97299DB5EB}" type="slidenum">
+              <a:rPr kumimoji="0" lang="en-US" sz="1200" b="0" i="0" u="none" strike="noStrike" kern="1200" cap="none" spc="0" normalizeH="0" baseline="0" noProof="0" smtClean="0">
+                <a:ln>
+                  <a:noFill/>
+                </a:ln>
+                <a:solidFill>
+                  <a:prstClr val="black"/>
+                </a:solidFill>
+                <a:effectLst/>
+                <a:uLnTx/>
+                <a:uFillTx/>
+                <a:latin typeface="Calibri" panose="020F0502020204030204"/>
+                <a:ea typeface="+mn-ea"/>
+                <a:cs typeface="+mn-cs"/>
+              </a:rPr>
+              <a:pPr marL="0" marR="0" lvl="0" indent="0" algn="r" defTabSz="914400" rtl="0" eaLnBrk="1" fontAlgn="auto" latinLnBrk="0" hangingPunct="1">
+                <a:lnSpc>
+                  <a:spcPct val="100000"/>
+                </a:lnSpc>
+                <a:spcBef>
+                  <a:spcPts val="0"/>
+                </a:spcBef>
+                <a:spcAft>
+                  <a:spcPts val="0"/>
+                </a:spcAft>
+                <a:buClrTx/>
+                <a:buSzTx/>
+                <a:buFontTx/>
+                <a:buNone/>
+                <a:tabLst/>
+                <a:defRPr/>
+              </a:pPr>
+              <a:t>13</a:t>
+            </a:fld>
+            <a:endParaRPr kumimoji="0" lang="en-US" sz="1200" b="0" i="0" u="none" strike="noStrike" kern="1200" cap="none" spc="0" normalizeH="0" baseline="0" noProof="0">
+              <a:ln>
+                <a:noFill/>
+              </a:ln>
+              <a:solidFill>
+                <a:prstClr val="black"/>
+              </a:solidFill>
+              <a:effectLst/>
+              <a:uLnTx/>
+              <a:uFillTx/>
+              <a:latin typeface="Calibri" panose="020F0502020204030204"/>
+              <a:ea typeface="+mn-ea"/>
+              <a:cs typeface="+mn-cs"/>
+            </a:endParaRPr>
+          </a:p>
+        </p:txBody>
+      </p:sp>
+    </p:spTree>
+    <p:extLst>
+      <p:ext uri="{BB962C8B-B14F-4D97-AF65-F5344CB8AC3E}">
+        <p14:creationId xmlns:p14="http://schemas.microsoft.com/office/powerpoint/2010/main" val="223873901"/>
+      </p:ext>
+    </p:extLst>
+  </p:cSld>
+  <p:clrMapOvr>
+    <a:masterClrMapping/>
+  </p:clrMapOvr>
+</p:notes>
+</file>
+
+<file path=ppt/notesSlides/notesSlide9.xml><?xml version="1.0" encoding="utf-8"?>
+<p:notes xmlns:a="http://schemas.openxmlformats.org/drawingml/2006/main" xmlns:r="http://schemas.openxmlformats.org/officeDocument/2006/relationships" xmlns:p="http://schemas.openxmlformats.org/presentationml/2006/main">
+  <p:cSld>
+    <p:spTree>
+      <p:nvGrpSpPr>
+        <p:cNvPr id="1" name=""/>
+        <p:cNvGrpSpPr/>
+        <p:nvPr/>
+      </p:nvGrpSpPr>
+      <p:grpSpPr>
+        <a:xfrm>
+          <a:off x="0" y="0"/>
+          <a:ext cx="0" cy="0"/>
+          <a:chOff x="0" y="0"/>
+          <a:chExt cx="0" cy="0"/>
+        </a:xfrm>
+      </p:grpSpPr>
+      <p:sp>
+        <p:nvSpPr>
+          <p:cNvPr id="2" name="Slide Image Placeholder 1"/>
+          <p:cNvSpPr>
+            <a:spLocks noGrp="1" noRot="1" noChangeAspect="1"/>
+          </p:cNvSpPr>
+          <p:nvPr>
+            <p:ph type="sldImg"/>
+          </p:nvPr>
+        </p:nvSpPr>
+        <p:spPr/>
+      </p:sp>
+      <p:sp>
+        <p:nvSpPr>
+          <p:cNvPr id="3" name="Notes Placeholder 2"/>
+          <p:cNvSpPr>
+            <a:spLocks noGrp="1"/>
+          </p:cNvSpPr>
+          <p:nvPr>
+            <p:ph type="body" idx="1"/>
+          </p:nvPr>
+        </p:nvSpPr>
+        <p:spPr/>
+        <p:txBody>
+          <a:bodyPr/>
+          <a:lstStyle/>
+          <a:p>
+            <a:r>
+              <a:rPr lang="en-US" dirty="0"/>
+              <a:t>For each challenge, list out the key high-level goals.</a:t>
+            </a:r>
+          </a:p>
+          <a:p>
+            <a:r>
+              <a:rPr lang="en-US" dirty="0"/>
+              <a:t>If there are important specifications, list them here, or remind students to “read the student guide!” </a:t>
+            </a:r>
+          </a:p>
+        </p:txBody>
+      </p:sp>
+      <p:sp>
+        <p:nvSpPr>
+          <p:cNvPr id="4" name="Slide Number Placeholder 3"/>
+          <p:cNvSpPr>
+            <a:spLocks noGrp="1"/>
+          </p:cNvSpPr>
+          <p:nvPr>
+            <p:ph type="sldNum" sz="quarter" idx="10"/>
+          </p:nvPr>
+        </p:nvSpPr>
+        <p:spPr/>
+        <p:txBody>
+          <a:bodyPr/>
+          <a:lstStyle/>
+          <a:p>
+            <a:pPr marL="0" marR="0" lvl="0" indent="0" algn="r" defTabSz="914400" rtl="0" eaLnBrk="1" fontAlgn="auto" latinLnBrk="0" hangingPunct="1">
+              <a:lnSpc>
+                <a:spcPct val="100000"/>
+              </a:lnSpc>
+              <a:spcBef>
+                <a:spcPts val="0"/>
+              </a:spcBef>
+              <a:spcAft>
+                <a:spcPts val="0"/>
+              </a:spcAft>
+              <a:buClrTx/>
+              <a:buSzTx/>
+              <a:buFontTx/>
+              <a:buNone/>
+              <a:tabLst/>
+              <a:defRPr/>
+            </a:pPr>
+            <a:fld id="{871D71AE-08D6-4951-B1CF-CF97299DB5EB}" type="slidenum">
+              <a:rPr kumimoji="0" lang="en-US" sz="1200" b="0" i="0" u="none" strike="noStrike" kern="1200" cap="none" spc="0" normalizeH="0" baseline="0" noProof="0" smtClean="0">
+                <a:ln>
+                  <a:noFill/>
+                </a:ln>
+                <a:solidFill>
+                  <a:prstClr val="black"/>
+                </a:solidFill>
+                <a:effectLst/>
+                <a:uLnTx/>
+                <a:uFillTx/>
+                <a:latin typeface="Calibri" panose="020F0502020204030204"/>
+                <a:ea typeface="+mn-ea"/>
+                <a:cs typeface="+mn-cs"/>
+              </a:rPr>
+              <a:pPr marL="0" marR="0" lvl="0" indent="0" algn="r" defTabSz="914400" rtl="0" eaLnBrk="1" fontAlgn="auto" latinLnBrk="0" hangingPunct="1">
+                <a:lnSpc>
+                  <a:spcPct val="100000"/>
+                </a:lnSpc>
+                <a:spcBef>
+                  <a:spcPts val="0"/>
+                </a:spcBef>
+                <a:spcAft>
+                  <a:spcPts val="0"/>
+                </a:spcAft>
+                <a:buClrTx/>
+                <a:buSzTx/>
+                <a:buFontTx/>
+                <a:buNone/>
+                <a:tabLst/>
+                <a:defRPr/>
+              </a:pPr>
+              <a:t>15</a:t>
+            </a:fld>
+            <a:endParaRPr kumimoji="0" lang="en-US" sz="1200" b="0" i="0" u="none" strike="noStrike" kern="1200" cap="none" spc="0" normalizeH="0" baseline="0" noProof="0">
+              <a:ln>
+                <a:noFill/>
+              </a:ln>
+              <a:solidFill>
+                <a:prstClr val="black"/>
+              </a:solidFill>
+              <a:effectLst/>
+              <a:uLnTx/>
+              <a:uFillTx/>
+              <a:latin typeface="Calibri" panose="020F0502020204030204"/>
+              <a:ea typeface="+mn-ea"/>
+              <a:cs typeface="+mn-cs"/>
+            </a:endParaRPr>
+          </a:p>
+        </p:txBody>
+      </p:sp>
+    </p:spTree>
+    <p:extLst>
+      <p:ext uri="{BB962C8B-B14F-4D97-AF65-F5344CB8AC3E}">
+        <p14:creationId xmlns:p14="http://schemas.microsoft.com/office/powerpoint/2010/main" val="2671806735"/>
       </p:ext>
     </p:extLst>
   </p:cSld>
@@ -2647,7 +3362,7 @@
           <a:p>
             <a:fld id="{DFED49D2-CC62-47A6-8FD4-1840AC422660}" type="datetimeFigureOut">
               <a:rPr lang="en-US" smtClean="0"/>
-              <a:t>9/8/22</a:t>
+              <a:t>7/13/2023</a:t>
             </a:fld>
             <a:endParaRPr lang="en-US"/>
           </a:p>
@@ -3002,7 +3717,7 @@
           <a:p>
             <a:fld id="{DFED49D2-CC62-47A6-8FD4-1840AC422660}" type="datetimeFigureOut">
               <a:rPr lang="en-US" smtClean="0"/>
-              <a:t>9/8/22</a:t>
+              <a:t>7/13/2023</a:t>
             </a:fld>
             <a:endParaRPr lang="en-US"/>
           </a:p>
@@ -3200,7 +3915,7 @@
           <a:p>
             <a:fld id="{DFED49D2-CC62-47A6-8FD4-1840AC422660}" type="datetimeFigureOut">
               <a:rPr lang="en-US" smtClean="0"/>
-              <a:t>9/8/22</a:t>
+              <a:t>7/13/2023</a:t>
             </a:fld>
             <a:endParaRPr lang="en-US"/>
           </a:p>
@@ -3408,7 +4123,7 @@
           <a:p>
             <a:fld id="{DFED49D2-CC62-47A6-8FD4-1840AC422660}" type="datetimeFigureOut">
               <a:rPr lang="en-US" smtClean="0"/>
-              <a:t>9/8/22</a:t>
+              <a:t>7/13/2023</a:t>
             </a:fld>
             <a:endParaRPr lang="en-US"/>
           </a:p>
@@ -3975,7 +4690,7 @@
           <a:p>
             <a:fld id="{DFED49D2-CC62-47A6-8FD4-1840AC422660}" type="datetimeFigureOut">
               <a:rPr lang="en-US" smtClean="0"/>
-              <a:t>9/8/22</a:t>
+              <a:t>7/13/2023</a:t>
             </a:fld>
             <a:endParaRPr lang="en-US" dirty="0"/>
           </a:p>
@@ -4195,7 +4910,7 @@
           <a:p>
             <a:fld id="{DFED49D2-CC62-47A6-8FD4-1840AC422660}" type="datetimeFigureOut">
               <a:rPr lang="en-US" smtClean="0"/>
-              <a:t>9/8/22</a:t>
+              <a:t>7/13/2023</a:t>
             </a:fld>
             <a:endParaRPr lang="en-US"/>
           </a:p>
@@ -4532,7 +5247,7 @@
           <a:p>
             <a:fld id="{DFED49D2-CC62-47A6-8FD4-1840AC422660}" type="datetimeFigureOut">
               <a:rPr lang="en-US" smtClean="0"/>
-              <a:t>9/8/22</a:t>
+              <a:t>7/13/2023</a:t>
             </a:fld>
             <a:endParaRPr lang="en-US"/>
           </a:p>
@@ -4833,7 +5548,7 @@
           <a:p>
             <a:fld id="{DFED49D2-CC62-47A6-8FD4-1840AC422660}" type="datetimeFigureOut">
               <a:rPr lang="en-US" smtClean="0"/>
-              <a:t>9/8/22</a:t>
+              <a:t>7/13/2023</a:t>
             </a:fld>
             <a:endParaRPr lang="en-US"/>
           </a:p>
@@ -5245,7 +5960,7 @@
           <a:p>
             <a:fld id="{DFED49D2-CC62-47A6-8FD4-1840AC422660}" type="datetimeFigureOut">
               <a:rPr lang="en-US" smtClean="0"/>
-              <a:t>9/8/22</a:t>
+              <a:t>7/13/2023</a:t>
             </a:fld>
             <a:endParaRPr lang="en-US"/>
           </a:p>
@@ -5391,7 +6106,7 @@
           <a:p>
             <a:fld id="{DFED49D2-CC62-47A6-8FD4-1840AC422660}" type="datetimeFigureOut">
               <a:rPr lang="en-US" smtClean="0"/>
-              <a:t>9/8/22</a:t>
+              <a:t>7/13/2023</a:t>
             </a:fld>
             <a:endParaRPr lang="en-US"/>
           </a:p>
@@ -5504,7 +6219,7 @@
           <a:p>
             <a:fld id="{DFED49D2-CC62-47A6-8FD4-1840AC422660}" type="datetimeFigureOut">
               <a:rPr lang="en-US" smtClean="0"/>
-              <a:t>9/8/22</a:t>
+              <a:t>7/13/2023</a:t>
             </a:fld>
             <a:endParaRPr lang="en-US"/>
           </a:p>
@@ -5815,7 +6530,7 @@
           <a:p>
             <a:fld id="{DFED49D2-CC62-47A6-8FD4-1840AC422660}" type="datetimeFigureOut">
               <a:rPr lang="en-US" smtClean="0"/>
-              <a:t>9/8/22</a:t>
+              <a:t>7/13/2023</a:t>
             </a:fld>
             <a:endParaRPr lang="en-US"/>
           </a:p>
@@ -6056,7 +6771,7 @@
           <a:p>
             <a:fld id="{DFED49D2-CC62-47A6-8FD4-1840AC422660}" type="datetimeFigureOut">
               <a:rPr lang="en-US" smtClean="0"/>
-              <a:t>9/8/22</a:t>
+              <a:t>7/13/2023</a:t>
             </a:fld>
             <a:endParaRPr lang="en-US"/>
           </a:p>
@@ -6554,7 +7269,7 @@
                 <a:ea typeface="+mn-ea"/>
                 <a:cs typeface="Segoe UI" panose="020B0502040204020203" pitchFamily="34" charset="0"/>
               </a:rPr>
-              <a:t>&lt;Insert Hack Name Here&gt;</a:t>
+              <a:t>Rock Paper Scissors Boom!</a:t>
             </a:r>
           </a:p>
         </p:txBody>
@@ -6637,7 +7352,7 @@
           <a:p>
             <a:r>
               <a:rPr lang="en-US" dirty="0"/>
-              <a:t>Challenge X Topic Header</a:t>
+              <a:t>Challenge 4</a:t>
             </a:r>
           </a:p>
         </p:txBody>
@@ -6665,7 +7380,7 @@
           <a:p>
             <a:r>
               <a:rPr lang="en-US" dirty="0"/>
-              <a:t>Sub-Topic Title</a:t>
+              <a:t>Run the game continuously</a:t>
             </a:r>
           </a:p>
         </p:txBody>
@@ -6673,7 +7388,7 @@
     </p:spTree>
     <p:extLst>
       <p:ext uri="{BB962C8B-B14F-4D97-AF65-F5344CB8AC3E}">
-        <p14:creationId xmlns:p14="http://schemas.microsoft.com/office/powerpoint/2010/main" val="3089467722"/>
+        <p14:creationId xmlns:p14="http://schemas.microsoft.com/office/powerpoint/2010/main" val="352853457"/>
       </p:ext>
     </p:extLst>
   </p:cSld>
@@ -6702,13 +7417,7 @@
       </p:grpSpPr>
       <p:sp>
         <p:nvSpPr>
-          <p:cNvPr id="2" name="Title 1">
-            <a:extLst>
-              <a:ext uri="{FF2B5EF4-FFF2-40B4-BE49-F238E27FC236}">
-                <a16:creationId xmlns:a16="http://schemas.microsoft.com/office/drawing/2014/main" id="{036509A8-D248-48A9-80E4-41218D56B3F3}"/>
-              </a:ext>
-            </a:extLst>
-          </p:cNvPr>
+          <p:cNvPr id="3" name="Title 2"/>
           <p:cNvSpPr>
             <a:spLocks noGrp="1"/>
           </p:cNvSpPr>
@@ -6719,21 +7428,21 @@
         <p:spPr/>
         <p:txBody>
           <a:bodyPr>
-            <a:normAutofit fontScale="90000"/>
+            <a:normAutofit/>
           </a:bodyPr>
           <a:lstStyle/>
           <a:p>
             <a:r>
-              <a:rPr lang="en-US" sz="6000" b="1" dirty="0">
+              <a:rPr lang="en-US" sz="5400" b="1" dirty="0">
                 <a:solidFill>
                   <a:srgbClr val="002060"/>
                 </a:solidFill>
                 <a:latin typeface="Segoe UI" panose="020B0502040204020203" pitchFamily="34" charset="0"/>
                 <a:cs typeface="Segoe UI" panose="020B0502040204020203" pitchFamily="34" charset="0"/>
               </a:rPr>
-              <a:t>Title Segoe UI 54pt</a:t>
-            </a:r>
-            <a:endParaRPr lang="en-US" sz="5400" b="1" dirty="0">
+              <a:t>Challenge 4</a:t>
+            </a:r>
+            <a:endParaRPr lang="en-US" sz="3200" b="1" dirty="0">
               <a:solidFill>
                 <a:srgbClr val="7030A0"/>
               </a:solidFill>
@@ -6745,10 +7454,10 @@
       </p:sp>
       <p:sp>
         <p:nvSpPr>
-          <p:cNvPr id="3" name="Content Placeholder 2">
-            <a:extLst>
-              <a:ext uri="{FF2B5EF4-FFF2-40B4-BE49-F238E27FC236}">
-                <a16:creationId xmlns:a16="http://schemas.microsoft.com/office/drawing/2014/main" id="{17DBF992-46E2-4A48-9C03-B9E15BA5EC83}"/>
+          <p:cNvPr id="4" name="Content Placeholder 3">
+            <a:extLst>
+              <a:ext uri="{FF2B5EF4-FFF2-40B4-BE49-F238E27FC236}">
+                <a16:creationId xmlns:a16="http://schemas.microsoft.com/office/drawing/2014/main" id="{072FDFA0-CC9F-E8E1-863B-9F616F3536D9}"/>
               </a:ext>
             </a:extLst>
           </p:cNvPr>
@@ -6765,621 +7474,30 @@
           <a:lstStyle/>
           <a:p>
             <a:r>
-              <a:rPr lang="en-US" dirty="0">
-                <a:latin typeface="Segoe UI" panose="020B0502040204020203" pitchFamily="34" charset="0"/>
-                <a:cs typeface="Segoe UI" panose="020B0502040204020203" pitchFamily="34" charset="0"/>
-              </a:rPr>
-              <a:t>Segoe UI font for content</a:t>
-            </a:r>
-          </a:p>
-          <a:p>
-            <a:r>
-              <a:rPr lang="en-US" dirty="0">
-                <a:latin typeface="Segoe UI" panose="020B0502040204020203" pitchFamily="34" charset="0"/>
-                <a:cs typeface="Segoe UI" panose="020B0502040204020203" pitchFamily="34" charset="0"/>
-              </a:rPr>
-              <a:t>"Lorem ipsum dolor sit </a:t>
-            </a:r>
-            <a:r>
-              <a:rPr lang="en-US" dirty="0" err="1">
-                <a:latin typeface="Segoe UI" panose="020B0502040204020203" pitchFamily="34" charset="0"/>
-                <a:cs typeface="Segoe UI" panose="020B0502040204020203" pitchFamily="34" charset="0"/>
-              </a:rPr>
-              <a:t>amet</a:t>
-            </a:r>
-            <a:r>
-              <a:rPr lang="en-US" dirty="0">
-                <a:latin typeface="Segoe UI" panose="020B0502040204020203" pitchFamily="34" charset="0"/>
-                <a:cs typeface="Segoe UI" panose="020B0502040204020203" pitchFamily="34" charset="0"/>
-              </a:rPr>
-              <a:t>, </a:t>
-            </a:r>
-            <a:r>
-              <a:rPr lang="en-US" dirty="0" err="1">
-                <a:latin typeface="Segoe UI" panose="020B0502040204020203" pitchFamily="34" charset="0"/>
-                <a:cs typeface="Segoe UI" panose="020B0502040204020203" pitchFamily="34" charset="0"/>
-              </a:rPr>
-              <a:t>consectetur</a:t>
-            </a:r>
-            <a:r>
-              <a:rPr lang="en-US" dirty="0">
-                <a:latin typeface="Segoe UI" panose="020B0502040204020203" pitchFamily="34" charset="0"/>
-                <a:cs typeface="Segoe UI" panose="020B0502040204020203" pitchFamily="34" charset="0"/>
-              </a:rPr>
-              <a:t> </a:t>
-            </a:r>
-            <a:r>
-              <a:rPr lang="en-US" dirty="0" err="1">
-                <a:latin typeface="Segoe UI" panose="020B0502040204020203" pitchFamily="34" charset="0"/>
-                <a:cs typeface="Segoe UI" panose="020B0502040204020203" pitchFamily="34" charset="0"/>
-              </a:rPr>
-              <a:t>adipiscing</a:t>
-            </a:r>
-            <a:r>
-              <a:rPr lang="en-US" dirty="0">
-                <a:latin typeface="Segoe UI" panose="020B0502040204020203" pitchFamily="34" charset="0"/>
-                <a:cs typeface="Segoe UI" panose="020B0502040204020203" pitchFamily="34" charset="0"/>
-              </a:rPr>
-              <a:t> </a:t>
-            </a:r>
-            <a:r>
-              <a:rPr lang="en-US" dirty="0" err="1">
-                <a:latin typeface="Segoe UI" panose="020B0502040204020203" pitchFamily="34" charset="0"/>
-                <a:cs typeface="Segoe UI" panose="020B0502040204020203" pitchFamily="34" charset="0"/>
-              </a:rPr>
-              <a:t>elit</a:t>
-            </a:r>
-            <a:r>
-              <a:rPr lang="en-US" dirty="0">
-                <a:latin typeface="Segoe UI" panose="020B0502040204020203" pitchFamily="34" charset="0"/>
-                <a:cs typeface="Segoe UI" panose="020B0502040204020203" pitchFamily="34" charset="0"/>
-              </a:rPr>
-              <a:t>, sed do </a:t>
-            </a:r>
-            <a:r>
-              <a:rPr lang="en-US" dirty="0" err="1">
-                <a:latin typeface="Segoe UI" panose="020B0502040204020203" pitchFamily="34" charset="0"/>
-                <a:cs typeface="Segoe UI" panose="020B0502040204020203" pitchFamily="34" charset="0"/>
-              </a:rPr>
-              <a:t>eiusmod</a:t>
-            </a:r>
-            <a:r>
-              <a:rPr lang="en-US" dirty="0">
-                <a:latin typeface="Segoe UI" panose="020B0502040204020203" pitchFamily="34" charset="0"/>
-                <a:cs typeface="Segoe UI" panose="020B0502040204020203" pitchFamily="34" charset="0"/>
-              </a:rPr>
-              <a:t> </a:t>
-            </a:r>
-            <a:r>
-              <a:rPr lang="en-US" dirty="0" err="1">
-                <a:latin typeface="Segoe UI" panose="020B0502040204020203" pitchFamily="34" charset="0"/>
-                <a:cs typeface="Segoe UI" panose="020B0502040204020203" pitchFamily="34" charset="0"/>
-              </a:rPr>
-              <a:t>tempor</a:t>
-            </a:r>
-            <a:r>
-              <a:rPr lang="en-US" dirty="0">
-                <a:latin typeface="Segoe UI" panose="020B0502040204020203" pitchFamily="34" charset="0"/>
-                <a:cs typeface="Segoe UI" panose="020B0502040204020203" pitchFamily="34" charset="0"/>
-              </a:rPr>
-              <a:t> </a:t>
-            </a:r>
-            <a:r>
-              <a:rPr lang="en-US" dirty="0" err="1">
-                <a:latin typeface="Segoe UI" panose="020B0502040204020203" pitchFamily="34" charset="0"/>
-                <a:cs typeface="Segoe UI" panose="020B0502040204020203" pitchFamily="34" charset="0"/>
-              </a:rPr>
-              <a:t>incididunt</a:t>
-            </a:r>
-            <a:r>
-              <a:rPr lang="en-US" dirty="0">
-                <a:latin typeface="Segoe UI" panose="020B0502040204020203" pitchFamily="34" charset="0"/>
-                <a:cs typeface="Segoe UI" panose="020B0502040204020203" pitchFamily="34" charset="0"/>
-              </a:rPr>
-              <a:t> </a:t>
-            </a:r>
-            <a:r>
-              <a:rPr lang="en-US" dirty="0" err="1">
-                <a:latin typeface="Segoe UI" panose="020B0502040204020203" pitchFamily="34" charset="0"/>
-                <a:cs typeface="Segoe UI" panose="020B0502040204020203" pitchFamily="34" charset="0"/>
-              </a:rPr>
-              <a:t>ut</a:t>
-            </a:r>
-            <a:r>
-              <a:rPr lang="en-US" dirty="0">
-                <a:latin typeface="Segoe UI" panose="020B0502040204020203" pitchFamily="34" charset="0"/>
-                <a:cs typeface="Segoe UI" panose="020B0502040204020203" pitchFamily="34" charset="0"/>
-              </a:rPr>
-              <a:t> labore et dolore magna </a:t>
-            </a:r>
-            <a:r>
-              <a:rPr lang="en-US" dirty="0" err="1">
-                <a:latin typeface="Segoe UI" panose="020B0502040204020203" pitchFamily="34" charset="0"/>
-                <a:cs typeface="Segoe UI" panose="020B0502040204020203" pitchFamily="34" charset="0"/>
-              </a:rPr>
-              <a:t>aliqua</a:t>
-            </a:r>
-            <a:r>
-              <a:rPr lang="en-US" dirty="0">
-                <a:latin typeface="Segoe UI" panose="020B0502040204020203" pitchFamily="34" charset="0"/>
-                <a:cs typeface="Segoe UI" panose="020B0502040204020203" pitchFamily="34" charset="0"/>
-              </a:rPr>
-              <a:t>. Ut </a:t>
-            </a:r>
-            <a:r>
-              <a:rPr lang="en-US" dirty="0" err="1">
-                <a:latin typeface="Segoe UI" panose="020B0502040204020203" pitchFamily="34" charset="0"/>
-                <a:cs typeface="Segoe UI" panose="020B0502040204020203" pitchFamily="34" charset="0"/>
-              </a:rPr>
-              <a:t>enim</a:t>
-            </a:r>
-            <a:r>
-              <a:rPr lang="en-US" dirty="0">
-                <a:latin typeface="Segoe UI" panose="020B0502040204020203" pitchFamily="34" charset="0"/>
-                <a:cs typeface="Segoe UI" panose="020B0502040204020203" pitchFamily="34" charset="0"/>
-              </a:rPr>
-              <a:t> ad minim </a:t>
-            </a:r>
-            <a:r>
-              <a:rPr lang="en-US" dirty="0" err="1">
-                <a:latin typeface="Segoe UI" panose="020B0502040204020203" pitchFamily="34" charset="0"/>
-                <a:cs typeface="Segoe UI" panose="020B0502040204020203" pitchFamily="34" charset="0"/>
-              </a:rPr>
-              <a:t>veniam</a:t>
-            </a:r>
-            <a:r>
-              <a:rPr lang="en-US" dirty="0">
-                <a:latin typeface="Segoe UI" panose="020B0502040204020203" pitchFamily="34" charset="0"/>
-                <a:cs typeface="Segoe UI" panose="020B0502040204020203" pitchFamily="34" charset="0"/>
-              </a:rPr>
-              <a:t>, </a:t>
-            </a:r>
-            <a:r>
-              <a:rPr lang="en-US" dirty="0" err="1">
-                <a:latin typeface="Segoe UI" panose="020B0502040204020203" pitchFamily="34" charset="0"/>
-                <a:cs typeface="Segoe UI" panose="020B0502040204020203" pitchFamily="34" charset="0"/>
-              </a:rPr>
-              <a:t>quis</a:t>
-            </a:r>
-            <a:r>
-              <a:rPr lang="en-US" dirty="0">
-                <a:latin typeface="Segoe UI" panose="020B0502040204020203" pitchFamily="34" charset="0"/>
-                <a:cs typeface="Segoe UI" panose="020B0502040204020203" pitchFamily="34" charset="0"/>
-              </a:rPr>
-              <a:t> </a:t>
-            </a:r>
-            <a:r>
-              <a:rPr lang="en-US" dirty="0" err="1">
-                <a:latin typeface="Segoe UI" panose="020B0502040204020203" pitchFamily="34" charset="0"/>
-                <a:cs typeface="Segoe UI" panose="020B0502040204020203" pitchFamily="34" charset="0"/>
-              </a:rPr>
-              <a:t>nostrud</a:t>
-            </a:r>
-            <a:r>
-              <a:rPr lang="en-US" dirty="0">
-                <a:latin typeface="Segoe UI" panose="020B0502040204020203" pitchFamily="34" charset="0"/>
-                <a:cs typeface="Segoe UI" panose="020B0502040204020203" pitchFamily="34" charset="0"/>
-              </a:rPr>
-              <a:t> exercitation </a:t>
-            </a:r>
-            <a:r>
-              <a:rPr lang="en-US" dirty="0" err="1">
-                <a:latin typeface="Segoe UI" panose="020B0502040204020203" pitchFamily="34" charset="0"/>
-                <a:cs typeface="Segoe UI" panose="020B0502040204020203" pitchFamily="34" charset="0"/>
-              </a:rPr>
-              <a:t>ullamco</a:t>
-            </a:r>
-            <a:r>
-              <a:rPr lang="en-US" dirty="0">
-                <a:latin typeface="Segoe UI" panose="020B0502040204020203" pitchFamily="34" charset="0"/>
-                <a:cs typeface="Segoe UI" panose="020B0502040204020203" pitchFamily="34" charset="0"/>
-              </a:rPr>
-              <a:t> </a:t>
-            </a:r>
-            <a:r>
-              <a:rPr lang="en-US" dirty="0" err="1">
-                <a:latin typeface="Segoe UI" panose="020B0502040204020203" pitchFamily="34" charset="0"/>
-                <a:cs typeface="Segoe UI" panose="020B0502040204020203" pitchFamily="34" charset="0"/>
-              </a:rPr>
-              <a:t>laboris</a:t>
-            </a:r>
-            <a:r>
-              <a:rPr lang="en-US" dirty="0">
-                <a:latin typeface="Segoe UI" panose="020B0502040204020203" pitchFamily="34" charset="0"/>
-                <a:cs typeface="Segoe UI" panose="020B0502040204020203" pitchFamily="34" charset="0"/>
-              </a:rPr>
-              <a:t> nisi </a:t>
-            </a:r>
-            <a:r>
-              <a:rPr lang="en-US" dirty="0" err="1">
-                <a:latin typeface="Segoe UI" panose="020B0502040204020203" pitchFamily="34" charset="0"/>
-                <a:cs typeface="Segoe UI" panose="020B0502040204020203" pitchFamily="34" charset="0"/>
-              </a:rPr>
-              <a:t>ut</a:t>
-            </a:r>
-            <a:r>
-              <a:rPr lang="en-US" dirty="0">
-                <a:latin typeface="Segoe UI" panose="020B0502040204020203" pitchFamily="34" charset="0"/>
-                <a:cs typeface="Segoe UI" panose="020B0502040204020203" pitchFamily="34" charset="0"/>
-              </a:rPr>
-              <a:t> </a:t>
-            </a:r>
-            <a:r>
-              <a:rPr lang="en-US" dirty="0" err="1">
-                <a:latin typeface="Segoe UI" panose="020B0502040204020203" pitchFamily="34" charset="0"/>
-                <a:cs typeface="Segoe UI" panose="020B0502040204020203" pitchFamily="34" charset="0"/>
-              </a:rPr>
-              <a:t>aliquip</a:t>
-            </a:r>
-            <a:r>
-              <a:rPr lang="en-US" dirty="0">
-                <a:latin typeface="Segoe UI" panose="020B0502040204020203" pitchFamily="34" charset="0"/>
-                <a:cs typeface="Segoe UI" panose="020B0502040204020203" pitchFamily="34" charset="0"/>
-              </a:rPr>
-              <a:t> ex </a:t>
-            </a:r>
-            <a:r>
-              <a:rPr lang="en-US" dirty="0" err="1">
-                <a:latin typeface="Segoe UI" panose="020B0502040204020203" pitchFamily="34" charset="0"/>
-                <a:cs typeface="Segoe UI" panose="020B0502040204020203" pitchFamily="34" charset="0"/>
-              </a:rPr>
-              <a:t>ea</a:t>
-            </a:r>
-            <a:r>
-              <a:rPr lang="en-US" dirty="0">
-                <a:latin typeface="Segoe UI" panose="020B0502040204020203" pitchFamily="34" charset="0"/>
-                <a:cs typeface="Segoe UI" panose="020B0502040204020203" pitchFamily="34" charset="0"/>
-              </a:rPr>
-              <a:t> </a:t>
-            </a:r>
-            <a:r>
-              <a:rPr lang="en-US" dirty="0" err="1">
-                <a:latin typeface="Segoe UI" panose="020B0502040204020203" pitchFamily="34" charset="0"/>
-                <a:cs typeface="Segoe UI" panose="020B0502040204020203" pitchFamily="34" charset="0"/>
-              </a:rPr>
-              <a:t>commodo</a:t>
-            </a:r>
-            <a:r>
-              <a:rPr lang="en-US" dirty="0">
-                <a:latin typeface="Segoe UI" panose="020B0502040204020203" pitchFamily="34" charset="0"/>
-                <a:cs typeface="Segoe UI" panose="020B0502040204020203" pitchFamily="34" charset="0"/>
-              </a:rPr>
-              <a:t> </a:t>
-            </a:r>
-            <a:r>
-              <a:rPr lang="en-US" dirty="0" err="1">
-                <a:latin typeface="Segoe UI" panose="020B0502040204020203" pitchFamily="34" charset="0"/>
-                <a:cs typeface="Segoe UI" panose="020B0502040204020203" pitchFamily="34" charset="0"/>
-              </a:rPr>
-              <a:t>consequat</a:t>
-            </a:r>
-            <a:r>
-              <a:rPr lang="en-US" dirty="0">
-                <a:latin typeface="Segoe UI" panose="020B0502040204020203" pitchFamily="34" charset="0"/>
-                <a:cs typeface="Segoe UI" panose="020B0502040204020203" pitchFamily="34" charset="0"/>
-              </a:rPr>
-              <a:t>. Duis </a:t>
-            </a:r>
-            <a:r>
-              <a:rPr lang="en-US" dirty="0" err="1">
-                <a:latin typeface="Segoe UI" panose="020B0502040204020203" pitchFamily="34" charset="0"/>
-                <a:cs typeface="Segoe UI" panose="020B0502040204020203" pitchFamily="34" charset="0"/>
-              </a:rPr>
-              <a:t>aute</a:t>
-            </a:r>
-            <a:r>
-              <a:rPr lang="en-US" dirty="0">
-                <a:latin typeface="Segoe UI" panose="020B0502040204020203" pitchFamily="34" charset="0"/>
-                <a:cs typeface="Segoe UI" panose="020B0502040204020203" pitchFamily="34" charset="0"/>
-              </a:rPr>
-              <a:t> </a:t>
-            </a:r>
-            <a:r>
-              <a:rPr lang="en-US" dirty="0" err="1">
-                <a:latin typeface="Segoe UI" panose="020B0502040204020203" pitchFamily="34" charset="0"/>
-                <a:cs typeface="Segoe UI" panose="020B0502040204020203" pitchFamily="34" charset="0"/>
-              </a:rPr>
-              <a:t>irure</a:t>
-            </a:r>
-            <a:r>
-              <a:rPr lang="en-US" dirty="0">
-                <a:latin typeface="Segoe UI" panose="020B0502040204020203" pitchFamily="34" charset="0"/>
-                <a:cs typeface="Segoe UI" panose="020B0502040204020203" pitchFamily="34" charset="0"/>
-              </a:rPr>
-              <a:t> dolor in </a:t>
-            </a:r>
-            <a:r>
-              <a:rPr lang="en-US" dirty="0" err="1">
-                <a:latin typeface="Segoe UI" panose="020B0502040204020203" pitchFamily="34" charset="0"/>
-                <a:cs typeface="Segoe UI" panose="020B0502040204020203" pitchFamily="34" charset="0"/>
-              </a:rPr>
-              <a:t>reprehenderit</a:t>
-            </a:r>
-            <a:r>
-              <a:rPr lang="en-US" dirty="0">
-                <a:latin typeface="Segoe UI" panose="020B0502040204020203" pitchFamily="34" charset="0"/>
-                <a:cs typeface="Segoe UI" panose="020B0502040204020203" pitchFamily="34" charset="0"/>
-              </a:rPr>
-              <a:t> in </a:t>
-            </a:r>
-            <a:r>
-              <a:rPr lang="en-US" dirty="0" err="1">
-                <a:latin typeface="Segoe UI" panose="020B0502040204020203" pitchFamily="34" charset="0"/>
-                <a:cs typeface="Segoe UI" panose="020B0502040204020203" pitchFamily="34" charset="0"/>
-              </a:rPr>
-              <a:t>voluptate</a:t>
-            </a:r>
-            <a:r>
-              <a:rPr lang="en-US" dirty="0">
-                <a:latin typeface="Segoe UI" panose="020B0502040204020203" pitchFamily="34" charset="0"/>
-                <a:cs typeface="Segoe UI" panose="020B0502040204020203" pitchFamily="34" charset="0"/>
-              </a:rPr>
-              <a:t> </a:t>
-            </a:r>
-            <a:r>
-              <a:rPr lang="en-US" dirty="0" err="1">
-                <a:latin typeface="Segoe UI" panose="020B0502040204020203" pitchFamily="34" charset="0"/>
-                <a:cs typeface="Segoe UI" panose="020B0502040204020203" pitchFamily="34" charset="0"/>
-              </a:rPr>
-              <a:t>velit</a:t>
-            </a:r>
-            <a:r>
-              <a:rPr lang="en-US" dirty="0">
-                <a:latin typeface="Segoe UI" panose="020B0502040204020203" pitchFamily="34" charset="0"/>
-                <a:cs typeface="Segoe UI" panose="020B0502040204020203" pitchFamily="34" charset="0"/>
-              </a:rPr>
-              <a:t> </a:t>
-            </a:r>
-            <a:r>
-              <a:rPr lang="en-US" dirty="0" err="1">
-                <a:latin typeface="Segoe UI" panose="020B0502040204020203" pitchFamily="34" charset="0"/>
-                <a:cs typeface="Segoe UI" panose="020B0502040204020203" pitchFamily="34" charset="0"/>
-              </a:rPr>
-              <a:t>esse</a:t>
-            </a:r>
-            <a:r>
-              <a:rPr lang="en-US" dirty="0">
-                <a:latin typeface="Segoe UI" panose="020B0502040204020203" pitchFamily="34" charset="0"/>
-                <a:cs typeface="Segoe UI" panose="020B0502040204020203" pitchFamily="34" charset="0"/>
-              </a:rPr>
-              <a:t> </a:t>
-            </a:r>
-            <a:r>
-              <a:rPr lang="en-US" dirty="0" err="1">
-                <a:latin typeface="Segoe UI" panose="020B0502040204020203" pitchFamily="34" charset="0"/>
-                <a:cs typeface="Segoe UI" panose="020B0502040204020203" pitchFamily="34" charset="0"/>
-              </a:rPr>
-              <a:t>cillum</a:t>
-            </a:r>
-            <a:r>
-              <a:rPr lang="en-US" dirty="0">
-                <a:latin typeface="Segoe UI" panose="020B0502040204020203" pitchFamily="34" charset="0"/>
-                <a:cs typeface="Segoe UI" panose="020B0502040204020203" pitchFamily="34" charset="0"/>
-              </a:rPr>
-              <a:t> dolore </a:t>
-            </a:r>
-            <a:r>
-              <a:rPr lang="en-US" dirty="0" err="1">
-                <a:latin typeface="Segoe UI" panose="020B0502040204020203" pitchFamily="34" charset="0"/>
-                <a:cs typeface="Segoe UI" panose="020B0502040204020203" pitchFamily="34" charset="0"/>
-              </a:rPr>
-              <a:t>eu</a:t>
-            </a:r>
-            <a:r>
-              <a:rPr lang="en-US" dirty="0">
-                <a:latin typeface="Segoe UI" panose="020B0502040204020203" pitchFamily="34" charset="0"/>
-                <a:cs typeface="Segoe UI" panose="020B0502040204020203" pitchFamily="34" charset="0"/>
-              </a:rPr>
-              <a:t> </a:t>
-            </a:r>
-            <a:r>
-              <a:rPr lang="en-US" dirty="0" err="1">
-                <a:latin typeface="Segoe UI" panose="020B0502040204020203" pitchFamily="34" charset="0"/>
-                <a:cs typeface="Segoe UI" panose="020B0502040204020203" pitchFamily="34" charset="0"/>
-              </a:rPr>
-              <a:t>fugiat</a:t>
-            </a:r>
-            <a:r>
-              <a:rPr lang="en-US" dirty="0">
-                <a:latin typeface="Segoe UI" panose="020B0502040204020203" pitchFamily="34" charset="0"/>
-                <a:cs typeface="Segoe UI" panose="020B0502040204020203" pitchFamily="34" charset="0"/>
-              </a:rPr>
-              <a:t> </a:t>
-            </a:r>
-            <a:r>
-              <a:rPr lang="en-US" dirty="0" err="1">
-                <a:latin typeface="Segoe UI" panose="020B0502040204020203" pitchFamily="34" charset="0"/>
-                <a:cs typeface="Segoe UI" panose="020B0502040204020203" pitchFamily="34" charset="0"/>
-              </a:rPr>
-              <a:t>nulla</a:t>
-            </a:r>
-            <a:r>
-              <a:rPr lang="en-US" dirty="0">
-                <a:latin typeface="Segoe UI" panose="020B0502040204020203" pitchFamily="34" charset="0"/>
-                <a:cs typeface="Segoe UI" panose="020B0502040204020203" pitchFamily="34" charset="0"/>
-              </a:rPr>
-              <a:t> </a:t>
-            </a:r>
-            <a:r>
-              <a:rPr lang="en-US" dirty="0" err="1">
-                <a:latin typeface="Segoe UI" panose="020B0502040204020203" pitchFamily="34" charset="0"/>
-                <a:cs typeface="Segoe UI" panose="020B0502040204020203" pitchFamily="34" charset="0"/>
-              </a:rPr>
-              <a:t>pariatur</a:t>
-            </a:r>
-            <a:r>
-              <a:rPr lang="en-US" dirty="0">
-                <a:latin typeface="Segoe UI" panose="020B0502040204020203" pitchFamily="34" charset="0"/>
-                <a:cs typeface="Segoe UI" panose="020B0502040204020203" pitchFamily="34" charset="0"/>
-              </a:rPr>
-              <a:t>. </a:t>
-            </a:r>
-            <a:r>
-              <a:rPr lang="en-US" dirty="0" err="1">
-                <a:latin typeface="Segoe UI" panose="020B0502040204020203" pitchFamily="34" charset="0"/>
-                <a:cs typeface="Segoe UI" panose="020B0502040204020203" pitchFamily="34" charset="0"/>
-              </a:rPr>
-              <a:t>Excepteur</a:t>
-            </a:r>
-            <a:r>
-              <a:rPr lang="en-US" dirty="0">
-                <a:latin typeface="Segoe UI" panose="020B0502040204020203" pitchFamily="34" charset="0"/>
-                <a:cs typeface="Segoe UI" panose="020B0502040204020203" pitchFamily="34" charset="0"/>
-              </a:rPr>
-              <a:t> </a:t>
-            </a:r>
-            <a:r>
-              <a:rPr lang="en-US" dirty="0" err="1">
-                <a:latin typeface="Segoe UI" panose="020B0502040204020203" pitchFamily="34" charset="0"/>
-                <a:cs typeface="Segoe UI" panose="020B0502040204020203" pitchFamily="34" charset="0"/>
-              </a:rPr>
-              <a:t>sint</a:t>
-            </a:r>
-            <a:r>
-              <a:rPr lang="en-US" dirty="0">
-                <a:latin typeface="Segoe UI" panose="020B0502040204020203" pitchFamily="34" charset="0"/>
-                <a:cs typeface="Segoe UI" panose="020B0502040204020203" pitchFamily="34" charset="0"/>
-              </a:rPr>
-              <a:t> </a:t>
-            </a:r>
-            <a:r>
-              <a:rPr lang="en-US" dirty="0" err="1">
-                <a:latin typeface="Segoe UI" panose="020B0502040204020203" pitchFamily="34" charset="0"/>
-                <a:cs typeface="Segoe UI" panose="020B0502040204020203" pitchFamily="34" charset="0"/>
-              </a:rPr>
-              <a:t>occaecat</a:t>
-            </a:r>
-            <a:r>
-              <a:rPr lang="en-US" dirty="0">
-                <a:latin typeface="Segoe UI" panose="020B0502040204020203" pitchFamily="34" charset="0"/>
-                <a:cs typeface="Segoe UI" panose="020B0502040204020203" pitchFamily="34" charset="0"/>
-              </a:rPr>
-              <a:t> </a:t>
-            </a:r>
-            <a:r>
-              <a:rPr lang="en-US" dirty="0" err="1">
-                <a:latin typeface="Segoe UI" panose="020B0502040204020203" pitchFamily="34" charset="0"/>
-                <a:cs typeface="Segoe UI" panose="020B0502040204020203" pitchFamily="34" charset="0"/>
-              </a:rPr>
-              <a:t>cupidatat</a:t>
-            </a:r>
-            <a:r>
-              <a:rPr lang="en-US" dirty="0">
-                <a:latin typeface="Segoe UI" panose="020B0502040204020203" pitchFamily="34" charset="0"/>
-                <a:cs typeface="Segoe UI" panose="020B0502040204020203" pitchFamily="34" charset="0"/>
-              </a:rPr>
-              <a:t> non </a:t>
-            </a:r>
-            <a:r>
-              <a:rPr lang="en-US" dirty="0" err="1">
-                <a:latin typeface="Segoe UI" panose="020B0502040204020203" pitchFamily="34" charset="0"/>
-                <a:cs typeface="Segoe UI" panose="020B0502040204020203" pitchFamily="34" charset="0"/>
-              </a:rPr>
-              <a:t>proident</a:t>
-            </a:r>
-            <a:r>
-              <a:rPr lang="en-US" dirty="0">
-                <a:latin typeface="Segoe UI" panose="020B0502040204020203" pitchFamily="34" charset="0"/>
-                <a:cs typeface="Segoe UI" panose="020B0502040204020203" pitchFamily="34" charset="0"/>
-              </a:rPr>
-              <a:t>, sunt in culpa qui </a:t>
-            </a:r>
-            <a:r>
-              <a:rPr lang="en-US" dirty="0" err="1">
-                <a:latin typeface="Segoe UI" panose="020B0502040204020203" pitchFamily="34" charset="0"/>
-                <a:cs typeface="Segoe UI" panose="020B0502040204020203" pitchFamily="34" charset="0"/>
-              </a:rPr>
-              <a:t>officia</a:t>
-            </a:r>
-            <a:r>
-              <a:rPr lang="en-US" dirty="0">
-                <a:latin typeface="Segoe UI" panose="020B0502040204020203" pitchFamily="34" charset="0"/>
-                <a:cs typeface="Segoe UI" panose="020B0502040204020203" pitchFamily="34" charset="0"/>
-              </a:rPr>
-              <a:t> </a:t>
-            </a:r>
-            <a:r>
-              <a:rPr lang="en-US" dirty="0" err="1">
-                <a:latin typeface="Segoe UI" panose="020B0502040204020203" pitchFamily="34" charset="0"/>
-                <a:cs typeface="Segoe UI" panose="020B0502040204020203" pitchFamily="34" charset="0"/>
-              </a:rPr>
-              <a:t>deserunt</a:t>
-            </a:r>
-            <a:r>
-              <a:rPr lang="en-US" dirty="0">
-                <a:latin typeface="Segoe UI" panose="020B0502040204020203" pitchFamily="34" charset="0"/>
-                <a:cs typeface="Segoe UI" panose="020B0502040204020203" pitchFamily="34" charset="0"/>
-              </a:rPr>
-              <a:t> </a:t>
-            </a:r>
-            <a:r>
-              <a:rPr lang="en-US" dirty="0" err="1">
-                <a:latin typeface="Segoe UI" panose="020B0502040204020203" pitchFamily="34" charset="0"/>
-                <a:cs typeface="Segoe UI" panose="020B0502040204020203" pitchFamily="34" charset="0"/>
-              </a:rPr>
-              <a:t>mollit</a:t>
-            </a:r>
-            <a:r>
-              <a:rPr lang="en-US" dirty="0">
-                <a:latin typeface="Segoe UI" panose="020B0502040204020203" pitchFamily="34" charset="0"/>
-                <a:cs typeface="Segoe UI" panose="020B0502040204020203" pitchFamily="34" charset="0"/>
-              </a:rPr>
-              <a:t> </a:t>
-            </a:r>
-            <a:r>
-              <a:rPr lang="en-US" dirty="0" err="1">
-                <a:latin typeface="Segoe UI" panose="020B0502040204020203" pitchFamily="34" charset="0"/>
-                <a:cs typeface="Segoe UI" panose="020B0502040204020203" pitchFamily="34" charset="0"/>
-              </a:rPr>
-              <a:t>anim</a:t>
-            </a:r>
-            <a:r>
-              <a:rPr lang="en-US" dirty="0">
-                <a:latin typeface="Segoe UI" panose="020B0502040204020203" pitchFamily="34" charset="0"/>
-                <a:cs typeface="Segoe UI" panose="020B0502040204020203" pitchFamily="34" charset="0"/>
-              </a:rPr>
-              <a:t> id </a:t>
-            </a:r>
-            <a:r>
-              <a:rPr lang="en-US" dirty="0" err="1">
-                <a:latin typeface="Segoe UI" panose="020B0502040204020203" pitchFamily="34" charset="0"/>
-                <a:cs typeface="Segoe UI" panose="020B0502040204020203" pitchFamily="34" charset="0"/>
-              </a:rPr>
-              <a:t>est</a:t>
-            </a:r>
-            <a:r>
-              <a:rPr lang="en-US" dirty="0">
-                <a:latin typeface="Segoe UI" panose="020B0502040204020203" pitchFamily="34" charset="0"/>
-                <a:cs typeface="Segoe UI" panose="020B0502040204020203" pitchFamily="34" charset="0"/>
-              </a:rPr>
-              <a:t> </a:t>
-            </a:r>
-            <a:r>
-              <a:rPr lang="en-US" dirty="0" err="1">
-                <a:latin typeface="Segoe UI" panose="020B0502040204020203" pitchFamily="34" charset="0"/>
-                <a:cs typeface="Segoe UI" panose="020B0502040204020203" pitchFamily="34" charset="0"/>
-              </a:rPr>
-              <a:t>laborum</a:t>
-            </a:r>
-            <a:r>
-              <a:rPr lang="en-US" dirty="0">
-                <a:latin typeface="Segoe UI" panose="020B0502040204020203" pitchFamily="34" charset="0"/>
-                <a:cs typeface="Segoe UI" panose="020B0502040204020203" pitchFamily="34" charset="0"/>
-              </a:rPr>
-              <a:t>."</a:t>
-            </a:r>
-          </a:p>
-        </p:txBody>
-      </p:sp>
-      <p:sp>
-        <p:nvSpPr>
-          <p:cNvPr id="4" name="Text Placeholder 3">
-            <a:extLst>
-              <a:ext uri="{FF2B5EF4-FFF2-40B4-BE49-F238E27FC236}">
-                <a16:creationId xmlns:a16="http://schemas.microsoft.com/office/drawing/2014/main" id="{91051B93-082E-F159-F4B6-DDC0E3942FE4}"/>
-              </a:ext>
-            </a:extLst>
-          </p:cNvPr>
+              <a:rPr lang="en-US" dirty="0"/>
+              <a:t>Find the API URL that you can hit to start a game.</a:t>
+            </a:r>
+          </a:p>
+          <a:p>
+            <a:r>
+              <a:rPr lang="en-US" dirty="0"/>
+              <a:t>Use an Azure resource like Logic Apps to automate hitting this URL.</a:t>
+            </a:r>
+          </a:p>
+          <a:p>
+            <a:r>
+              <a:rPr lang="en-US" dirty="0"/>
+              <a:t>The game is playing at a continuous interval. (e.g. every 5 minutes)</a:t>
+            </a:r>
+          </a:p>
+          <a:p>
+            <a:endParaRPr lang="en-US" dirty="0"/>
+          </a:p>
+        </p:txBody>
+      </p:sp>
+      <p:sp>
+        <p:nvSpPr>
+          <p:cNvPr id="2" name="Text Placeholder 1"/>
           <p:cNvSpPr>
             <a:spLocks noGrp="1"/>
           </p:cNvSpPr>
@@ -7389,27 +7507,22 @@
         </p:nvSpPr>
         <p:spPr/>
         <p:txBody>
-          <a:bodyPr/>
-          <a:lstStyle/>
-          <a:p>
-            <a:r>
-              <a:rPr lang="en-US" sz="3200" b="1" dirty="0">
-                <a:solidFill>
-                  <a:srgbClr val="7030A0"/>
-                </a:solidFill>
-                <a:latin typeface="Segoe UI" panose="020B0502040204020203" pitchFamily="34" charset="0"/>
-                <a:cs typeface="Segoe UI" panose="020B0502040204020203" pitchFamily="34" charset="0"/>
-              </a:rPr>
-              <a:t>Slide Subtitle Segoe UI 32pt</a:t>
-            </a:r>
-            <a:endParaRPr lang="en-US" dirty="0"/>
+          <a:bodyPr>
+            <a:normAutofit/>
+          </a:bodyPr>
+          <a:lstStyle/>
+          <a:p>
+            <a:r>
+              <a:rPr lang="en-US" dirty="0"/>
+              <a:t>Run the game continuously</a:t>
+            </a:r>
           </a:p>
         </p:txBody>
       </p:sp>
     </p:spTree>
     <p:extLst>
       <p:ext uri="{BB962C8B-B14F-4D97-AF65-F5344CB8AC3E}">
-        <p14:creationId xmlns:p14="http://schemas.microsoft.com/office/powerpoint/2010/main" val="2692993621"/>
+        <p14:creationId xmlns:p14="http://schemas.microsoft.com/office/powerpoint/2010/main" val="693720384"/>
       </p:ext>
     </p:extLst>
   </p:cSld>
@@ -7438,7 +7551,13 @@
       </p:grpSpPr>
       <p:sp>
         <p:nvSpPr>
-          <p:cNvPr id="3" name="Title 2"/>
+          <p:cNvPr id="2" name="Title 1">
+            <a:extLst>
+              <a:ext uri="{FF2B5EF4-FFF2-40B4-BE49-F238E27FC236}">
+                <a16:creationId xmlns:a16="http://schemas.microsoft.com/office/drawing/2014/main" id="{FD22A5CE-6B55-7E50-78D7-F315E2D5FE09}"/>
+              </a:ext>
+            </a:extLst>
+          </p:cNvPr>
           <p:cNvSpPr>
             <a:spLocks noGrp="1"/>
           </p:cNvSpPr>
@@ -7448,181 +7567,48 @@
         </p:nvSpPr>
         <p:spPr/>
         <p:txBody>
-          <a:bodyPr>
-            <a:normAutofit/>
-          </a:bodyPr>
-          <a:lstStyle/>
-          <a:p>
-            <a:r>
-              <a:rPr lang="en-US" sz="5400" b="1" dirty="0">
-                <a:solidFill>
-                  <a:srgbClr val="002060"/>
-                </a:solidFill>
-                <a:latin typeface="Segoe UI" panose="020B0502040204020203" pitchFamily="34" charset="0"/>
-                <a:cs typeface="Segoe UI" panose="020B0502040204020203" pitchFamily="34" charset="0"/>
-              </a:rPr>
-              <a:t>Challenge #X</a:t>
-            </a:r>
-            <a:endParaRPr lang="en-US" sz="3200" b="1" dirty="0">
-              <a:solidFill>
-                <a:srgbClr val="7030A0"/>
-              </a:solidFill>
-              <a:latin typeface="Segoe UI" panose="020B0502040204020203" pitchFamily="34" charset="0"/>
-              <a:cs typeface="Segoe UI" panose="020B0502040204020203" pitchFamily="34" charset="0"/>
-            </a:endParaRPr>
-          </a:p>
-        </p:txBody>
-      </p:sp>
-      <p:sp>
-        <p:nvSpPr>
-          <p:cNvPr id="4" name="Content Placeholder 3">
-            <a:extLst>
-              <a:ext uri="{FF2B5EF4-FFF2-40B4-BE49-F238E27FC236}">
-                <a16:creationId xmlns:a16="http://schemas.microsoft.com/office/drawing/2014/main" id="{072FDFA0-CC9F-E8E1-863B-9F616F3536D9}"/>
-              </a:ext>
-            </a:extLst>
-          </p:cNvPr>
-          <p:cNvSpPr>
-            <a:spLocks noGrp="1"/>
-          </p:cNvSpPr>
-          <p:nvPr>
-            <p:ph idx="1"/>
-          </p:nvPr>
-        </p:nvSpPr>
-        <p:spPr/>
-        <p:txBody>
           <a:bodyPr/>
           <a:lstStyle/>
           <a:p>
             <a:r>
-              <a:rPr lang="en-US" sz="3200" dirty="0">
-                <a:latin typeface="Segoe UI" panose="020B0502040204020203" pitchFamily="34" charset="0"/>
-                <a:cs typeface="Segoe UI" panose="020B0502040204020203" pitchFamily="34" charset="0"/>
-              </a:rPr>
-              <a:t>Key challenge goal #1</a:t>
-            </a:r>
-          </a:p>
-          <a:p>
-            <a:pPr lvl="1"/>
-            <a:r>
-              <a:rPr lang="en-US" sz="2800" dirty="0">
-                <a:latin typeface="Segoe UI" panose="020B0502040204020203" pitchFamily="34" charset="0"/>
-                <a:cs typeface="Segoe UI" panose="020B0502040204020203" pitchFamily="34" charset="0"/>
-              </a:rPr>
-              <a:t>Challenge goal details/specifications</a:t>
-            </a:r>
-          </a:p>
-          <a:p>
-            <a:pPr lvl="1"/>
-            <a:r>
-              <a:rPr lang="en-US" sz="2800" dirty="0">
-                <a:latin typeface="Segoe UI" panose="020B0502040204020203" pitchFamily="34" charset="0"/>
-                <a:cs typeface="Segoe UI" panose="020B0502040204020203" pitchFamily="34" charset="0"/>
-              </a:rPr>
-              <a:t>Takes inputs: </a:t>
-            </a:r>
-          </a:p>
-          <a:p>
-            <a:pPr lvl="2"/>
-            <a:r>
-              <a:rPr lang="en-US" sz="2400" dirty="0">
-                <a:latin typeface="Segoe UI" panose="020B0502040204020203" pitchFamily="34" charset="0"/>
-                <a:cs typeface="Segoe UI" panose="020B0502040204020203" pitchFamily="34" charset="0"/>
-              </a:rPr>
-              <a:t>Location</a:t>
-            </a:r>
-          </a:p>
-          <a:p>
-            <a:pPr lvl="2"/>
-            <a:r>
-              <a:rPr lang="en-US" sz="2400" dirty="0">
-                <a:latin typeface="Segoe UI" panose="020B0502040204020203" pitchFamily="34" charset="0"/>
-                <a:cs typeface="Segoe UI" panose="020B0502040204020203" pitchFamily="34" charset="0"/>
-              </a:rPr>
-              <a:t>A unique storage account name</a:t>
-            </a:r>
-          </a:p>
-          <a:p>
-            <a:pPr lvl="1"/>
-            <a:r>
-              <a:rPr lang="en-US" sz="2800" dirty="0">
-                <a:latin typeface="Segoe UI" panose="020B0502040204020203" pitchFamily="34" charset="0"/>
-                <a:cs typeface="Segoe UI" panose="020B0502040204020203" pitchFamily="34" charset="0"/>
-              </a:rPr>
-              <a:t>Returns output:</a:t>
-            </a:r>
-          </a:p>
-          <a:p>
-            <a:pPr lvl="2"/>
-            <a:r>
-              <a:rPr lang="en-US" sz="2400" dirty="0">
-                <a:latin typeface="Segoe UI" panose="020B0502040204020203" pitchFamily="34" charset="0"/>
-                <a:cs typeface="Segoe UI" panose="020B0502040204020203" pitchFamily="34" charset="0"/>
-              </a:rPr>
-              <a:t> storage account ID</a:t>
-            </a:r>
-          </a:p>
-          <a:p>
-            <a:r>
-              <a:rPr lang="en-US" sz="3200" dirty="0">
-                <a:latin typeface="Segoe UI" panose="020B0502040204020203" pitchFamily="34" charset="0"/>
-                <a:cs typeface="Segoe UI" panose="020B0502040204020203" pitchFamily="34" charset="0"/>
-              </a:rPr>
-              <a:t>Key challenge goal #2</a:t>
-            </a:r>
-          </a:p>
-          <a:p>
-            <a:r>
-              <a:rPr lang="en-US" sz="3200" dirty="0">
-                <a:latin typeface="Segoe UI" panose="020B0502040204020203" pitchFamily="34" charset="0"/>
-                <a:cs typeface="Segoe UI" panose="020B0502040204020203" pitchFamily="34" charset="0"/>
-              </a:rPr>
-              <a:t>Key challenge goal #3</a:t>
-            </a:r>
-          </a:p>
-          <a:p>
-            <a:endParaRPr lang="en-US" dirty="0"/>
-          </a:p>
-        </p:txBody>
-      </p:sp>
-      <p:sp>
-        <p:nvSpPr>
-          <p:cNvPr id="2" name="Text Placeholder 1"/>
-          <p:cNvSpPr>
-            <a:spLocks noGrp="1"/>
-          </p:cNvSpPr>
-          <p:nvPr>
-            <p:ph type="body" sz="quarter" idx="13"/>
-          </p:nvPr>
-        </p:nvSpPr>
-        <p:spPr/>
-        <p:txBody>
-          <a:bodyPr>
-            <a:normAutofit/>
-          </a:bodyPr>
-          <a:lstStyle/>
-          <a:p>
-            <a:r>
-              <a:rPr lang="en-US" sz="3200" b="1" dirty="0">
-                <a:solidFill>
-                  <a:srgbClr val="7030A0"/>
-                </a:solidFill>
-                <a:latin typeface="Segoe UI" panose="020B0502040204020203" pitchFamily="34" charset="0"/>
-                <a:cs typeface="Segoe UI" panose="020B0502040204020203" pitchFamily="34" charset="0"/>
-              </a:rPr>
-              <a:t>&lt;Insert Challenge #X Title here&gt;</a:t>
-            </a:r>
-            <a:endParaRPr lang="en-US" sz="3200" dirty="0">
-              <a:latin typeface="Segoe UI" panose="020B0502040204020203" pitchFamily="34" charset="0"/>
-              <a:cs typeface="Segoe UI" panose="020B0502040204020203" pitchFamily="34" charset="0"/>
-            </a:endParaRPr>
+              <a:rPr lang="en-US" dirty="0"/>
+              <a:t>Challenge 5</a:t>
+            </a:r>
+          </a:p>
+        </p:txBody>
+      </p:sp>
+      <p:sp>
+        <p:nvSpPr>
+          <p:cNvPr id="3" name="Text Placeholder 2">
+            <a:extLst>
+              <a:ext uri="{FF2B5EF4-FFF2-40B4-BE49-F238E27FC236}">
+                <a16:creationId xmlns:a16="http://schemas.microsoft.com/office/drawing/2014/main" id="{26CFF82C-2B76-41AB-EE30-AFED414A7980}"/>
+              </a:ext>
+            </a:extLst>
+          </p:cNvPr>
+          <p:cNvSpPr>
+            <a:spLocks noGrp="1"/>
+          </p:cNvSpPr>
+          <p:nvPr>
+            <p:ph type="body" idx="1"/>
+          </p:nvPr>
+        </p:nvSpPr>
+        <p:spPr/>
+        <p:txBody>
+          <a:bodyPr/>
+          <a:lstStyle/>
+          <a:p>
+            <a:r>
+              <a:rPr lang="en-US" dirty="0"/>
+              <a:t>Add Application Monitoring</a:t>
+            </a:r>
           </a:p>
         </p:txBody>
       </p:sp>
     </p:spTree>
     <p:extLst>
       <p:ext uri="{BB962C8B-B14F-4D97-AF65-F5344CB8AC3E}">
-        <p14:creationId xmlns:p14="http://schemas.microsoft.com/office/powerpoint/2010/main" val="3468055912"/>
+        <p14:creationId xmlns:p14="http://schemas.microsoft.com/office/powerpoint/2010/main" val="3449174186"/>
       </p:ext>
     </p:extLst>
   </p:cSld>
@@ -7635,17 +7621,6 @@
 <file path=ppt/slides/slide13.xml><?xml version="1.0" encoding="utf-8"?>
 <p:sld xmlns:a="http://schemas.openxmlformats.org/drawingml/2006/main" xmlns:r="http://schemas.openxmlformats.org/officeDocument/2006/relationships" xmlns:p="http://schemas.openxmlformats.org/presentationml/2006/main">
   <p:cSld>
-    <p:bg>
-      <p:bgPr>
-        <a:solidFill>
-          <a:schemeClr val="tx1">
-            <a:lumMod val="85000"/>
-            <a:lumOff val="15000"/>
-          </a:schemeClr>
-        </a:solidFill>
-        <a:effectLst/>
-      </p:bgPr>
-    </p:bg>
     <p:spTree>
       <p:nvGrpSpPr>
         <p:cNvPr id="1" name=""/>
@@ -7662,12 +7637,12 @@
       </p:grpSpPr>
       <p:sp>
         <p:nvSpPr>
-          <p:cNvPr id="4" name="Title 3"/>
-          <p:cNvSpPr>
-            <a:spLocks noGrp="1"/>
-          </p:cNvSpPr>
-          <p:nvPr>
-            <p:ph type="ctrTitle"/>
+          <p:cNvPr id="3" name="Title 2"/>
+          <p:cNvSpPr>
+            <a:spLocks noGrp="1"/>
+          </p:cNvSpPr>
+          <p:nvPr>
+            <p:ph type="title"/>
           </p:nvPr>
         </p:nvSpPr>
         <p:spPr/>
@@ -7677,43 +7652,92 @@
           </a:bodyPr>
           <a:lstStyle/>
           <a:p>
-            <a:pPr algn="ctr"/>
-            <a:r>
-              <a:rPr lang="en-US" dirty="0">
-                <a:ln w="3175">
-                  <a:noFill/>
-                </a:ln>
+            <a:r>
+              <a:rPr lang="en-US" sz="5400" b="1" dirty="0">
                 <a:solidFill>
-                  <a:srgbClr val="9966FF"/>
+                  <a:srgbClr val="002060"/>
                 </a:solidFill>
                 <a:latin typeface="Segoe UI" panose="020B0502040204020203" pitchFamily="34" charset="0"/>
-                <a:ea typeface="+mn-ea"/>
                 <a:cs typeface="Segoe UI" panose="020B0502040204020203" pitchFamily="34" charset="0"/>
               </a:rPr>
-              <a:t>Thank You for Attending!</a:t>
-            </a:r>
-            <a:endParaRPr lang="en-US" dirty="0">
+              <a:t>Challenge 5</a:t>
+            </a:r>
+            <a:endParaRPr lang="en-US" sz="3200" b="1" dirty="0">
               <a:solidFill>
-                <a:srgbClr val="FFC000"/>
+                <a:srgbClr val="7030A0"/>
               </a:solidFill>
+              <a:latin typeface="Segoe UI" panose="020B0502040204020203" pitchFamily="34" charset="0"/>
+              <a:cs typeface="Segoe UI" panose="020B0502040204020203" pitchFamily="34" charset="0"/>
             </a:endParaRPr>
           </a:p>
         </p:txBody>
       </p:sp>
       <p:sp>
         <p:nvSpPr>
-          <p:cNvPr id="2" name="Subtitle 1">
-            <a:extLst>
-              <a:ext uri="{FF2B5EF4-FFF2-40B4-BE49-F238E27FC236}">
-                <a16:creationId xmlns:a16="http://schemas.microsoft.com/office/drawing/2014/main" id="{0E644413-C720-E12C-4003-B83B0D3EB8D2}"/>
-              </a:ext>
-            </a:extLst>
-          </p:cNvPr>
-          <p:cNvSpPr>
-            <a:spLocks noGrp="1"/>
-          </p:cNvSpPr>
-          <p:nvPr>
-            <p:ph type="subTitle" idx="1"/>
+          <p:cNvPr id="4" name="Content Placeholder 3">
+            <a:extLst>
+              <a:ext uri="{FF2B5EF4-FFF2-40B4-BE49-F238E27FC236}">
+                <a16:creationId xmlns:a16="http://schemas.microsoft.com/office/drawing/2014/main" id="{072FDFA0-CC9F-E8E1-863B-9F616F3536D9}"/>
+              </a:ext>
+            </a:extLst>
+          </p:cNvPr>
+          <p:cNvSpPr>
+            <a:spLocks noGrp="1"/>
+          </p:cNvSpPr>
+          <p:nvPr>
+            <p:ph idx="1"/>
+          </p:nvPr>
+        </p:nvSpPr>
+        <p:spPr/>
+        <p:txBody>
+          <a:bodyPr/>
+          <a:lstStyle/>
+          <a:p>
+            <a:r>
+              <a:rPr lang="en-US" dirty="0"/>
+              <a:t>Make sure you got some data in Application Insights while running your application in both places locally and in Azure App Service. Make sure you are leveraging the proper way for both to set the `</a:t>
+            </a:r>
+            <a:r>
+              <a:rPr lang="en-US" dirty="0" err="1"/>
+              <a:t>InstrumentationKey</a:t>
+            </a:r>
+            <a:r>
+              <a:rPr lang="en-US" dirty="0"/>
+              <a:t>` (i.e. in `docker-</a:t>
+            </a:r>
+            <a:r>
+              <a:rPr lang="en-US" dirty="0" err="1"/>
+              <a:t>compose.yaml</a:t>
+            </a:r>
+            <a:r>
+              <a:rPr lang="en-US" dirty="0"/>
+              <a:t>` file for local and in Azure App Service's `</a:t>
+            </a:r>
+            <a:r>
+              <a:rPr lang="en-US" dirty="0" err="1"/>
+              <a:t>AppSettings</a:t>
+            </a:r>
+            <a:r>
+              <a:rPr lang="en-US" dirty="0"/>
+              <a:t>`).</a:t>
+            </a:r>
+          </a:p>
+          <a:p>
+            <a:r>
+              <a:rPr lang="en-US" dirty="0"/>
+              <a:t>Build a dashboard in the Azure Portal for viewing performance of the app.</a:t>
+            </a:r>
+          </a:p>
+        </p:txBody>
+      </p:sp>
+      <p:sp>
+        <p:nvSpPr>
+          <p:cNvPr id="2" name="Text Placeholder 1"/>
+          <p:cNvSpPr>
+            <a:spLocks noGrp="1"/>
+          </p:cNvSpPr>
+          <p:nvPr>
+            <p:ph type="body" sz="quarter" idx="13"/>
           </p:nvPr>
         </p:nvSpPr>
         <p:spPr/>
@@ -7724,28 +7748,770 @@
           <a:lstStyle/>
           <a:p>
             <a:r>
-              <a:rPr lang="en-US" sz="4800" b="1" dirty="0">
-                <a:solidFill>
-                  <a:srgbClr val="FFC000"/>
-                </a:solidFill>
-                <a:hlinkClick r:id="rId3">
-                  <a:extLst>
-                    <a:ext uri="{A12FA001-AC4F-418D-AE19-62706E023703}">
-                      <ahyp:hlinkClr xmlns:ahyp="http://schemas.microsoft.com/office/drawing/2018/hyperlinkcolor" val="tx"/>
-                    </a:ext>
-                  </a:extLst>
-                </a:hlinkClick>
-              </a:rPr>
-              <a:t>https://aka.ms/wth</a:t>
-            </a:r>
-            <a:endParaRPr lang="en-US" sz="4800" b="1" dirty="0"/>
+              <a:rPr lang="en-US" dirty="0"/>
+              <a:t>Add Application Monitoring</a:t>
+            </a:r>
           </a:p>
         </p:txBody>
       </p:sp>
     </p:spTree>
     <p:extLst>
       <p:ext uri="{BB962C8B-B14F-4D97-AF65-F5344CB8AC3E}">
-        <p14:creationId xmlns:p14="http://schemas.microsoft.com/office/powerpoint/2010/main" val="738299616"/>
+        <p14:creationId xmlns:p14="http://schemas.microsoft.com/office/powerpoint/2010/main" val="383028731"/>
+      </p:ext>
+    </p:extLst>
+  </p:cSld>
+  <p:clrMapOvr>
+    <a:masterClrMapping/>
+  </p:clrMapOvr>
+</p:sld>
+</file>
+
+<file path=ppt/slides/slide14.xml><?xml version="1.0" encoding="utf-8"?>
+<p:sld xmlns:a="http://schemas.openxmlformats.org/drawingml/2006/main" xmlns:r="http://schemas.openxmlformats.org/officeDocument/2006/relationships" xmlns:p="http://schemas.openxmlformats.org/presentationml/2006/main">
+  <p:cSld>
+    <p:spTree>
+      <p:nvGrpSpPr>
+        <p:cNvPr id="1" name=""/>
+        <p:cNvGrpSpPr/>
+        <p:nvPr/>
+      </p:nvGrpSpPr>
+      <p:grpSpPr>
+        <a:xfrm>
+          <a:off x="0" y="0"/>
+          <a:ext cx="0" cy="0"/>
+          <a:chOff x="0" y="0"/>
+          <a:chExt cx="0" cy="0"/>
+        </a:xfrm>
+      </p:grpSpPr>
+      <p:sp>
+        <p:nvSpPr>
+          <p:cNvPr id="2" name="Title 1">
+            <a:extLst>
+              <a:ext uri="{FF2B5EF4-FFF2-40B4-BE49-F238E27FC236}">
+                <a16:creationId xmlns:a16="http://schemas.microsoft.com/office/drawing/2014/main" id="{FD22A5CE-6B55-7E50-78D7-F315E2D5FE09}"/>
+              </a:ext>
+            </a:extLst>
+          </p:cNvPr>
+          <p:cNvSpPr>
+            <a:spLocks noGrp="1"/>
+          </p:cNvSpPr>
+          <p:nvPr>
+            <p:ph type="title"/>
+          </p:nvPr>
+        </p:nvSpPr>
+        <p:spPr/>
+        <p:txBody>
+          <a:bodyPr/>
+          <a:lstStyle/>
+          <a:p>
+            <a:r>
+              <a:rPr lang="en-US" dirty="0"/>
+              <a:t>Challenge 6</a:t>
+            </a:r>
+          </a:p>
+        </p:txBody>
+      </p:sp>
+      <p:sp>
+        <p:nvSpPr>
+          <p:cNvPr id="3" name="Text Placeholder 2">
+            <a:extLst>
+              <a:ext uri="{FF2B5EF4-FFF2-40B4-BE49-F238E27FC236}">
+                <a16:creationId xmlns:a16="http://schemas.microsoft.com/office/drawing/2014/main" id="{26CFF82C-2B76-41AB-EE30-AFED414A7980}"/>
+              </a:ext>
+            </a:extLst>
+          </p:cNvPr>
+          <p:cNvSpPr>
+            <a:spLocks noGrp="1"/>
+          </p:cNvSpPr>
+          <p:nvPr>
+            <p:ph type="body" idx="1"/>
+          </p:nvPr>
+        </p:nvSpPr>
+        <p:spPr/>
+        <p:txBody>
+          <a:bodyPr/>
+          <a:lstStyle/>
+          <a:p>
+            <a:r>
+              <a:rPr lang="en-US" dirty="0"/>
+              <a:t>Build a CI/CD pipeline with Azure DevOps</a:t>
+            </a:r>
+          </a:p>
+        </p:txBody>
+      </p:sp>
+    </p:spTree>
+    <p:extLst>
+      <p:ext uri="{BB962C8B-B14F-4D97-AF65-F5344CB8AC3E}">
+        <p14:creationId xmlns:p14="http://schemas.microsoft.com/office/powerpoint/2010/main" val="3532900077"/>
+      </p:ext>
+    </p:extLst>
+  </p:cSld>
+  <p:clrMapOvr>
+    <a:masterClrMapping/>
+  </p:clrMapOvr>
+</p:sld>
+</file>
+
+<file path=ppt/slides/slide15.xml><?xml version="1.0" encoding="utf-8"?>
+<p:sld xmlns:a="http://schemas.openxmlformats.org/drawingml/2006/main" xmlns:r="http://schemas.openxmlformats.org/officeDocument/2006/relationships" xmlns:p="http://schemas.openxmlformats.org/presentationml/2006/main">
+  <p:cSld>
+    <p:spTree>
+      <p:nvGrpSpPr>
+        <p:cNvPr id="1" name=""/>
+        <p:cNvGrpSpPr/>
+        <p:nvPr/>
+      </p:nvGrpSpPr>
+      <p:grpSpPr>
+        <a:xfrm>
+          <a:off x="0" y="0"/>
+          <a:ext cx="0" cy="0"/>
+          <a:chOff x="0" y="0"/>
+          <a:chExt cx="0" cy="0"/>
+        </a:xfrm>
+      </p:grpSpPr>
+      <p:sp>
+        <p:nvSpPr>
+          <p:cNvPr id="3" name="Title 2"/>
+          <p:cNvSpPr>
+            <a:spLocks noGrp="1"/>
+          </p:cNvSpPr>
+          <p:nvPr>
+            <p:ph type="title"/>
+          </p:nvPr>
+        </p:nvSpPr>
+        <p:spPr/>
+        <p:txBody>
+          <a:bodyPr>
+            <a:normAutofit/>
+          </a:bodyPr>
+          <a:lstStyle/>
+          <a:p>
+            <a:r>
+              <a:rPr lang="en-US" sz="5400" b="1" dirty="0">
+                <a:solidFill>
+                  <a:srgbClr val="002060"/>
+                </a:solidFill>
+                <a:latin typeface="Segoe UI" panose="020B0502040204020203" pitchFamily="34" charset="0"/>
+                <a:cs typeface="Segoe UI" panose="020B0502040204020203" pitchFamily="34" charset="0"/>
+              </a:rPr>
+              <a:t>Challenge 6</a:t>
+            </a:r>
+            <a:endParaRPr lang="en-US" sz="3200" b="1" dirty="0">
+              <a:solidFill>
+                <a:srgbClr val="7030A0"/>
+              </a:solidFill>
+              <a:latin typeface="Segoe UI" panose="020B0502040204020203" pitchFamily="34" charset="0"/>
+              <a:cs typeface="Segoe UI" panose="020B0502040204020203" pitchFamily="34" charset="0"/>
+            </a:endParaRPr>
+          </a:p>
+        </p:txBody>
+      </p:sp>
+      <p:sp>
+        <p:nvSpPr>
+          <p:cNvPr id="4" name="Content Placeholder 3">
+            <a:extLst>
+              <a:ext uri="{FF2B5EF4-FFF2-40B4-BE49-F238E27FC236}">
+                <a16:creationId xmlns:a16="http://schemas.microsoft.com/office/drawing/2014/main" id="{072FDFA0-CC9F-E8E1-863B-9F616F3536D9}"/>
+              </a:ext>
+            </a:extLst>
+          </p:cNvPr>
+          <p:cNvSpPr>
+            <a:spLocks noGrp="1"/>
+          </p:cNvSpPr>
+          <p:nvPr>
+            <p:ph idx="1"/>
+          </p:nvPr>
+        </p:nvSpPr>
+        <p:spPr/>
+        <p:txBody>
+          <a:bodyPr>
+            <a:normAutofit fontScale="85000" lnSpcReduction="20000"/>
+          </a:bodyPr>
+          <a:lstStyle/>
+          <a:p>
+            <a:r>
+              <a:rPr lang="en-US" sz="3200" dirty="0">
+                <a:latin typeface="Segoe UI" panose="020B0502040204020203" pitchFamily="34" charset="0"/>
+                <a:cs typeface="Segoe UI" panose="020B0502040204020203" pitchFamily="34" charset="0"/>
+              </a:rPr>
+              <a:t>Create a Build definition with Azure Pipelines to build your Docker images and push it to your Azure Container Registry (ACR). Furthermore, enable the `Continuous Integration` feature for this Build definition.</a:t>
+            </a:r>
+          </a:p>
+          <a:p>
+            <a:r>
+              <a:rPr lang="en-US" sz="3200" dirty="0">
+                <a:latin typeface="Segoe UI" panose="020B0502040204020203" pitchFamily="34" charset="0"/>
+                <a:cs typeface="Segoe UI" panose="020B0502040204020203" pitchFamily="34" charset="0"/>
+              </a:rPr>
+              <a:t>Create a Release definition with Azure Pipelines to run your images on your Azure Web App Service for Containers previously provisioned. Furthermore, enable the `Continuous Delivery` feature for the Release definition.</a:t>
+            </a:r>
+          </a:p>
+          <a:p>
+            <a:r>
+              <a:rPr lang="en-US" sz="3200" dirty="0">
+                <a:latin typeface="Segoe UI" panose="020B0502040204020203" pitchFamily="34" charset="0"/>
+                <a:cs typeface="Segoe UI" panose="020B0502040204020203" pitchFamily="34" charset="0"/>
+              </a:rPr>
+              <a:t>Update one file on your `master` branch and commit this change, it should trigger automatically the Build and the Release definitions to deploy the new version of your app.</a:t>
+            </a:r>
+          </a:p>
+          <a:p>
+            <a:r>
+              <a:rPr lang="en-US" sz="3200" dirty="0">
+                <a:latin typeface="Segoe UI" panose="020B0502040204020203" pitchFamily="34" charset="0"/>
+                <a:cs typeface="Segoe UI" panose="020B0502040204020203" pitchFamily="34" charset="0"/>
+              </a:rPr>
+              <a:t>Once deployed, test the app as an end-user, and play a game once deployed there</a:t>
+            </a:r>
+            <a:endParaRPr lang="en-US" dirty="0"/>
+          </a:p>
+        </p:txBody>
+      </p:sp>
+      <p:sp>
+        <p:nvSpPr>
+          <p:cNvPr id="2" name="Text Placeholder 1"/>
+          <p:cNvSpPr>
+            <a:spLocks noGrp="1"/>
+          </p:cNvSpPr>
+          <p:nvPr>
+            <p:ph type="body" sz="quarter" idx="13"/>
+          </p:nvPr>
+        </p:nvSpPr>
+        <p:spPr/>
+        <p:txBody>
+          <a:bodyPr>
+            <a:normAutofit/>
+          </a:bodyPr>
+          <a:lstStyle/>
+          <a:p>
+            <a:r>
+              <a:rPr lang="en-US" dirty="0"/>
+              <a:t>Build a CI/CD pipeline with Azure DevOps</a:t>
+            </a:r>
+          </a:p>
+        </p:txBody>
+      </p:sp>
+    </p:spTree>
+    <p:extLst>
+      <p:ext uri="{BB962C8B-B14F-4D97-AF65-F5344CB8AC3E}">
+        <p14:creationId xmlns:p14="http://schemas.microsoft.com/office/powerpoint/2010/main" val="2263550697"/>
+      </p:ext>
+    </p:extLst>
+  </p:cSld>
+  <p:clrMapOvr>
+    <a:masterClrMapping/>
+  </p:clrMapOvr>
+</p:sld>
+</file>
+
+<file path=ppt/slides/slide16.xml><?xml version="1.0" encoding="utf-8"?>
+<p:sld xmlns:a="http://schemas.openxmlformats.org/drawingml/2006/main" xmlns:r="http://schemas.openxmlformats.org/officeDocument/2006/relationships" xmlns:p="http://schemas.openxmlformats.org/presentationml/2006/main">
+  <p:cSld>
+    <p:spTree>
+      <p:nvGrpSpPr>
+        <p:cNvPr id="1" name=""/>
+        <p:cNvGrpSpPr/>
+        <p:nvPr/>
+      </p:nvGrpSpPr>
+      <p:grpSpPr>
+        <a:xfrm>
+          <a:off x="0" y="0"/>
+          <a:ext cx="0" cy="0"/>
+          <a:chOff x="0" y="0"/>
+          <a:chExt cx="0" cy="0"/>
+        </a:xfrm>
+      </p:grpSpPr>
+      <p:sp>
+        <p:nvSpPr>
+          <p:cNvPr id="2" name="Title 1">
+            <a:extLst>
+              <a:ext uri="{FF2B5EF4-FFF2-40B4-BE49-F238E27FC236}">
+                <a16:creationId xmlns:a16="http://schemas.microsoft.com/office/drawing/2014/main" id="{FD22A5CE-6B55-7E50-78D7-F315E2D5FE09}"/>
+              </a:ext>
+            </a:extLst>
+          </p:cNvPr>
+          <p:cNvSpPr>
+            <a:spLocks noGrp="1"/>
+          </p:cNvSpPr>
+          <p:nvPr>
+            <p:ph type="title"/>
+          </p:nvPr>
+        </p:nvSpPr>
+        <p:spPr/>
+        <p:txBody>
+          <a:bodyPr/>
+          <a:lstStyle/>
+          <a:p>
+            <a:r>
+              <a:rPr lang="en-US" dirty="0"/>
+              <a:t>Challenge 7</a:t>
+            </a:r>
+          </a:p>
+        </p:txBody>
+      </p:sp>
+      <p:sp>
+        <p:nvSpPr>
+          <p:cNvPr id="3" name="Text Placeholder 2">
+            <a:extLst>
+              <a:ext uri="{FF2B5EF4-FFF2-40B4-BE49-F238E27FC236}">
+                <a16:creationId xmlns:a16="http://schemas.microsoft.com/office/drawing/2014/main" id="{26CFF82C-2B76-41AB-EE30-AFED414A7980}"/>
+              </a:ext>
+            </a:extLst>
+          </p:cNvPr>
+          <p:cNvSpPr>
+            <a:spLocks noGrp="1"/>
+          </p:cNvSpPr>
+          <p:nvPr>
+            <p:ph type="body" idx="1"/>
+          </p:nvPr>
+        </p:nvSpPr>
+        <p:spPr/>
+        <p:txBody>
+          <a:bodyPr/>
+          <a:lstStyle/>
+          <a:p>
+            <a:r>
+              <a:rPr lang="en-US" dirty="0"/>
+              <a:t>Implement Azure AD B2C</a:t>
+            </a:r>
+          </a:p>
+        </p:txBody>
+      </p:sp>
+    </p:spTree>
+    <p:extLst>
+      <p:ext uri="{BB962C8B-B14F-4D97-AF65-F5344CB8AC3E}">
+        <p14:creationId xmlns:p14="http://schemas.microsoft.com/office/powerpoint/2010/main" val="143721839"/>
+      </p:ext>
+    </p:extLst>
+  </p:cSld>
+  <p:clrMapOvr>
+    <a:masterClrMapping/>
+  </p:clrMapOvr>
+</p:sld>
+</file>
+
+<file path=ppt/slides/slide17.xml><?xml version="1.0" encoding="utf-8"?>
+<p:sld xmlns:a="http://schemas.openxmlformats.org/drawingml/2006/main" xmlns:r="http://schemas.openxmlformats.org/officeDocument/2006/relationships" xmlns:p="http://schemas.openxmlformats.org/presentationml/2006/main">
+  <p:cSld>
+    <p:spTree>
+      <p:nvGrpSpPr>
+        <p:cNvPr id="1" name=""/>
+        <p:cNvGrpSpPr/>
+        <p:nvPr/>
+      </p:nvGrpSpPr>
+      <p:grpSpPr>
+        <a:xfrm>
+          <a:off x="0" y="0"/>
+          <a:ext cx="0" cy="0"/>
+          <a:chOff x="0" y="0"/>
+          <a:chExt cx="0" cy="0"/>
+        </a:xfrm>
+      </p:grpSpPr>
+      <p:sp>
+        <p:nvSpPr>
+          <p:cNvPr id="3" name="Title 2"/>
+          <p:cNvSpPr>
+            <a:spLocks noGrp="1"/>
+          </p:cNvSpPr>
+          <p:nvPr>
+            <p:ph type="title"/>
+          </p:nvPr>
+        </p:nvSpPr>
+        <p:spPr/>
+        <p:txBody>
+          <a:bodyPr>
+            <a:normAutofit/>
+          </a:bodyPr>
+          <a:lstStyle/>
+          <a:p>
+            <a:r>
+              <a:rPr lang="en-US" sz="5400" b="1" dirty="0">
+                <a:solidFill>
+                  <a:srgbClr val="002060"/>
+                </a:solidFill>
+                <a:latin typeface="Segoe UI" panose="020B0502040204020203" pitchFamily="34" charset="0"/>
+                <a:cs typeface="Segoe UI" panose="020B0502040204020203" pitchFamily="34" charset="0"/>
+              </a:rPr>
+              <a:t>Challenge 7</a:t>
+            </a:r>
+            <a:endParaRPr lang="en-US" sz="3200" b="1" dirty="0">
+              <a:solidFill>
+                <a:srgbClr val="7030A0"/>
+              </a:solidFill>
+              <a:latin typeface="Segoe UI" panose="020B0502040204020203" pitchFamily="34" charset="0"/>
+              <a:cs typeface="Segoe UI" panose="020B0502040204020203" pitchFamily="34" charset="0"/>
+            </a:endParaRPr>
+          </a:p>
+        </p:txBody>
+      </p:sp>
+      <p:sp>
+        <p:nvSpPr>
+          <p:cNvPr id="4" name="Content Placeholder 3">
+            <a:extLst>
+              <a:ext uri="{FF2B5EF4-FFF2-40B4-BE49-F238E27FC236}">
+                <a16:creationId xmlns:a16="http://schemas.microsoft.com/office/drawing/2014/main" id="{072FDFA0-CC9F-E8E1-863B-9F616F3536D9}"/>
+              </a:ext>
+            </a:extLst>
+          </p:cNvPr>
+          <p:cNvSpPr>
+            <a:spLocks noGrp="1"/>
+          </p:cNvSpPr>
+          <p:nvPr>
+            <p:ph idx="1"/>
+          </p:nvPr>
+        </p:nvSpPr>
+        <p:spPr/>
+        <p:txBody>
+          <a:bodyPr/>
+          <a:lstStyle/>
+          <a:p>
+            <a:r>
+              <a:rPr lang="en-US" sz="3200" dirty="0">
+                <a:latin typeface="Segoe UI" panose="020B0502040204020203" pitchFamily="34" charset="0"/>
+                <a:cs typeface="Segoe UI" panose="020B0502040204020203" pitchFamily="34" charset="0"/>
+              </a:rPr>
+              <a:t>When a user hits the 'Sign In' link, they are redirected to login.</a:t>
+            </a:r>
+          </a:p>
+          <a:p>
+            <a:r>
+              <a:rPr lang="en-US" sz="3200" dirty="0">
+                <a:latin typeface="Segoe UI" panose="020B0502040204020203" pitchFamily="34" charset="0"/>
+                <a:cs typeface="Segoe UI" panose="020B0502040204020203" pitchFamily="34" charset="0"/>
+              </a:rPr>
+              <a:t>A user can successfully authenticate, get redirected back to your application and see a personalized greeting.</a:t>
+            </a:r>
+          </a:p>
+          <a:p>
+            <a:r>
+              <a:rPr lang="en-US" sz="3200" dirty="0">
+                <a:latin typeface="Segoe UI" panose="020B0502040204020203" pitchFamily="34" charset="0"/>
+                <a:cs typeface="Segoe UI" panose="020B0502040204020203" pitchFamily="34" charset="0"/>
+              </a:rPr>
+              <a:t>A user can successfully add or edit a bot in the Competitor views.</a:t>
+            </a:r>
+            <a:endParaRPr lang="en-US" dirty="0"/>
+          </a:p>
+        </p:txBody>
+      </p:sp>
+      <p:sp>
+        <p:nvSpPr>
+          <p:cNvPr id="2" name="Text Placeholder 1"/>
+          <p:cNvSpPr>
+            <a:spLocks noGrp="1"/>
+          </p:cNvSpPr>
+          <p:nvPr>
+            <p:ph type="body" sz="quarter" idx="13"/>
+          </p:nvPr>
+        </p:nvSpPr>
+        <p:spPr/>
+        <p:txBody>
+          <a:bodyPr>
+            <a:normAutofit/>
+          </a:bodyPr>
+          <a:lstStyle/>
+          <a:p>
+            <a:r>
+              <a:rPr lang="en-US" sz="3200" b="1" dirty="0">
+                <a:solidFill>
+                  <a:srgbClr val="7030A0"/>
+                </a:solidFill>
+                <a:latin typeface="Segoe UI" panose="020B0502040204020203" pitchFamily="34" charset="0"/>
+                <a:cs typeface="Segoe UI" panose="020B0502040204020203" pitchFamily="34" charset="0"/>
+              </a:rPr>
+              <a:t>Implement Azure AD B2C</a:t>
+            </a:r>
+            <a:endParaRPr lang="en-US" sz="3200" dirty="0">
+              <a:latin typeface="Segoe UI" panose="020B0502040204020203" pitchFamily="34" charset="0"/>
+              <a:cs typeface="Segoe UI" panose="020B0502040204020203" pitchFamily="34" charset="0"/>
+            </a:endParaRPr>
+          </a:p>
+        </p:txBody>
+      </p:sp>
+    </p:spTree>
+    <p:extLst>
+      <p:ext uri="{BB962C8B-B14F-4D97-AF65-F5344CB8AC3E}">
+        <p14:creationId xmlns:p14="http://schemas.microsoft.com/office/powerpoint/2010/main" val="2933388596"/>
+      </p:ext>
+    </p:extLst>
+  </p:cSld>
+  <p:clrMapOvr>
+    <a:masterClrMapping/>
+  </p:clrMapOvr>
+</p:sld>
+</file>
+
+<file path=ppt/slides/slide18.xml><?xml version="1.0" encoding="utf-8"?>
+<p:sld xmlns:a="http://schemas.openxmlformats.org/drawingml/2006/main" xmlns:r="http://schemas.openxmlformats.org/officeDocument/2006/relationships" xmlns:p="http://schemas.openxmlformats.org/presentationml/2006/main">
+  <p:cSld>
+    <p:spTree>
+      <p:nvGrpSpPr>
+        <p:cNvPr id="1" name=""/>
+        <p:cNvGrpSpPr/>
+        <p:nvPr/>
+      </p:nvGrpSpPr>
+      <p:grpSpPr>
+        <a:xfrm>
+          <a:off x="0" y="0"/>
+          <a:ext cx="0" cy="0"/>
+          <a:chOff x="0" y="0"/>
+          <a:chExt cx="0" cy="0"/>
+        </a:xfrm>
+      </p:grpSpPr>
+      <p:sp>
+        <p:nvSpPr>
+          <p:cNvPr id="2" name="Title 1">
+            <a:extLst>
+              <a:ext uri="{FF2B5EF4-FFF2-40B4-BE49-F238E27FC236}">
+                <a16:creationId xmlns:a16="http://schemas.microsoft.com/office/drawing/2014/main" id="{FD22A5CE-6B55-7E50-78D7-F315E2D5FE09}"/>
+              </a:ext>
+            </a:extLst>
+          </p:cNvPr>
+          <p:cNvSpPr>
+            <a:spLocks noGrp="1"/>
+          </p:cNvSpPr>
+          <p:nvPr>
+            <p:ph type="title"/>
+          </p:nvPr>
+        </p:nvSpPr>
+        <p:spPr/>
+        <p:txBody>
+          <a:bodyPr/>
+          <a:lstStyle/>
+          <a:p>
+            <a:r>
+              <a:rPr lang="en-US" dirty="0"/>
+              <a:t>Challenge 8</a:t>
+            </a:r>
+          </a:p>
+        </p:txBody>
+      </p:sp>
+      <p:sp>
+        <p:nvSpPr>
+          <p:cNvPr id="3" name="Text Placeholder 2">
+            <a:extLst>
+              <a:ext uri="{FF2B5EF4-FFF2-40B4-BE49-F238E27FC236}">
+                <a16:creationId xmlns:a16="http://schemas.microsoft.com/office/drawing/2014/main" id="{26CFF82C-2B76-41AB-EE30-AFED414A7980}"/>
+              </a:ext>
+            </a:extLst>
+          </p:cNvPr>
+          <p:cNvSpPr>
+            <a:spLocks noGrp="1"/>
+          </p:cNvSpPr>
+          <p:nvPr>
+            <p:ph type="body" idx="1"/>
+          </p:nvPr>
+        </p:nvSpPr>
+        <p:spPr/>
+        <p:txBody>
+          <a:bodyPr/>
+          <a:lstStyle/>
+          <a:p>
+            <a:r>
+              <a:rPr lang="en-US" dirty="0"/>
+              <a:t>Leverage </a:t>
+            </a:r>
+            <a:r>
+              <a:rPr lang="en-US" dirty="0" err="1"/>
+              <a:t>SignalR</a:t>
+            </a:r>
+            <a:endParaRPr lang="en-US" dirty="0"/>
+          </a:p>
+        </p:txBody>
+      </p:sp>
+    </p:spTree>
+    <p:extLst>
+      <p:ext uri="{BB962C8B-B14F-4D97-AF65-F5344CB8AC3E}">
+        <p14:creationId xmlns:p14="http://schemas.microsoft.com/office/powerpoint/2010/main" val="4192008685"/>
+      </p:ext>
+    </p:extLst>
+  </p:cSld>
+  <p:clrMapOvr>
+    <a:masterClrMapping/>
+  </p:clrMapOvr>
+</p:sld>
+</file>
+
+<file path=ppt/slides/slide19.xml><?xml version="1.0" encoding="utf-8"?>
+<p:sld xmlns:a="http://schemas.openxmlformats.org/drawingml/2006/main" xmlns:r="http://schemas.openxmlformats.org/officeDocument/2006/relationships" xmlns:p="http://schemas.openxmlformats.org/presentationml/2006/main">
+  <p:cSld>
+    <p:spTree>
+      <p:nvGrpSpPr>
+        <p:cNvPr id="1" name=""/>
+        <p:cNvGrpSpPr/>
+        <p:nvPr/>
+      </p:nvGrpSpPr>
+      <p:grpSpPr>
+        <a:xfrm>
+          <a:off x="0" y="0"/>
+          <a:ext cx="0" cy="0"/>
+          <a:chOff x="0" y="0"/>
+          <a:chExt cx="0" cy="0"/>
+        </a:xfrm>
+      </p:grpSpPr>
+      <p:sp>
+        <p:nvSpPr>
+          <p:cNvPr id="3" name="Title 2"/>
+          <p:cNvSpPr>
+            <a:spLocks noGrp="1"/>
+          </p:cNvSpPr>
+          <p:nvPr>
+            <p:ph type="title"/>
+          </p:nvPr>
+        </p:nvSpPr>
+        <p:spPr/>
+        <p:txBody>
+          <a:bodyPr>
+            <a:normAutofit/>
+          </a:bodyPr>
+          <a:lstStyle/>
+          <a:p>
+            <a:r>
+              <a:rPr lang="en-US" sz="5400" b="1" dirty="0">
+                <a:solidFill>
+                  <a:srgbClr val="002060"/>
+                </a:solidFill>
+                <a:latin typeface="Segoe UI" panose="020B0502040204020203" pitchFamily="34" charset="0"/>
+                <a:cs typeface="Segoe UI" panose="020B0502040204020203" pitchFamily="34" charset="0"/>
+              </a:rPr>
+              <a:t>Challenge 8</a:t>
+            </a:r>
+            <a:endParaRPr lang="en-US" sz="3200" b="1" dirty="0">
+              <a:solidFill>
+                <a:srgbClr val="7030A0"/>
+              </a:solidFill>
+              <a:latin typeface="Segoe UI" panose="020B0502040204020203" pitchFamily="34" charset="0"/>
+              <a:cs typeface="Segoe UI" panose="020B0502040204020203" pitchFamily="34" charset="0"/>
+            </a:endParaRPr>
+          </a:p>
+        </p:txBody>
+      </p:sp>
+      <p:sp>
+        <p:nvSpPr>
+          <p:cNvPr id="4" name="Content Placeholder 3">
+            <a:extLst>
+              <a:ext uri="{FF2B5EF4-FFF2-40B4-BE49-F238E27FC236}">
+                <a16:creationId xmlns:a16="http://schemas.microsoft.com/office/drawing/2014/main" id="{072FDFA0-CC9F-E8E1-863B-9F616F3536D9}"/>
+              </a:ext>
+            </a:extLst>
+          </p:cNvPr>
+          <p:cNvSpPr>
+            <a:spLocks noGrp="1"/>
+          </p:cNvSpPr>
+          <p:nvPr>
+            <p:ph idx="1"/>
+          </p:nvPr>
+        </p:nvSpPr>
+        <p:spPr/>
+        <p:txBody>
+          <a:bodyPr>
+            <a:normAutofit/>
+          </a:bodyPr>
+          <a:lstStyle/>
+          <a:p>
+            <a:r>
+              <a:rPr lang="en-US" sz="3200" dirty="0">
+                <a:latin typeface="Segoe UI" panose="020B0502040204020203" pitchFamily="34" charset="0"/>
+                <a:cs typeface="Segoe UI" panose="020B0502040204020203" pitchFamily="34" charset="0"/>
+              </a:rPr>
+              <a:t>There is already the `</a:t>
+            </a:r>
+            <a:r>
+              <a:rPr lang="en-US" sz="3200" dirty="0" err="1">
+                <a:latin typeface="Segoe UI" panose="020B0502040204020203" pitchFamily="34" charset="0"/>
+                <a:cs typeface="Segoe UI" panose="020B0502040204020203" pitchFamily="34" charset="0"/>
+              </a:rPr>
+              <a:t>RockPaperScissorsBoom.ExampleBot</a:t>
+            </a:r>
+            <a:r>
+              <a:rPr lang="en-US" sz="3200" dirty="0">
+                <a:latin typeface="Segoe UI" panose="020B0502040204020203" pitchFamily="34" charset="0"/>
+                <a:cs typeface="Segoe UI" panose="020B0502040204020203" pitchFamily="34" charset="0"/>
+              </a:rPr>
+              <a:t>` project in your solution implementing a </a:t>
+            </a:r>
+            <a:r>
+              <a:rPr lang="en-US" sz="3200" dirty="0" err="1">
+                <a:latin typeface="Segoe UI" panose="020B0502040204020203" pitchFamily="34" charset="0"/>
+                <a:cs typeface="Segoe UI" panose="020B0502040204020203" pitchFamily="34" charset="0"/>
+              </a:rPr>
+              <a:t>SignalR</a:t>
+            </a:r>
+            <a:r>
+              <a:rPr lang="en-US" sz="3200" dirty="0">
+                <a:latin typeface="Segoe UI" panose="020B0502040204020203" pitchFamily="34" charset="0"/>
+                <a:cs typeface="Segoe UI" panose="020B0502040204020203" pitchFamily="34" charset="0"/>
+              </a:rPr>
+              <a:t> bot, let's just use it and deploy it!</a:t>
+            </a:r>
+          </a:p>
+          <a:p>
+            <a:pPr lvl="1"/>
+            <a:r>
+              <a:rPr lang="en-US" sz="3200" dirty="0">
+                <a:latin typeface="Segoe UI" panose="020B0502040204020203" pitchFamily="34" charset="0"/>
+                <a:cs typeface="Segoe UI" panose="020B0502040204020203" pitchFamily="34" charset="0"/>
+              </a:rPr>
+              <a:t>Deploy it on new Azure Web App for Containers.</a:t>
+            </a:r>
+          </a:p>
+          <a:p>
+            <a:r>
+              <a:rPr lang="en-US" sz="3200" dirty="0"/>
+              <a:t>In your web browser, navigate to the main web app (Server), add this Bot as a new competitor and play a game, make sure it's working without any error.</a:t>
+            </a:r>
+          </a:p>
+        </p:txBody>
+      </p:sp>
+      <p:sp>
+        <p:nvSpPr>
+          <p:cNvPr id="2" name="Text Placeholder 1"/>
+          <p:cNvSpPr>
+            <a:spLocks noGrp="1"/>
+          </p:cNvSpPr>
+          <p:nvPr>
+            <p:ph type="body" sz="quarter" idx="13"/>
+          </p:nvPr>
+        </p:nvSpPr>
+        <p:spPr/>
+        <p:txBody>
+          <a:bodyPr>
+            <a:normAutofit/>
+          </a:bodyPr>
+          <a:lstStyle/>
+          <a:p>
+            <a:r>
+              <a:rPr lang="en-US" sz="3200" b="1" dirty="0">
+                <a:solidFill>
+                  <a:srgbClr val="7030A0"/>
+                </a:solidFill>
+                <a:latin typeface="Segoe UI" panose="020B0502040204020203" pitchFamily="34" charset="0"/>
+                <a:cs typeface="Segoe UI" panose="020B0502040204020203" pitchFamily="34" charset="0"/>
+              </a:rPr>
+              <a:t>Leverage </a:t>
+            </a:r>
+            <a:r>
+              <a:rPr lang="en-US" sz="3200" b="1" dirty="0" err="1">
+                <a:solidFill>
+                  <a:srgbClr val="7030A0"/>
+                </a:solidFill>
+                <a:latin typeface="Segoe UI" panose="020B0502040204020203" pitchFamily="34" charset="0"/>
+                <a:cs typeface="Segoe UI" panose="020B0502040204020203" pitchFamily="34" charset="0"/>
+              </a:rPr>
+              <a:t>SignalR</a:t>
+            </a:r>
+            <a:endParaRPr lang="en-US" sz="3200" dirty="0">
+              <a:latin typeface="Segoe UI" panose="020B0502040204020203" pitchFamily="34" charset="0"/>
+              <a:cs typeface="Segoe UI" panose="020B0502040204020203" pitchFamily="34" charset="0"/>
+            </a:endParaRPr>
+          </a:p>
+        </p:txBody>
+      </p:sp>
+    </p:spTree>
+    <p:extLst>
+      <p:ext uri="{BB962C8B-B14F-4D97-AF65-F5344CB8AC3E}">
+        <p14:creationId xmlns:p14="http://schemas.microsoft.com/office/powerpoint/2010/main" val="4052565349"/>
       </p:ext>
     </p:extLst>
   </p:cSld>
@@ -7846,7 +8612,7 @@
                 <a:latin typeface="Segoe UI Light" panose="020B0502040204020203" pitchFamily="34" charset="0"/>
                 <a:cs typeface="Segoe UI Light" panose="020B0502040204020203" pitchFamily="34" charset="0"/>
               </a:rPr>
-              <a:t>&lt;Insert Hack Name Here&gt;</a:t>
+              <a:t>Rock Paper Scissors Boom!</a:t>
             </a:r>
           </a:p>
           <a:p>
@@ -8481,6 +9247,1087 @@
 </p:sld>
 </file>
 
+<file path=ppt/slides/slide20.xml><?xml version="1.0" encoding="utf-8"?>
+<p:sld xmlns:a="http://schemas.openxmlformats.org/drawingml/2006/main" xmlns:r="http://schemas.openxmlformats.org/officeDocument/2006/relationships" xmlns:p="http://schemas.openxmlformats.org/presentationml/2006/main">
+  <p:cSld>
+    <p:spTree>
+      <p:nvGrpSpPr>
+        <p:cNvPr id="1" name=""/>
+        <p:cNvGrpSpPr/>
+        <p:nvPr/>
+      </p:nvGrpSpPr>
+      <p:grpSpPr>
+        <a:xfrm>
+          <a:off x="0" y="0"/>
+          <a:ext cx="0" cy="0"/>
+          <a:chOff x="0" y="0"/>
+          <a:chExt cx="0" cy="0"/>
+        </a:xfrm>
+      </p:grpSpPr>
+      <p:sp>
+        <p:nvSpPr>
+          <p:cNvPr id="2" name="Title 1">
+            <a:extLst>
+              <a:ext uri="{FF2B5EF4-FFF2-40B4-BE49-F238E27FC236}">
+                <a16:creationId xmlns:a16="http://schemas.microsoft.com/office/drawing/2014/main" id="{FD22A5CE-6B55-7E50-78D7-F315E2D5FE09}"/>
+              </a:ext>
+            </a:extLst>
+          </p:cNvPr>
+          <p:cNvSpPr>
+            <a:spLocks noGrp="1"/>
+          </p:cNvSpPr>
+          <p:nvPr>
+            <p:ph type="title"/>
+          </p:nvPr>
+        </p:nvSpPr>
+        <p:spPr/>
+        <p:txBody>
+          <a:bodyPr/>
+          <a:lstStyle/>
+          <a:p>
+            <a:r>
+              <a:rPr lang="en-US" dirty="0"/>
+              <a:t>Challenge 9</a:t>
+            </a:r>
+          </a:p>
+        </p:txBody>
+      </p:sp>
+      <p:sp>
+        <p:nvSpPr>
+          <p:cNvPr id="3" name="Text Placeholder 2">
+            <a:extLst>
+              <a:ext uri="{FF2B5EF4-FFF2-40B4-BE49-F238E27FC236}">
+                <a16:creationId xmlns:a16="http://schemas.microsoft.com/office/drawing/2014/main" id="{26CFF82C-2B76-41AB-EE30-AFED414A7980}"/>
+              </a:ext>
+            </a:extLst>
+          </p:cNvPr>
+          <p:cNvSpPr>
+            <a:spLocks noGrp="1"/>
+          </p:cNvSpPr>
+          <p:nvPr>
+            <p:ph type="body" idx="1"/>
+          </p:nvPr>
+        </p:nvSpPr>
+        <p:spPr/>
+        <p:txBody>
+          <a:bodyPr/>
+          <a:lstStyle/>
+          <a:p>
+            <a:r>
+              <a:rPr lang="en-US" dirty="0"/>
+              <a:t>Leverage Azure CDN</a:t>
+            </a:r>
+          </a:p>
+        </p:txBody>
+      </p:sp>
+    </p:spTree>
+    <p:extLst>
+      <p:ext uri="{BB962C8B-B14F-4D97-AF65-F5344CB8AC3E}">
+        <p14:creationId xmlns:p14="http://schemas.microsoft.com/office/powerpoint/2010/main" val="3496892613"/>
+      </p:ext>
+    </p:extLst>
+  </p:cSld>
+  <p:clrMapOvr>
+    <a:masterClrMapping/>
+  </p:clrMapOvr>
+</p:sld>
+</file>
+
+<file path=ppt/slides/slide21.xml><?xml version="1.0" encoding="utf-8"?>
+<p:sld xmlns:a="http://schemas.openxmlformats.org/drawingml/2006/main" xmlns:r="http://schemas.openxmlformats.org/officeDocument/2006/relationships" xmlns:p="http://schemas.openxmlformats.org/presentationml/2006/main">
+  <p:cSld>
+    <p:spTree>
+      <p:nvGrpSpPr>
+        <p:cNvPr id="1" name=""/>
+        <p:cNvGrpSpPr/>
+        <p:nvPr/>
+      </p:nvGrpSpPr>
+      <p:grpSpPr>
+        <a:xfrm>
+          <a:off x="0" y="0"/>
+          <a:ext cx="0" cy="0"/>
+          <a:chOff x="0" y="0"/>
+          <a:chExt cx="0" cy="0"/>
+        </a:xfrm>
+      </p:grpSpPr>
+      <p:sp>
+        <p:nvSpPr>
+          <p:cNvPr id="3" name="Title 2"/>
+          <p:cNvSpPr>
+            <a:spLocks noGrp="1"/>
+          </p:cNvSpPr>
+          <p:nvPr>
+            <p:ph type="title"/>
+          </p:nvPr>
+        </p:nvSpPr>
+        <p:spPr/>
+        <p:txBody>
+          <a:bodyPr>
+            <a:normAutofit/>
+          </a:bodyPr>
+          <a:lstStyle/>
+          <a:p>
+            <a:r>
+              <a:rPr lang="en-US" sz="5400" b="1" dirty="0">
+                <a:solidFill>
+                  <a:srgbClr val="002060"/>
+                </a:solidFill>
+                <a:latin typeface="Segoe UI" panose="020B0502040204020203" pitchFamily="34" charset="0"/>
+                <a:cs typeface="Segoe UI" panose="020B0502040204020203" pitchFamily="34" charset="0"/>
+              </a:rPr>
+              <a:t>Challenge 9</a:t>
+            </a:r>
+            <a:endParaRPr lang="en-US" sz="3200" b="1" dirty="0">
+              <a:solidFill>
+                <a:srgbClr val="7030A0"/>
+              </a:solidFill>
+              <a:latin typeface="Segoe UI" panose="020B0502040204020203" pitchFamily="34" charset="0"/>
+              <a:cs typeface="Segoe UI" panose="020B0502040204020203" pitchFamily="34" charset="0"/>
+            </a:endParaRPr>
+          </a:p>
+        </p:txBody>
+      </p:sp>
+      <p:sp>
+        <p:nvSpPr>
+          <p:cNvPr id="4" name="Content Placeholder 3">
+            <a:extLst>
+              <a:ext uri="{FF2B5EF4-FFF2-40B4-BE49-F238E27FC236}">
+                <a16:creationId xmlns:a16="http://schemas.microsoft.com/office/drawing/2014/main" id="{072FDFA0-CC9F-E8E1-863B-9F616F3536D9}"/>
+              </a:ext>
+            </a:extLst>
+          </p:cNvPr>
+          <p:cNvSpPr>
+            <a:spLocks noGrp="1"/>
+          </p:cNvSpPr>
+          <p:nvPr>
+            <p:ph idx="1"/>
+          </p:nvPr>
+        </p:nvSpPr>
+        <p:spPr/>
+        <p:txBody>
+          <a:bodyPr/>
+          <a:lstStyle/>
+          <a:p>
+            <a:r>
+              <a:rPr lang="en-US" sz="3200" dirty="0">
+                <a:latin typeface="Segoe UI" panose="020B0502040204020203" pitchFamily="34" charset="0"/>
+                <a:cs typeface="Segoe UI" panose="020B0502040204020203" pitchFamily="34" charset="0"/>
+              </a:rPr>
+              <a:t>The Rock/Paper/Scissors and Boom images on the home page of the app are served from CDN.</a:t>
+            </a:r>
+          </a:p>
+          <a:p>
+            <a:r>
+              <a:rPr lang="en-US" sz="3200" dirty="0">
+                <a:latin typeface="Segoe UI" panose="020B0502040204020203" pitchFamily="34" charset="0"/>
+                <a:cs typeface="Segoe UI" panose="020B0502040204020203" pitchFamily="34" charset="0"/>
+              </a:rPr>
+              <a:t>Verify that your cached static content is not downloaded more than once during the cache duration. You can verify this by inspecting the request with Developer Tools in most modern browsers.</a:t>
+            </a:r>
+            <a:endParaRPr lang="en-US" dirty="0"/>
+          </a:p>
+        </p:txBody>
+      </p:sp>
+      <p:sp>
+        <p:nvSpPr>
+          <p:cNvPr id="2" name="Text Placeholder 1"/>
+          <p:cNvSpPr>
+            <a:spLocks noGrp="1"/>
+          </p:cNvSpPr>
+          <p:nvPr>
+            <p:ph type="body" sz="quarter" idx="13"/>
+          </p:nvPr>
+        </p:nvSpPr>
+        <p:spPr/>
+        <p:txBody>
+          <a:bodyPr>
+            <a:normAutofit/>
+          </a:bodyPr>
+          <a:lstStyle/>
+          <a:p>
+            <a:r>
+              <a:rPr lang="en-US" sz="3200" b="1" dirty="0">
+                <a:solidFill>
+                  <a:srgbClr val="7030A0"/>
+                </a:solidFill>
+                <a:latin typeface="Segoe UI" panose="020B0502040204020203" pitchFamily="34" charset="0"/>
+                <a:cs typeface="Segoe UI" panose="020B0502040204020203" pitchFamily="34" charset="0"/>
+              </a:rPr>
+              <a:t>Leverage Azure CDN</a:t>
+            </a:r>
+            <a:endParaRPr lang="en-US" sz="3200" dirty="0">
+              <a:latin typeface="Segoe UI" panose="020B0502040204020203" pitchFamily="34" charset="0"/>
+              <a:cs typeface="Segoe UI" panose="020B0502040204020203" pitchFamily="34" charset="0"/>
+            </a:endParaRPr>
+          </a:p>
+        </p:txBody>
+      </p:sp>
+    </p:spTree>
+    <p:extLst>
+      <p:ext uri="{BB962C8B-B14F-4D97-AF65-F5344CB8AC3E}">
+        <p14:creationId xmlns:p14="http://schemas.microsoft.com/office/powerpoint/2010/main" val="2201159058"/>
+      </p:ext>
+    </p:extLst>
+  </p:cSld>
+  <p:clrMapOvr>
+    <a:masterClrMapping/>
+  </p:clrMapOvr>
+</p:sld>
+</file>
+
+<file path=ppt/slides/slide22.xml><?xml version="1.0" encoding="utf-8"?>
+<p:sld xmlns:a="http://schemas.openxmlformats.org/drawingml/2006/main" xmlns:r="http://schemas.openxmlformats.org/officeDocument/2006/relationships" xmlns:p="http://schemas.openxmlformats.org/presentationml/2006/main">
+  <p:cSld>
+    <p:spTree>
+      <p:nvGrpSpPr>
+        <p:cNvPr id="1" name=""/>
+        <p:cNvGrpSpPr/>
+        <p:nvPr/>
+      </p:nvGrpSpPr>
+      <p:grpSpPr>
+        <a:xfrm>
+          <a:off x="0" y="0"/>
+          <a:ext cx="0" cy="0"/>
+          <a:chOff x="0" y="0"/>
+          <a:chExt cx="0" cy="0"/>
+        </a:xfrm>
+      </p:grpSpPr>
+      <p:sp>
+        <p:nvSpPr>
+          <p:cNvPr id="2" name="Title 1">
+            <a:extLst>
+              <a:ext uri="{FF2B5EF4-FFF2-40B4-BE49-F238E27FC236}">
+                <a16:creationId xmlns:a16="http://schemas.microsoft.com/office/drawing/2014/main" id="{FD22A5CE-6B55-7E50-78D7-F315E2D5FE09}"/>
+              </a:ext>
+            </a:extLst>
+          </p:cNvPr>
+          <p:cNvSpPr>
+            <a:spLocks noGrp="1"/>
+          </p:cNvSpPr>
+          <p:nvPr>
+            <p:ph type="title"/>
+          </p:nvPr>
+        </p:nvSpPr>
+        <p:spPr/>
+        <p:txBody>
+          <a:bodyPr/>
+          <a:lstStyle/>
+          <a:p>
+            <a:r>
+              <a:rPr lang="en-US" dirty="0"/>
+              <a:t>Challenge 10</a:t>
+            </a:r>
+          </a:p>
+        </p:txBody>
+      </p:sp>
+      <p:sp>
+        <p:nvSpPr>
+          <p:cNvPr id="3" name="Text Placeholder 2">
+            <a:extLst>
+              <a:ext uri="{FF2B5EF4-FFF2-40B4-BE49-F238E27FC236}">
+                <a16:creationId xmlns:a16="http://schemas.microsoft.com/office/drawing/2014/main" id="{26CFF82C-2B76-41AB-EE30-AFED414A7980}"/>
+              </a:ext>
+            </a:extLst>
+          </p:cNvPr>
+          <p:cNvSpPr>
+            <a:spLocks noGrp="1"/>
+          </p:cNvSpPr>
+          <p:nvPr>
+            <p:ph type="body" idx="1"/>
+          </p:nvPr>
+        </p:nvSpPr>
+        <p:spPr/>
+        <p:txBody>
+          <a:bodyPr/>
+          <a:lstStyle/>
+          <a:p>
+            <a:r>
+              <a:rPr lang="en-US" dirty="0"/>
+              <a:t>Send a Winner Notification</a:t>
+            </a:r>
+          </a:p>
+        </p:txBody>
+      </p:sp>
+    </p:spTree>
+    <p:extLst>
+      <p:ext uri="{BB962C8B-B14F-4D97-AF65-F5344CB8AC3E}">
+        <p14:creationId xmlns:p14="http://schemas.microsoft.com/office/powerpoint/2010/main" val="2437575925"/>
+      </p:ext>
+    </p:extLst>
+  </p:cSld>
+  <p:clrMapOvr>
+    <a:masterClrMapping/>
+  </p:clrMapOvr>
+</p:sld>
+</file>
+
+<file path=ppt/slides/slide23.xml><?xml version="1.0" encoding="utf-8"?>
+<p:sld xmlns:a="http://schemas.openxmlformats.org/drawingml/2006/main" xmlns:r="http://schemas.openxmlformats.org/officeDocument/2006/relationships" xmlns:p="http://schemas.openxmlformats.org/presentationml/2006/main">
+  <p:cSld>
+    <p:spTree>
+      <p:nvGrpSpPr>
+        <p:cNvPr id="1" name=""/>
+        <p:cNvGrpSpPr/>
+        <p:nvPr/>
+      </p:nvGrpSpPr>
+      <p:grpSpPr>
+        <a:xfrm>
+          <a:off x="0" y="0"/>
+          <a:ext cx="0" cy="0"/>
+          <a:chOff x="0" y="0"/>
+          <a:chExt cx="0" cy="0"/>
+        </a:xfrm>
+      </p:grpSpPr>
+      <p:sp>
+        <p:nvSpPr>
+          <p:cNvPr id="3" name="Title 2"/>
+          <p:cNvSpPr>
+            <a:spLocks noGrp="1"/>
+          </p:cNvSpPr>
+          <p:nvPr>
+            <p:ph type="title"/>
+          </p:nvPr>
+        </p:nvSpPr>
+        <p:spPr/>
+        <p:txBody>
+          <a:bodyPr>
+            <a:normAutofit/>
+          </a:bodyPr>
+          <a:lstStyle/>
+          <a:p>
+            <a:r>
+              <a:rPr lang="en-US" sz="5400" b="1" dirty="0">
+                <a:solidFill>
+                  <a:srgbClr val="002060"/>
+                </a:solidFill>
+                <a:latin typeface="Segoe UI" panose="020B0502040204020203" pitchFamily="34" charset="0"/>
+                <a:cs typeface="Segoe UI" panose="020B0502040204020203" pitchFamily="34" charset="0"/>
+              </a:rPr>
+              <a:t>Challenge 10</a:t>
+            </a:r>
+            <a:endParaRPr lang="en-US" sz="3200" b="1" dirty="0">
+              <a:solidFill>
+                <a:srgbClr val="7030A0"/>
+              </a:solidFill>
+              <a:latin typeface="Segoe UI" panose="020B0502040204020203" pitchFamily="34" charset="0"/>
+              <a:cs typeface="Segoe UI" panose="020B0502040204020203" pitchFamily="34" charset="0"/>
+            </a:endParaRPr>
+          </a:p>
+        </p:txBody>
+      </p:sp>
+      <p:sp>
+        <p:nvSpPr>
+          <p:cNvPr id="4" name="Content Placeholder 3">
+            <a:extLst>
+              <a:ext uri="{FF2B5EF4-FFF2-40B4-BE49-F238E27FC236}">
+                <a16:creationId xmlns:a16="http://schemas.microsoft.com/office/drawing/2014/main" id="{072FDFA0-CC9F-E8E1-863B-9F616F3536D9}"/>
+              </a:ext>
+            </a:extLst>
+          </p:cNvPr>
+          <p:cNvSpPr>
+            <a:spLocks noGrp="1"/>
+          </p:cNvSpPr>
+          <p:nvPr>
+            <p:ph idx="1"/>
+          </p:nvPr>
+        </p:nvSpPr>
+        <p:spPr/>
+        <p:txBody>
+          <a:bodyPr/>
+          <a:lstStyle/>
+          <a:p>
+            <a:r>
+              <a:rPr lang="en-US" dirty="0"/>
+              <a:t>After a game is played, a person gets a notification that includes</a:t>
+            </a:r>
+          </a:p>
+          <a:p>
+            <a:pPr lvl="1"/>
+            <a:r>
+              <a:rPr lang="en-US" dirty="0"/>
+              <a:t>Team Name</a:t>
+            </a:r>
+          </a:p>
+          <a:p>
+            <a:pPr lvl="1"/>
+            <a:r>
+              <a:rPr lang="en-US" dirty="0"/>
+              <a:t>Server Name</a:t>
+            </a:r>
+          </a:p>
+          <a:p>
+            <a:pPr lvl="1"/>
+            <a:r>
+              <a:rPr lang="en-US" dirty="0"/>
+              <a:t>Winner Name</a:t>
+            </a:r>
+          </a:p>
+          <a:p>
+            <a:pPr lvl="1"/>
+            <a:r>
+              <a:rPr lang="en-US" dirty="0"/>
+              <a:t>Game Id</a:t>
+            </a:r>
+          </a:p>
+          <a:p>
+            <a:r>
+              <a:rPr lang="en-US" dirty="0"/>
+              <a:t>Use Logic Apps &amp; the Office 365 connector</a:t>
+            </a:r>
+          </a:p>
+          <a:p>
+            <a:r>
+              <a:rPr lang="en-US" dirty="0"/>
+              <a:t>The notification comes automatically and relatively quickly after the game is played (within 30 seconds).</a:t>
+            </a:r>
+          </a:p>
+        </p:txBody>
+      </p:sp>
+      <p:sp>
+        <p:nvSpPr>
+          <p:cNvPr id="2" name="Text Placeholder 1"/>
+          <p:cNvSpPr>
+            <a:spLocks noGrp="1"/>
+          </p:cNvSpPr>
+          <p:nvPr>
+            <p:ph type="body" sz="quarter" idx="13"/>
+          </p:nvPr>
+        </p:nvSpPr>
+        <p:spPr/>
+        <p:txBody>
+          <a:bodyPr>
+            <a:normAutofit/>
+          </a:bodyPr>
+          <a:lstStyle/>
+          <a:p>
+            <a:r>
+              <a:rPr lang="en-US" sz="3200" b="1" dirty="0">
+                <a:solidFill>
+                  <a:srgbClr val="7030A0"/>
+                </a:solidFill>
+                <a:latin typeface="Segoe UI" panose="020B0502040204020203" pitchFamily="34" charset="0"/>
+                <a:cs typeface="Segoe UI" panose="020B0502040204020203" pitchFamily="34" charset="0"/>
+              </a:rPr>
+              <a:t>Send a Winner Notification</a:t>
+            </a:r>
+            <a:endParaRPr lang="en-US" sz="3200" dirty="0">
+              <a:latin typeface="Segoe UI" panose="020B0502040204020203" pitchFamily="34" charset="0"/>
+              <a:cs typeface="Segoe UI" panose="020B0502040204020203" pitchFamily="34" charset="0"/>
+            </a:endParaRPr>
+          </a:p>
+        </p:txBody>
+      </p:sp>
+    </p:spTree>
+    <p:extLst>
+      <p:ext uri="{BB962C8B-B14F-4D97-AF65-F5344CB8AC3E}">
+        <p14:creationId xmlns:p14="http://schemas.microsoft.com/office/powerpoint/2010/main" val="1663471898"/>
+      </p:ext>
+    </p:extLst>
+  </p:cSld>
+  <p:clrMapOvr>
+    <a:masterClrMapping/>
+  </p:clrMapOvr>
+</p:sld>
+</file>
+
+<file path=ppt/slides/slide24.xml><?xml version="1.0" encoding="utf-8"?>
+<p:sld xmlns:a="http://schemas.openxmlformats.org/drawingml/2006/main" xmlns:r="http://schemas.openxmlformats.org/officeDocument/2006/relationships" xmlns:p="http://schemas.openxmlformats.org/presentationml/2006/main">
+  <p:cSld>
+    <p:spTree>
+      <p:nvGrpSpPr>
+        <p:cNvPr id="1" name=""/>
+        <p:cNvGrpSpPr/>
+        <p:nvPr/>
+      </p:nvGrpSpPr>
+      <p:grpSpPr>
+        <a:xfrm>
+          <a:off x="0" y="0"/>
+          <a:ext cx="0" cy="0"/>
+          <a:chOff x="0" y="0"/>
+          <a:chExt cx="0" cy="0"/>
+        </a:xfrm>
+      </p:grpSpPr>
+      <p:sp>
+        <p:nvSpPr>
+          <p:cNvPr id="2" name="Title 1">
+            <a:extLst>
+              <a:ext uri="{FF2B5EF4-FFF2-40B4-BE49-F238E27FC236}">
+                <a16:creationId xmlns:a16="http://schemas.microsoft.com/office/drawing/2014/main" id="{FD22A5CE-6B55-7E50-78D7-F315E2D5FE09}"/>
+              </a:ext>
+            </a:extLst>
+          </p:cNvPr>
+          <p:cNvSpPr>
+            <a:spLocks noGrp="1"/>
+          </p:cNvSpPr>
+          <p:nvPr>
+            <p:ph type="title"/>
+          </p:nvPr>
+        </p:nvSpPr>
+        <p:spPr/>
+        <p:txBody>
+          <a:bodyPr/>
+          <a:lstStyle/>
+          <a:p>
+            <a:r>
+              <a:rPr lang="en-US" dirty="0"/>
+              <a:t>Challenge 11</a:t>
+            </a:r>
+          </a:p>
+        </p:txBody>
+      </p:sp>
+      <p:sp>
+        <p:nvSpPr>
+          <p:cNvPr id="3" name="Text Placeholder 2">
+            <a:extLst>
+              <a:ext uri="{FF2B5EF4-FFF2-40B4-BE49-F238E27FC236}">
+                <a16:creationId xmlns:a16="http://schemas.microsoft.com/office/drawing/2014/main" id="{26CFF82C-2B76-41AB-EE30-AFED414A7980}"/>
+              </a:ext>
+            </a:extLst>
+          </p:cNvPr>
+          <p:cNvSpPr>
+            <a:spLocks noGrp="1"/>
+          </p:cNvSpPr>
+          <p:nvPr>
+            <p:ph type="body" idx="1"/>
+          </p:nvPr>
+        </p:nvSpPr>
+        <p:spPr/>
+        <p:txBody>
+          <a:bodyPr/>
+          <a:lstStyle/>
+          <a:p>
+            <a:r>
+              <a:rPr lang="en-US" dirty="0"/>
+              <a:t>Run a Load Test</a:t>
+            </a:r>
+          </a:p>
+        </p:txBody>
+      </p:sp>
+    </p:spTree>
+    <p:extLst>
+      <p:ext uri="{BB962C8B-B14F-4D97-AF65-F5344CB8AC3E}">
+        <p14:creationId xmlns:p14="http://schemas.microsoft.com/office/powerpoint/2010/main" val="3965764198"/>
+      </p:ext>
+    </p:extLst>
+  </p:cSld>
+  <p:clrMapOvr>
+    <a:masterClrMapping/>
+  </p:clrMapOvr>
+</p:sld>
+</file>
+
+<file path=ppt/slides/slide25.xml><?xml version="1.0" encoding="utf-8"?>
+<p:sld xmlns:a="http://schemas.openxmlformats.org/drawingml/2006/main" xmlns:r="http://schemas.openxmlformats.org/officeDocument/2006/relationships" xmlns:p="http://schemas.openxmlformats.org/presentationml/2006/main">
+  <p:cSld>
+    <p:spTree>
+      <p:nvGrpSpPr>
+        <p:cNvPr id="1" name=""/>
+        <p:cNvGrpSpPr/>
+        <p:nvPr/>
+      </p:nvGrpSpPr>
+      <p:grpSpPr>
+        <a:xfrm>
+          <a:off x="0" y="0"/>
+          <a:ext cx="0" cy="0"/>
+          <a:chOff x="0" y="0"/>
+          <a:chExt cx="0" cy="0"/>
+        </a:xfrm>
+      </p:grpSpPr>
+      <p:sp>
+        <p:nvSpPr>
+          <p:cNvPr id="3" name="Title 2"/>
+          <p:cNvSpPr>
+            <a:spLocks noGrp="1"/>
+          </p:cNvSpPr>
+          <p:nvPr>
+            <p:ph type="title"/>
+          </p:nvPr>
+        </p:nvSpPr>
+        <p:spPr/>
+        <p:txBody>
+          <a:bodyPr>
+            <a:normAutofit/>
+          </a:bodyPr>
+          <a:lstStyle/>
+          <a:p>
+            <a:r>
+              <a:rPr lang="en-US" sz="5400" b="1" dirty="0">
+                <a:solidFill>
+                  <a:srgbClr val="002060"/>
+                </a:solidFill>
+                <a:latin typeface="Segoe UI" panose="020B0502040204020203" pitchFamily="34" charset="0"/>
+                <a:cs typeface="Segoe UI" panose="020B0502040204020203" pitchFamily="34" charset="0"/>
+              </a:rPr>
+              <a:t>Challenge 11</a:t>
+            </a:r>
+            <a:endParaRPr lang="en-US" sz="3200" b="1" dirty="0">
+              <a:solidFill>
+                <a:srgbClr val="7030A0"/>
+              </a:solidFill>
+              <a:latin typeface="Segoe UI" panose="020B0502040204020203" pitchFamily="34" charset="0"/>
+              <a:cs typeface="Segoe UI" panose="020B0502040204020203" pitchFamily="34" charset="0"/>
+            </a:endParaRPr>
+          </a:p>
+        </p:txBody>
+      </p:sp>
+      <p:sp>
+        <p:nvSpPr>
+          <p:cNvPr id="4" name="Content Placeholder 3">
+            <a:extLst>
+              <a:ext uri="{FF2B5EF4-FFF2-40B4-BE49-F238E27FC236}">
+                <a16:creationId xmlns:a16="http://schemas.microsoft.com/office/drawing/2014/main" id="{072FDFA0-CC9F-E8E1-863B-9F616F3536D9}"/>
+              </a:ext>
+            </a:extLst>
+          </p:cNvPr>
+          <p:cNvSpPr>
+            <a:spLocks noGrp="1"/>
+          </p:cNvSpPr>
+          <p:nvPr>
+            <p:ph idx="1"/>
+          </p:nvPr>
+        </p:nvSpPr>
+        <p:spPr/>
+        <p:txBody>
+          <a:bodyPr/>
+          <a:lstStyle/>
+          <a:p>
+            <a:r>
+              <a:rPr lang="en-US" dirty="0"/>
+              <a:t>Use the Azure Load Testing service to run a load test against your app.</a:t>
+            </a:r>
+          </a:p>
+          <a:p>
+            <a:r>
+              <a:rPr lang="en-US" dirty="0"/>
+              <a:t>Run a Load Test against the app homepage using the default configuration.</a:t>
+            </a:r>
+          </a:p>
+          <a:p>
+            <a:r>
+              <a:rPr lang="en-US" dirty="0"/>
+              <a:t>Run a Load Test against the Competitors homepage (it requires a SQL Server call). Use the default configuration again.</a:t>
+            </a:r>
+          </a:p>
+          <a:p>
+            <a:r>
+              <a:rPr lang="en-US" dirty="0"/>
+              <a:t>Run a Load Test against the API endpoint for running the game.</a:t>
+            </a:r>
+          </a:p>
+        </p:txBody>
+      </p:sp>
+      <p:sp>
+        <p:nvSpPr>
+          <p:cNvPr id="2" name="Text Placeholder 1"/>
+          <p:cNvSpPr>
+            <a:spLocks noGrp="1"/>
+          </p:cNvSpPr>
+          <p:nvPr>
+            <p:ph type="body" sz="quarter" idx="13"/>
+          </p:nvPr>
+        </p:nvSpPr>
+        <p:spPr/>
+        <p:txBody>
+          <a:bodyPr>
+            <a:normAutofit/>
+          </a:bodyPr>
+          <a:lstStyle/>
+          <a:p>
+            <a:r>
+              <a:rPr lang="en-US" sz="3200" b="1" dirty="0">
+                <a:solidFill>
+                  <a:srgbClr val="7030A0"/>
+                </a:solidFill>
+                <a:latin typeface="Segoe UI" panose="020B0502040204020203" pitchFamily="34" charset="0"/>
+                <a:cs typeface="Segoe UI" panose="020B0502040204020203" pitchFamily="34" charset="0"/>
+              </a:rPr>
+              <a:t>Run a Load Test</a:t>
+            </a:r>
+            <a:endParaRPr lang="en-US" sz="3200" dirty="0">
+              <a:latin typeface="Segoe UI" panose="020B0502040204020203" pitchFamily="34" charset="0"/>
+              <a:cs typeface="Segoe UI" panose="020B0502040204020203" pitchFamily="34" charset="0"/>
+            </a:endParaRPr>
+          </a:p>
+        </p:txBody>
+      </p:sp>
+    </p:spTree>
+    <p:extLst>
+      <p:ext uri="{BB962C8B-B14F-4D97-AF65-F5344CB8AC3E}">
+        <p14:creationId xmlns:p14="http://schemas.microsoft.com/office/powerpoint/2010/main" val="424697875"/>
+      </p:ext>
+    </p:extLst>
+  </p:cSld>
+  <p:clrMapOvr>
+    <a:masterClrMapping/>
+  </p:clrMapOvr>
+</p:sld>
+</file>
+
+<file path=ppt/slides/slide26.xml><?xml version="1.0" encoding="utf-8"?>
+<p:sld xmlns:a="http://schemas.openxmlformats.org/drawingml/2006/main" xmlns:r="http://schemas.openxmlformats.org/officeDocument/2006/relationships" xmlns:p="http://schemas.openxmlformats.org/presentationml/2006/main">
+  <p:cSld>
+    <p:spTree>
+      <p:nvGrpSpPr>
+        <p:cNvPr id="1" name=""/>
+        <p:cNvGrpSpPr/>
+        <p:nvPr/>
+      </p:nvGrpSpPr>
+      <p:grpSpPr>
+        <a:xfrm>
+          <a:off x="0" y="0"/>
+          <a:ext cx="0" cy="0"/>
+          <a:chOff x="0" y="0"/>
+          <a:chExt cx="0" cy="0"/>
+        </a:xfrm>
+      </p:grpSpPr>
+      <p:sp>
+        <p:nvSpPr>
+          <p:cNvPr id="2" name="Title 1">
+            <a:extLst>
+              <a:ext uri="{FF2B5EF4-FFF2-40B4-BE49-F238E27FC236}">
+                <a16:creationId xmlns:a16="http://schemas.microsoft.com/office/drawing/2014/main" id="{FD22A5CE-6B55-7E50-78D7-F315E2D5FE09}"/>
+              </a:ext>
+            </a:extLst>
+          </p:cNvPr>
+          <p:cNvSpPr>
+            <a:spLocks noGrp="1"/>
+          </p:cNvSpPr>
+          <p:nvPr>
+            <p:ph type="title"/>
+          </p:nvPr>
+        </p:nvSpPr>
+        <p:spPr/>
+        <p:txBody>
+          <a:bodyPr/>
+          <a:lstStyle/>
+          <a:p>
+            <a:r>
+              <a:rPr lang="en-US" dirty="0"/>
+              <a:t>Challenge 12</a:t>
+            </a:r>
+          </a:p>
+        </p:txBody>
+      </p:sp>
+      <p:sp>
+        <p:nvSpPr>
+          <p:cNvPr id="3" name="Text Placeholder 2">
+            <a:extLst>
+              <a:ext uri="{FF2B5EF4-FFF2-40B4-BE49-F238E27FC236}">
+                <a16:creationId xmlns:a16="http://schemas.microsoft.com/office/drawing/2014/main" id="{26CFF82C-2B76-41AB-EE30-AFED414A7980}"/>
+              </a:ext>
+            </a:extLst>
+          </p:cNvPr>
+          <p:cNvSpPr>
+            <a:spLocks noGrp="1"/>
+          </p:cNvSpPr>
+          <p:nvPr>
+            <p:ph type="body" idx="1"/>
+          </p:nvPr>
+        </p:nvSpPr>
+        <p:spPr/>
+        <p:txBody>
+          <a:bodyPr/>
+          <a:lstStyle/>
+          <a:p>
+            <a:r>
+              <a:rPr lang="en-US" dirty="0"/>
+              <a:t>Deploy your Bot!</a:t>
+            </a:r>
+          </a:p>
+        </p:txBody>
+      </p:sp>
+    </p:spTree>
+    <p:extLst>
+      <p:ext uri="{BB962C8B-B14F-4D97-AF65-F5344CB8AC3E}">
+        <p14:creationId xmlns:p14="http://schemas.microsoft.com/office/powerpoint/2010/main" val="106608647"/>
+      </p:ext>
+    </p:extLst>
+  </p:cSld>
+  <p:clrMapOvr>
+    <a:masterClrMapping/>
+  </p:clrMapOvr>
+</p:sld>
+</file>
+
+<file path=ppt/slides/slide27.xml><?xml version="1.0" encoding="utf-8"?>
+<p:sld xmlns:a="http://schemas.openxmlformats.org/drawingml/2006/main" xmlns:r="http://schemas.openxmlformats.org/officeDocument/2006/relationships" xmlns:p="http://schemas.openxmlformats.org/presentationml/2006/main">
+  <p:cSld>
+    <p:spTree>
+      <p:nvGrpSpPr>
+        <p:cNvPr id="1" name=""/>
+        <p:cNvGrpSpPr/>
+        <p:nvPr/>
+      </p:nvGrpSpPr>
+      <p:grpSpPr>
+        <a:xfrm>
+          <a:off x="0" y="0"/>
+          <a:ext cx="0" cy="0"/>
+          <a:chOff x="0" y="0"/>
+          <a:chExt cx="0" cy="0"/>
+        </a:xfrm>
+      </p:grpSpPr>
+      <p:sp>
+        <p:nvSpPr>
+          <p:cNvPr id="3" name="Title 2"/>
+          <p:cNvSpPr>
+            <a:spLocks noGrp="1"/>
+          </p:cNvSpPr>
+          <p:nvPr>
+            <p:ph type="title"/>
+          </p:nvPr>
+        </p:nvSpPr>
+        <p:spPr/>
+        <p:txBody>
+          <a:bodyPr>
+            <a:normAutofit/>
+          </a:bodyPr>
+          <a:lstStyle/>
+          <a:p>
+            <a:r>
+              <a:rPr lang="en-US" sz="5400" b="1" dirty="0">
+                <a:solidFill>
+                  <a:srgbClr val="002060"/>
+                </a:solidFill>
+                <a:latin typeface="Segoe UI" panose="020B0502040204020203" pitchFamily="34" charset="0"/>
+                <a:cs typeface="Segoe UI" panose="020B0502040204020203" pitchFamily="34" charset="0"/>
+              </a:rPr>
+              <a:t>Challenge 12</a:t>
+            </a:r>
+            <a:endParaRPr lang="en-US" sz="3200" b="1" dirty="0">
+              <a:solidFill>
+                <a:srgbClr val="7030A0"/>
+              </a:solidFill>
+              <a:latin typeface="Segoe UI" panose="020B0502040204020203" pitchFamily="34" charset="0"/>
+              <a:cs typeface="Segoe UI" panose="020B0502040204020203" pitchFamily="34" charset="0"/>
+            </a:endParaRPr>
+          </a:p>
+        </p:txBody>
+      </p:sp>
+      <p:sp>
+        <p:nvSpPr>
+          <p:cNvPr id="4" name="Content Placeholder 3">
+            <a:extLst>
+              <a:ext uri="{FF2B5EF4-FFF2-40B4-BE49-F238E27FC236}">
+                <a16:creationId xmlns:a16="http://schemas.microsoft.com/office/drawing/2014/main" id="{072FDFA0-CC9F-E8E1-863B-9F616F3536D9}"/>
+              </a:ext>
+            </a:extLst>
+          </p:cNvPr>
+          <p:cNvSpPr>
+            <a:spLocks noGrp="1"/>
+          </p:cNvSpPr>
+          <p:nvPr>
+            <p:ph idx="1"/>
+          </p:nvPr>
+        </p:nvSpPr>
+        <p:spPr/>
+        <p:txBody>
+          <a:bodyPr/>
+          <a:lstStyle/>
+          <a:p>
+            <a:r>
+              <a:rPr lang="en-US" sz="3200" dirty="0">
+                <a:latin typeface="Segoe UI" panose="020B0502040204020203" pitchFamily="34" charset="0"/>
+                <a:cs typeface="Segoe UI" panose="020B0502040204020203" pitchFamily="34" charset="0"/>
+              </a:rPr>
+              <a:t>Update the code of the </a:t>
+            </a:r>
+            <a:r>
+              <a:rPr lang="en-US" sz="3200" dirty="0" err="1">
+                <a:latin typeface="Segoe UI" panose="020B0502040204020203" pitchFamily="34" charset="0"/>
+                <a:cs typeface="Segoe UI" panose="020B0502040204020203" pitchFamily="34" charset="0"/>
+              </a:rPr>
+              <a:t>ExampleBot</a:t>
+            </a:r>
+            <a:r>
+              <a:rPr lang="en-US" sz="3200" dirty="0">
+                <a:latin typeface="Segoe UI" panose="020B0502040204020203" pitchFamily="34" charset="0"/>
+                <a:cs typeface="Segoe UI" panose="020B0502040204020203" pitchFamily="34" charset="0"/>
+              </a:rPr>
+              <a:t> with your custom logic.</a:t>
+            </a:r>
+          </a:p>
+          <a:p>
+            <a:r>
+              <a:rPr lang="en-US" sz="3200" dirty="0">
+                <a:latin typeface="Segoe UI" panose="020B0502040204020203" pitchFamily="34" charset="0"/>
+                <a:cs typeface="Segoe UI" panose="020B0502040204020203" pitchFamily="34" charset="0"/>
+              </a:rPr>
+              <a:t>Once the bot is up and running, tell us the URL on Teams and we include it in the tournament.</a:t>
+            </a:r>
+            <a:endParaRPr lang="en-US" dirty="0"/>
+          </a:p>
+        </p:txBody>
+      </p:sp>
+      <p:sp>
+        <p:nvSpPr>
+          <p:cNvPr id="2" name="Text Placeholder 1"/>
+          <p:cNvSpPr>
+            <a:spLocks noGrp="1"/>
+          </p:cNvSpPr>
+          <p:nvPr>
+            <p:ph type="body" sz="quarter" idx="13"/>
+          </p:nvPr>
+        </p:nvSpPr>
+        <p:spPr/>
+        <p:txBody>
+          <a:bodyPr>
+            <a:normAutofit/>
+          </a:bodyPr>
+          <a:lstStyle/>
+          <a:p>
+            <a:r>
+              <a:rPr lang="en-US" sz="3200" b="1" dirty="0">
+                <a:solidFill>
+                  <a:srgbClr val="7030A0"/>
+                </a:solidFill>
+                <a:latin typeface="Segoe UI" panose="020B0502040204020203" pitchFamily="34" charset="0"/>
+                <a:cs typeface="Segoe UI" panose="020B0502040204020203" pitchFamily="34" charset="0"/>
+              </a:rPr>
+              <a:t>Deploy your Bot!</a:t>
+            </a:r>
+            <a:endParaRPr lang="en-US" sz="3200" dirty="0">
+              <a:latin typeface="Segoe UI" panose="020B0502040204020203" pitchFamily="34" charset="0"/>
+              <a:cs typeface="Segoe UI" panose="020B0502040204020203" pitchFamily="34" charset="0"/>
+            </a:endParaRPr>
+          </a:p>
+        </p:txBody>
+      </p:sp>
+    </p:spTree>
+    <p:extLst>
+      <p:ext uri="{BB962C8B-B14F-4D97-AF65-F5344CB8AC3E}">
+        <p14:creationId xmlns:p14="http://schemas.microsoft.com/office/powerpoint/2010/main" val="3363323732"/>
+      </p:ext>
+    </p:extLst>
+  </p:cSld>
+  <p:clrMapOvr>
+    <a:masterClrMapping/>
+  </p:clrMapOvr>
+</p:sld>
+</file>
+
+<file path=ppt/slides/slide28.xml><?xml version="1.0" encoding="utf-8"?>
+<p:sld xmlns:a="http://schemas.openxmlformats.org/drawingml/2006/main" xmlns:r="http://schemas.openxmlformats.org/officeDocument/2006/relationships" xmlns:p="http://schemas.openxmlformats.org/presentationml/2006/main">
+  <p:cSld>
+    <p:bg>
+      <p:bgPr>
+        <a:solidFill>
+          <a:schemeClr val="tx1">
+            <a:lumMod val="85000"/>
+            <a:lumOff val="15000"/>
+          </a:schemeClr>
+        </a:solidFill>
+        <a:effectLst/>
+      </p:bgPr>
+    </p:bg>
+    <p:spTree>
+      <p:nvGrpSpPr>
+        <p:cNvPr id="1" name=""/>
+        <p:cNvGrpSpPr/>
+        <p:nvPr/>
+      </p:nvGrpSpPr>
+      <p:grpSpPr>
+        <a:xfrm>
+          <a:off x="0" y="0"/>
+          <a:ext cx="0" cy="0"/>
+          <a:chOff x="0" y="0"/>
+          <a:chExt cx="0" cy="0"/>
+        </a:xfrm>
+      </p:grpSpPr>
+      <p:sp>
+        <p:nvSpPr>
+          <p:cNvPr id="4" name="Title 3"/>
+          <p:cNvSpPr>
+            <a:spLocks noGrp="1"/>
+          </p:cNvSpPr>
+          <p:nvPr>
+            <p:ph type="ctrTitle"/>
+          </p:nvPr>
+        </p:nvSpPr>
+        <p:spPr/>
+        <p:txBody>
+          <a:bodyPr>
+            <a:normAutofit/>
+          </a:bodyPr>
+          <a:lstStyle/>
+          <a:p>
+            <a:pPr algn="ctr"/>
+            <a:r>
+              <a:rPr lang="en-US" dirty="0">
+                <a:ln w="3175">
+                  <a:noFill/>
+                </a:ln>
+                <a:solidFill>
+                  <a:srgbClr val="9966FF"/>
+                </a:solidFill>
+                <a:latin typeface="Segoe UI" panose="020B0502040204020203" pitchFamily="34" charset="0"/>
+                <a:ea typeface="+mn-ea"/>
+                <a:cs typeface="Segoe UI" panose="020B0502040204020203" pitchFamily="34" charset="0"/>
+              </a:rPr>
+              <a:t>Thank You for Attending!</a:t>
+            </a:r>
+            <a:endParaRPr lang="en-US" dirty="0">
+              <a:solidFill>
+                <a:srgbClr val="FFC000"/>
+              </a:solidFill>
+            </a:endParaRPr>
+          </a:p>
+        </p:txBody>
+      </p:sp>
+      <p:sp>
+        <p:nvSpPr>
+          <p:cNvPr id="2" name="Subtitle 1">
+            <a:extLst>
+              <a:ext uri="{FF2B5EF4-FFF2-40B4-BE49-F238E27FC236}">
+                <a16:creationId xmlns:a16="http://schemas.microsoft.com/office/drawing/2014/main" id="{0E644413-C720-E12C-4003-B83B0D3EB8D2}"/>
+              </a:ext>
+            </a:extLst>
+          </p:cNvPr>
+          <p:cNvSpPr>
+            <a:spLocks noGrp="1"/>
+          </p:cNvSpPr>
+          <p:nvPr>
+            <p:ph type="subTitle" idx="1"/>
+          </p:nvPr>
+        </p:nvSpPr>
+        <p:spPr/>
+        <p:txBody>
+          <a:bodyPr>
+            <a:normAutofit/>
+          </a:bodyPr>
+          <a:lstStyle/>
+          <a:p>
+            <a:r>
+              <a:rPr lang="en-US" sz="4800" b="1" dirty="0">
+                <a:solidFill>
+                  <a:srgbClr val="FFC000"/>
+                </a:solidFill>
+                <a:hlinkClick r:id="rId3">
+                  <a:extLst>
+                    <a:ext uri="{A12FA001-AC4F-418D-AE19-62706E023703}">
+                      <ahyp:hlinkClr xmlns:ahyp="http://schemas.microsoft.com/office/drawing/2018/hyperlinkcolor" val="tx"/>
+                    </a:ext>
+                  </a:extLst>
+                </a:hlinkClick>
+              </a:rPr>
+              <a:t>https://aka.ms/wth</a:t>
+            </a:r>
+            <a:endParaRPr lang="en-US" sz="4800" b="1" dirty="0"/>
+          </a:p>
+        </p:txBody>
+      </p:sp>
+    </p:spTree>
+    <p:extLst>
+      <p:ext uri="{BB962C8B-B14F-4D97-AF65-F5344CB8AC3E}">
+        <p14:creationId xmlns:p14="http://schemas.microsoft.com/office/powerpoint/2010/main" val="738299616"/>
+      </p:ext>
+    </p:extLst>
+  </p:cSld>
+  <p:clrMapOvr>
+    <a:masterClrMapping/>
+  </p:clrMapOvr>
+</p:sld>
+</file>
+
 <file path=ppt/slides/slide3.xml><?xml version="1.0" encoding="utf-8"?>
 <p:sld xmlns:a="http://schemas.openxmlformats.org/drawingml/2006/main" xmlns:r="http://schemas.openxmlformats.org/officeDocument/2006/relationships" xmlns:p="http://schemas.openxmlformats.org/presentationml/2006/main">
   <p:cSld>
@@ -8734,7 +10581,7 @@
           <a:p>
             <a:r>
               <a:rPr lang="en-US" dirty="0"/>
-              <a:t>Challenge 1 Topic Header</a:t>
+              <a:t>Challenge 1</a:t>
             </a:r>
           </a:p>
         </p:txBody>
@@ -8762,7 +10609,7 @@
           <a:p>
             <a:r>
               <a:rPr lang="en-US" dirty="0"/>
-              <a:t>Sub-Topic Title</a:t>
+              <a:t>Run the app</a:t>
             </a:r>
           </a:p>
         </p:txBody>
@@ -8799,13 +10646,7 @@
       </p:grpSpPr>
       <p:sp>
         <p:nvSpPr>
-          <p:cNvPr id="2" name="Title 1">
-            <a:extLst>
-              <a:ext uri="{FF2B5EF4-FFF2-40B4-BE49-F238E27FC236}">
-                <a16:creationId xmlns:a16="http://schemas.microsoft.com/office/drawing/2014/main" id="{036509A8-D248-48A9-80E4-41218D56B3F3}"/>
-              </a:ext>
-            </a:extLst>
-          </p:cNvPr>
+          <p:cNvPr id="3" name="Title 2"/>
           <p:cNvSpPr>
             <a:spLocks noGrp="1"/>
           </p:cNvSpPr>
@@ -8816,21 +10657,21 @@
         <p:spPr/>
         <p:txBody>
           <a:bodyPr>
-            <a:normAutofit fontScale="90000"/>
+            <a:normAutofit/>
           </a:bodyPr>
           <a:lstStyle/>
           <a:p>
             <a:r>
-              <a:rPr lang="en-US" sz="6000" b="1" dirty="0">
+              <a:rPr lang="en-US" sz="5400" b="1" dirty="0">
                 <a:solidFill>
                   <a:srgbClr val="002060"/>
                 </a:solidFill>
                 <a:latin typeface="Segoe UI" panose="020B0502040204020203" pitchFamily="34" charset="0"/>
                 <a:cs typeface="Segoe UI" panose="020B0502040204020203" pitchFamily="34" charset="0"/>
               </a:rPr>
-              <a:t>Title Segoe UI 54pt</a:t>
-            </a:r>
-            <a:endParaRPr lang="en-US" sz="5400" b="1" dirty="0">
+              <a:t>Challenge 1</a:t>
+            </a:r>
+            <a:endParaRPr lang="en-US" sz="3200" b="1" dirty="0">
               <a:solidFill>
                 <a:srgbClr val="7030A0"/>
               </a:solidFill>
@@ -8842,13 +10683,7 @@
       </p:sp>
       <p:sp>
         <p:nvSpPr>
-          <p:cNvPr id="3" name="Content Placeholder 2">
-            <a:extLst>
-              <a:ext uri="{FF2B5EF4-FFF2-40B4-BE49-F238E27FC236}">
-                <a16:creationId xmlns:a16="http://schemas.microsoft.com/office/drawing/2014/main" id="{17DBF992-46E2-4A48-9C03-B9E15BA5EC83}"/>
-              </a:ext>
-            </a:extLst>
-          </p:cNvPr>
+          <p:cNvPr id="2" name="Text Placeholder 1"/>
           <p:cNvSpPr>
             <a:spLocks noGrp="1"/>
           </p:cNvSpPr>
@@ -8858,622 +10693,41 @@
         </p:nvSpPr>
         <p:spPr/>
         <p:txBody>
-          <a:bodyPr/>
-          <a:lstStyle/>
-          <a:p>
-            <a:r>
-              <a:rPr lang="en-US" dirty="0">
+          <a:bodyPr>
+            <a:normAutofit/>
+          </a:bodyPr>
+          <a:lstStyle/>
+          <a:p>
+            <a:r>
+              <a:rPr lang="en-US" sz="3200" dirty="0"/>
+              <a:t>Leveraging Docker, build &amp; run the app locally</a:t>
+            </a:r>
+          </a:p>
+          <a:p>
+            <a:r>
+              <a:rPr lang="en-US" sz="3200" dirty="0">
                 <a:latin typeface="Segoe UI" panose="020B0502040204020203" pitchFamily="34" charset="0"/>
                 <a:cs typeface="Segoe UI" panose="020B0502040204020203" pitchFamily="34" charset="0"/>
               </a:rPr>
-              <a:t>Segoe UI font for content</a:t>
-            </a:r>
-          </a:p>
-          <a:p>
-            <a:r>
-              <a:rPr lang="en-US" dirty="0">
-                <a:latin typeface="Segoe UI" panose="020B0502040204020203" pitchFamily="34" charset="0"/>
-                <a:cs typeface="Segoe UI" panose="020B0502040204020203" pitchFamily="34" charset="0"/>
-              </a:rPr>
-              <a:t>"Lorem ipsum dolor sit </a:t>
-            </a:r>
-            <a:r>
-              <a:rPr lang="en-US" dirty="0" err="1">
-                <a:latin typeface="Segoe UI" panose="020B0502040204020203" pitchFamily="34" charset="0"/>
-                <a:cs typeface="Segoe UI" panose="020B0502040204020203" pitchFamily="34" charset="0"/>
-              </a:rPr>
-              <a:t>amet</a:t>
-            </a:r>
-            <a:r>
-              <a:rPr lang="en-US" dirty="0">
-                <a:latin typeface="Segoe UI" panose="020B0502040204020203" pitchFamily="34" charset="0"/>
-                <a:cs typeface="Segoe UI" panose="020B0502040204020203" pitchFamily="34" charset="0"/>
-              </a:rPr>
-              <a:t>, </a:t>
-            </a:r>
-            <a:r>
-              <a:rPr lang="en-US" dirty="0" err="1">
-                <a:latin typeface="Segoe UI" panose="020B0502040204020203" pitchFamily="34" charset="0"/>
-                <a:cs typeface="Segoe UI" panose="020B0502040204020203" pitchFamily="34" charset="0"/>
-              </a:rPr>
-              <a:t>consectetur</a:t>
-            </a:r>
-            <a:r>
-              <a:rPr lang="en-US" dirty="0">
-                <a:latin typeface="Segoe UI" panose="020B0502040204020203" pitchFamily="34" charset="0"/>
-                <a:cs typeface="Segoe UI" panose="020B0502040204020203" pitchFamily="34" charset="0"/>
-              </a:rPr>
-              <a:t> </a:t>
-            </a:r>
-            <a:r>
-              <a:rPr lang="en-US" dirty="0" err="1">
-                <a:latin typeface="Segoe UI" panose="020B0502040204020203" pitchFamily="34" charset="0"/>
-                <a:cs typeface="Segoe UI" panose="020B0502040204020203" pitchFamily="34" charset="0"/>
-              </a:rPr>
-              <a:t>adipiscing</a:t>
-            </a:r>
-            <a:r>
-              <a:rPr lang="en-US" dirty="0">
-                <a:latin typeface="Segoe UI" panose="020B0502040204020203" pitchFamily="34" charset="0"/>
-                <a:cs typeface="Segoe UI" panose="020B0502040204020203" pitchFamily="34" charset="0"/>
-              </a:rPr>
-              <a:t> </a:t>
-            </a:r>
-            <a:r>
-              <a:rPr lang="en-US" dirty="0" err="1">
-                <a:latin typeface="Segoe UI" panose="020B0502040204020203" pitchFamily="34" charset="0"/>
-                <a:cs typeface="Segoe UI" panose="020B0502040204020203" pitchFamily="34" charset="0"/>
-              </a:rPr>
-              <a:t>elit</a:t>
-            </a:r>
-            <a:r>
-              <a:rPr lang="en-US" dirty="0">
-                <a:latin typeface="Segoe UI" panose="020B0502040204020203" pitchFamily="34" charset="0"/>
-                <a:cs typeface="Segoe UI" panose="020B0502040204020203" pitchFamily="34" charset="0"/>
-              </a:rPr>
-              <a:t>, sed do </a:t>
-            </a:r>
-            <a:r>
-              <a:rPr lang="en-US" dirty="0" err="1">
-                <a:latin typeface="Segoe UI" panose="020B0502040204020203" pitchFamily="34" charset="0"/>
-                <a:cs typeface="Segoe UI" panose="020B0502040204020203" pitchFamily="34" charset="0"/>
-              </a:rPr>
-              <a:t>eiusmod</a:t>
-            </a:r>
-            <a:r>
-              <a:rPr lang="en-US" dirty="0">
-                <a:latin typeface="Segoe UI" panose="020B0502040204020203" pitchFamily="34" charset="0"/>
-                <a:cs typeface="Segoe UI" panose="020B0502040204020203" pitchFamily="34" charset="0"/>
-              </a:rPr>
-              <a:t> </a:t>
-            </a:r>
-            <a:r>
-              <a:rPr lang="en-US" dirty="0" err="1">
-                <a:latin typeface="Segoe UI" panose="020B0502040204020203" pitchFamily="34" charset="0"/>
-                <a:cs typeface="Segoe UI" panose="020B0502040204020203" pitchFamily="34" charset="0"/>
-              </a:rPr>
-              <a:t>tempor</a:t>
-            </a:r>
-            <a:r>
-              <a:rPr lang="en-US" dirty="0">
-                <a:latin typeface="Segoe UI" panose="020B0502040204020203" pitchFamily="34" charset="0"/>
-                <a:cs typeface="Segoe UI" panose="020B0502040204020203" pitchFamily="34" charset="0"/>
-              </a:rPr>
-              <a:t> </a:t>
-            </a:r>
-            <a:r>
-              <a:rPr lang="en-US" dirty="0" err="1">
-                <a:latin typeface="Segoe UI" panose="020B0502040204020203" pitchFamily="34" charset="0"/>
-                <a:cs typeface="Segoe UI" panose="020B0502040204020203" pitchFamily="34" charset="0"/>
-              </a:rPr>
-              <a:t>incididunt</a:t>
-            </a:r>
-            <a:r>
-              <a:rPr lang="en-US" dirty="0">
-                <a:latin typeface="Segoe UI" panose="020B0502040204020203" pitchFamily="34" charset="0"/>
-                <a:cs typeface="Segoe UI" panose="020B0502040204020203" pitchFamily="34" charset="0"/>
-              </a:rPr>
-              <a:t> </a:t>
-            </a:r>
-            <a:r>
-              <a:rPr lang="en-US" dirty="0" err="1">
-                <a:latin typeface="Segoe UI" panose="020B0502040204020203" pitchFamily="34" charset="0"/>
-                <a:cs typeface="Segoe UI" panose="020B0502040204020203" pitchFamily="34" charset="0"/>
-              </a:rPr>
-              <a:t>ut</a:t>
-            </a:r>
-            <a:r>
-              <a:rPr lang="en-US" dirty="0">
-                <a:latin typeface="Segoe UI" panose="020B0502040204020203" pitchFamily="34" charset="0"/>
-                <a:cs typeface="Segoe UI" panose="020B0502040204020203" pitchFamily="34" charset="0"/>
-              </a:rPr>
-              <a:t> labore et dolore magna </a:t>
-            </a:r>
-            <a:r>
-              <a:rPr lang="en-US" dirty="0" err="1">
-                <a:latin typeface="Segoe UI" panose="020B0502040204020203" pitchFamily="34" charset="0"/>
-                <a:cs typeface="Segoe UI" panose="020B0502040204020203" pitchFamily="34" charset="0"/>
-              </a:rPr>
-              <a:t>aliqua</a:t>
-            </a:r>
-            <a:r>
-              <a:rPr lang="en-US" dirty="0">
-                <a:latin typeface="Segoe UI" panose="020B0502040204020203" pitchFamily="34" charset="0"/>
-                <a:cs typeface="Segoe UI" panose="020B0502040204020203" pitchFamily="34" charset="0"/>
-              </a:rPr>
-              <a:t>. Ut </a:t>
-            </a:r>
-            <a:r>
-              <a:rPr lang="en-US" dirty="0" err="1">
-                <a:latin typeface="Segoe UI" panose="020B0502040204020203" pitchFamily="34" charset="0"/>
-                <a:cs typeface="Segoe UI" panose="020B0502040204020203" pitchFamily="34" charset="0"/>
-              </a:rPr>
-              <a:t>enim</a:t>
-            </a:r>
-            <a:r>
-              <a:rPr lang="en-US" dirty="0">
-                <a:latin typeface="Segoe UI" panose="020B0502040204020203" pitchFamily="34" charset="0"/>
-                <a:cs typeface="Segoe UI" panose="020B0502040204020203" pitchFamily="34" charset="0"/>
-              </a:rPr>
-              <a:t> ad minim </a:t>
-            </a:r>
-            <a:r>
-              <a:rPr lang="en-US" dirty="0" err="1">
-                <a:latin typeface="Segoe UI" panose="020B0502040204020203" pitchFamily="34" charset="0"/>
-                <a:cs typeface="Segoe UI" panose="020B0502040204020203" pitchFamily="34" charset="0"/>
-              </a:rPr>
-              <a:t>veniam</a:t>
-            </a:r>
-            <a:r>
-              <a:rPr lang="en-US" dirty="0">
-                <a:latin typeface="Segoe UI" panose="020B0502040204020203" pitchFamily="34" charset="0"/>
-                <a:cs typeface="Segoe UI" panose="020B0502040204020203" pitchFamily="34" charset="0"/>
-              </a:rPr>
-              <a:t>, </a:t>
-            </a:r>
-            <a:r>
-              <a:rPr lang="en-US" dirty="0" err="1">
-                <a:latin typeface="Segoe UI" panose="020B0502040204020203" pitchFamily="34" charset="0"/>
-                <a:cs typeface="Segoe UI" panose="020B0502040204020203" pitchFamily="34" charset="0"/>
-              </a:rPr>
-              <a:t>quis</a:t>
-            </a:r>
-            <a:r>
-              <a:rPr lang="en-US" dirty="0">
-                <a:latin typeface="Segoe UI" panose="020B0502040204020203" pitchFamily="34" charset="0"/>
-                <a:cs typeface="Segoe UI" panose="020B0502040204020203" pitchFamily="34" charset="0"/>
-              </a:rPr>
-              <a:t> </a:t>
-            </a:r>
-            <a:r>
-              <a:rPr lang="en-US" dirty="0" err="1">
-                <a:latin typeface="Segoe UI" panose="020B0502040204020203" pitchFamily="34" charset="0"/>
-                <a:cs typeface="Segoe UI" panose="020B0502040204020203" pitchFamily="34" charset="0"/>
-              </a:rPr>
-              <a:t>nostrud</a:t>
-            </a:r>
-            <a:r>
-              <a:rPr lang="en-US" dirty="0">
-                <a:latin typeface="Segoe UI" panose="020B0502040204020203" pitchFamily="34" charset="0"/>
-                <a:cs typeface="Segoe UI" panose="020B0502040204020203" pitchFamily="34" charset="0"/>
-              </a:rPr>
-              <a:t> exercitation </a:t>
-            </a:r>
-            <a:r>
-              <a:rPr lang="en-US" dirty="0" err="1">
-                <a:latin typeface="Segoe UI" panose="020B0502040204020203" pitchFamily="34" charset="0"/>
-                <a:cs typeface="Segoe UI" panose="020B0502040204020203" pitchFamily="34" charset="0"/>
-              </a:rPr>
-              <a:t>ullamco</a:t>
-            </a:r>
-            <a:r>
-              <a:rPr lang="en-US" dirty="0">
-                <a:latin typeface="Segoe UI" panose="020B0502040204020203" pitchFamily="34" charset="0"/>
-                <a:cs typeface="Segoe UI" panose="020B0502040204020203" pitchFamily="34" charset="0"/>
-              </a:rPr>
-              <a:t> </a:t>
-            </a:r>
-            <a:r>
-              <a:rPr lang="en-US" dirty="0" err="1">
-                <a:latin typeface="Segoe UI" panose="020B0502040204020203" pitchFamily="34" charset="0"/>
-                <a:cs typeface="Segoe UI" panose="020B0502040204020203" pitchFamily="34" charset="0"/>
-              </a:rPr>
-              <a:t>laboris</a:t>
-            </a:r>
-            <a:r>
-              <a:rPr lang="en-US" dirty="0">
-                <a:latin typeface="Segoe UI" panose="020B0502040204020203" pitchFamily="34" charset="0"/>
-                <a:cs typeface="Segoe UI" panose="020B0502040204020203" pitchFamily="34" charset="0"/>
-              </a:rPr>
-              <a:t> nisi </a:t>
-            </a:r>
-            <a:r>
-              <a:rPr lang="en-US" dirty="0" err="1">
-                <a:latin typeface="Segoe UI" panose="020B0502040204020203" pitchFamily="34" charset="0"/>
-                <a:cs typeface="Segoe UI" panose="020B0502040204020203" pitchFamily="34" charset="0"/>
-              </a:rPr>
-              <a:t>ut</a:t>
-            </a:r>
-            <a:r>
-              <a:rPr lang="en-US" dirty="0">
-                <a:latin typeface="Segoe UI" panose="020B0502040204020203" pitchFamily="34" charset="0"/>
-                <a:cs typeface="Segoe UI" panose="020B0502040204020203" pitchFamily="34" charset="0"/>
-              </a:rPr>
-              <a:t> </a:t>
-            </a:r>
-            <a:r>
-              <a:rPr lang="en-US" dirty="0" err="1">
-                <a:latin typeface="Segoe UI" panose="020B0502040204020203" pitchFamily="34" charset="0"/>
-                <a:cs typeface="Segoe UI" panose="020B0502040204020203" pitchFamily="34" charset="0"/>
-              </a:rPr>
-              <a:t>aliquip</a:t>
-            </a:r>
-            <a:r>
-              <a:rPr lang="en-US" dirty="0">
-                <a:latin typeface="Segoe UI" panose="020B0502040204020203" pitchFamily="34" charset="0"/>
-                <a:cs typeface="Segoe UI" panose="020B0502040204020203" pitchFamily="34" charset="0"/>
-              </a:rPr>
-              <a:t> ex </a:t>
-            </a:r>
-            <a:r>
-              <a:rPr lang="en-US" dirty="0" err="1">
-                <a:latin typeface="Segoe UI" panose="020B0502040204020203" pitchFamily="34" charset="0"/>
-                <a:cs typeface="Segoe UI" panose="020B0502040204020203" pitchFamily="34" charset="0"/>
-              </a:rPr>
-              <a:t>ea</a:t>
-            </a:r>
-            <a:r>
-              <a:rPr lang="en-US" dirty="0">
-                <a:latin typeface="Segoe UI" panose="020B0502040204020203" pitchFamily="34" charset="0"/>
-                <a:cs typeface="Segoe UI" panose="020B0502040204020203" pitchFamily="34" charset="0"/>
-              </a:rPr>
-              <a:t> </a:t>
-            </a:r>
-            <a:r>
-              <a:rPr lang="en-US" dirty="0" err="1">
-                <a:latin typeface="Segoe UI" panose="020B0502040204020203" pitchFamily="34" charset="0"/>
-                <a:cs typeface="Segoe UI" panose="020B0502040204020203" pitchFamily="34" charset="0"/>
-              </a:rPr>
-              <a:t>commodo</a:t>
-            </a:r>
-            <a:r>
-              <a:rPr lang="en-US" dirty="0">
-                <a:latin typeface="Segoe UI" panose="020B0502040204020203" pitchFamily="34" charset="0"/>
-                <a:cs typeface="Segoe UI" panose="020B0502040204020203" pitchFamily="34" charset="0"/>
-              </a:rPr>
-              <a:t> </a:t>
-            </a:r>
-            <a:r>
-              <a:rPr lang="en-US" dirty="0" err="1">
-                <a:latin typeface="Segoe UI" panose="020B0502040204020203" pitchFamily="34" charset="0"/>
-                <a:cs typeface="Segoe UI" panose="020B0502040204020203" pitchFamily="34" charset="0"/>
-              </a:rPr>
-              <a:t>consequat</a:t>
-            </a:r>
-            <a:r>
-              <a:rPr lang="en-US" dirty="0">
-                <a:latin typeface="Segoe UI" panose="020B0502040204020203" pitchFamily="34" charset="0"/>
-                <a:cs typeface="Segoe UI" panose="020B0502040204020203" pitchFamily="34" charset="0"/>
-              </a:rPr>
-              <a:t>. Duis </a:t>
-            </a:r>
-            <a:r>
-              <a:rPr lang="en-US" dirty="0" err="1">
-                <a:latin typeface="Segoe UI" panose="020B0502040204020203" pitchFamily="34" charset="0"/>
-                <a:cs typeface="Segoe UI" panose="020B0502040204020203" pitchFamily="34" charset="0"/>
-              </a:rPr>
-              <a:t>aute</a:t>
-            </a:r>
-            <a:r>
-              <a:rPr lang="en-US" dirty="0">
-                <a:latin typeface="Segoe UI" panose="020B0502040204020203" pitchFamily="34" charset="0"/>
-                <a:cs typeface="Segoe UI" panose="020B0502040204020203" pitchFamily="34" charset="0"/>
-              </a:rPr>
-              <a:t> </a:t>
-            </a:r>
-            <a:r>
-              <a:rPr lang="en-US" dirty="0" err="1">
-                <a:latin typeface="Segoe UI" panose="020B0502040204020203" pitchFamily="34" charset="0"/>
-                <a:cs typeface="Segoe UI" panose="020B0502040204020203" pitchFamily="34" charset="0"/>
-              </a:rPr>
-              <a:t>irure</a:t>
-            </a:r>
-            <a:r>
-              <a:rPr lang="en-US" dirty="0">
-                <a:latin typeface="Segoe UI" panose="020B0502040204020203" pitchFamily="34" charset="0"/>
-                <a:cs typeface="Segoe UI" panose="020B0502040204020203" pitchFamily="34" charset="0"/>
-              </a:rPr>
-              <a:t> dolor in </a:t>
-            </a:r>
-            <a:r>
-              <a:rPr lang="en-US" dirty="0" err="1">
-                <a:latin typeface="Segoe UI" panose="020B0502040204020203" pitchFamily="34" charset="0"/>
-                <a:cs typeface="Segoe UI" panose="020B0502040204020203" pitchFamily="34" charset="0"/>
-              </a:rPr>
-              <a:t>reprehenderit</a:t>
-            </a:r>
-            <a:r>
-              <a:rPr lang="en-US" dirty="0">
-                <a:latin typeface="Segoe UI" panose="020B0502040204020203" pitchFamily="34" charset="0"/>
-                <a:cs typeface="Segoe UI" panose="020B0502040204020203" pitchFamily="34" charset="0"/>
-              </a:rPr>
-              <a:t> in </a:t>
-            </a:r>
-            <a:r>
-              <a:rPr lang="en-US" dirty="0" err="1">
-                <a:latin typeface="Segoe UI" panose="020B0502040204020203" pitchFamily="34" charset="0"/>
-                <a:cs typeface="Segoe UI" panose="020B0502040204020203" pitchFamily="34" charset="0"/>
-              </a:rPr>
-              <a:t>voluptate</a:t>
-            </a:r>
-            <a:r>
-              <a:rPr lang="en-US" dirty="0">
-                <a:latin typeface="Segoe UI" panose="020B0502040204020203" pitchFamily="34" charset="0"/>
-                <a:cs typeface="Segoe UI" panose="020B0502040204020203" pitchFamily="34" charset="0"/>
-              </a:rPr>
-              <a:t> </a:t>
-            </a:r>
-            <a:r>
-              <a:rPr lang="en-US" dirty="0" err="1">
-                <a:latin typeface="Segoe UI" panose="020B0502040204020203" pitchFamily="34" charset="0"/>
-                <a:cs typeface="Segoe UI" panose="020B0502040204020203" pitchFamily="34" charset="0"/>
-              </a:rPr>
-              <a:t>velit</a:t>
-            </a:r>
-            <a:r>
-              <a:rPr lang="en-US" dirty="0">
-                <a:latin typeface="Segoe UI" panose="020B0502040204020203" pitchFamily="34" charset="0"/>
-                <a:cs typeface="Segoe UI" panose="020B0502040204020203" pitchFamily="34" charset="0"/>
-              </a:rPr>
-              <a:t> </a:t>
-            </a:r>
-            <a:r>
-              <a:rPr lang="en-US" dirty="0" err="1">
-                <a:latin typeface="Segoe UI" panose="020B0502040204020203" pitchFamily="34" charset="0"/>
-                <a:cs typeface="Segoe UI" panose="020B0502040204020203" pitchFamily="34" charset="0"/>
-              </a:rPr>
-              <a:t>esse</a:t>
-            </a:r>
-            <a:r>
-              <a:rPr lang="en-US" dirty="0">
-                <a:latin typeface="Segoe UI" panose="020B0502040204020203" pitchFamily="34" charset="0"/>
-                <a:cs typeface="Segoe UI" panose="020B0502040204020203" pitchFamily="34" charset="0"/>
-              </a:rPr>
-              <a:t> </a:t>
-            </a:r>
-            <a:r>
-              <a:rPr lang="en-US" dirty="0" err="1">
-                <a:latin typeface="Segoe UI" panose="020B0502040204020203" pitchFamily="34" charset="0"/>
-                <a:cs typeface="Segoe UI" panose="020B0502040204020203" pitchFamily="34" charset="0"/>
-              </a:rPr>
-              <a:t>cillum</a:t>
-            </a:r>
-            <a:r>
-              <a:rPr lang="en-US" dirty="0">
-                <a:latin typeface="Segoe UI" panose="020B0502040204020203" pitchFamily="34" charset="0"/>
-                <a:cs typeface="Segoe UI" panose="020B0502040204020203" pitchFamily="34" charset="0"/>
-              </a:rPr>
-              <a:t> dolore </a:t>
-            </a:r>
-            <a:r>
-              <a:rPr lang="en-US" dirty="0" err="1">
-                <a:latin typeface="Segoe UI" panose="020B0502040204020203" pitchFamily="34" charset="0"/>
-                <a:cs typeface="Segoe UI" panose="020B0502040204020203" pitchFamily="34" charset="0"/>
-              </a:rPr>
-              <a:t>eu</a:t>
-            </a:r>
-            <a:r>
-              <a:rPr lang="en-US" dirty="0">
-                <a:latin typeface="Segoe UI" panose="020B0502040204020203" pitchFamily="34" charset="0"/>
-                <a:cs typeface="Segoe UI" panose="020B0502040204020203" pitchFamily="34" charset="0"/>
-              </a:rPr>
-              <a:t> </a:t>
-            </a:r>
-            <a:r>
-              <a:rPr lang="en-US" dirty="0" err="1">
-                <a:latin typeface="Segoe UI" panose="020B0502040204020203" pitchFamily="34" charset="0"/>
-                <a:cs typeface="Segoe UI" panose="020B0502040204020203" pitchFamily="34" charset="0"/>
-              </a:rPr>
-              <a:t>fugiat</a:t>
-            </a:r>
-            <a:r>
-              <a:rPr lang="en-US" dirty="0">
-                <a:latin typeface="Segoe UI" panose="020B0502040204020203" pitchFamily="34" charset="0"/>
-                <a:cs typeface="Segoe UI" panose="020B0502040204020203" pitchFamily="34" charset="0"/>
-              </a:rPr>
-              <a:t> </a:t>
-            </a:r>
-            <a:r>
-              <a:rPr lang="en-US" dirty="0" err="1">
-                <a:latin typeface="Segoe UI" panose="020B0502040204020203" pitchFamily="34" charset="0"/>
-                <a:cs typeface="Segoe UI" panose="020B0502040204020203" pitchFamily="34" charset="0"/>
-              </a:rPr>
-              <a:t>nulla</a:t>
-            </a:r>
-            <a:r>
-              <a:rPr lang="en-US" dirty="0">
-                <a:latin typeface="Segoe UI" panose="020B0502040204020203" pitchFamily="34" charset="0"/>
-                <a:cs typeface="Segoe UI" panose="020B0502040204020203" pitchFamily="34" charset="0"/>
-              </a:rPr>
-              <a:t> </a:t>
-            </a:r>
-            <a:r>
-              <a:rPr lang="en-US" dirty="0" err="1">
-                <a:latin typeface="Segoe UI" panose="020B0502040204020203" pitchFamily="34" charset="0"/>
-                <a:cs typeface="Segoe UI" panose="020B0502040204020203" pitchFamily="34" charset="0"/>
-              </a:rPr>
-              <a:t>pariatur</a:t>
-            </a:r>
-            <a:r>
-              <a:rPr lang="en-US" dirty="0">
-                <a:latin typeface="Segoe UI" panose="020B0502040204020203" pitchFamily="34" charset="0"/>
-                <a:cs typeface="Segoe UI" panose="020B0502040204020203" pitchFamily="34" charset="0"/>
-              </a:rPr>
-              <a:t>. </a:t>
-            </a:r>
-            <a:r>
-              <a:rPr lang="en-US" dirty="0" err="1">
-                <a:latin typeface="Segoe UI" panose="020B0502040204020203" pitchFamily="34" charset="0"/>
-                <a:cs typeface="Segoe UI" panose="020B0502040204020203" pitchFamily="34" charset="0"/>
-              </a:rPr>
-              <a:t>Excepteur</a:t>
-            </a:r>
-            <a:r>
-              <a:rPr lang="en-US" dirty="0">
-                <a:latin typeface="Segoe UI" panose="020B0502040204020203" pitchFamily="34" charset="0"/>
-                <a:cs typeface="Segoe UI" panose="020B0502040204020203" pitchFamily="34" charset="0"/>
-              </a:rPr>
-              <a:t> </a:t>
-            </a:r>
-            <a:r>
-              <a:rPr lang="en-US" dirty="0" err="1">
-                <a:latin typeface="Segoe UI" panose="020B0502040204020203" pitchFamily="34" charset="0"/>
-                <a:cs typeface="Segoe UI" panose="020B0502040204020203" pitchFamily="34" charset="0"/>
-              </a:rPr>
-              <a:t>sint</a:t>
-            </a:r>
-            <a:r>
-              <a:rPr lang="en-US" dirty="0">
-                <a:latin typeface="Segoe UI" panose="020B0502040204020203" pitchFamily="34" charset="0"/>
-                <a:cs typeface="Segoe UI" panose="020B0502040204020203" pitchFamily="34" charset="0"/>
-              </a:rPr>
-              <a:t> </a:t>
-            </a:r>
-            <a:r>
-              <a:rPr lang="en-US" dirty="0" err="1">
-                <a:latin typeface="Segoe UI" panose="020B0502040204020203" pitchFamily="34" charset="0"/>
-                <a:cs typeface="Segoe UI" panose="020B0502040204020203" pitchFamily="34" charset="0"/>
-              </a:rPr>
-              <a:t>occaecat</a:t>
-            </a:r>
-            <a:r>
-              <a:rPr lang="en-US" dirty="0">
-                <a:latin typeface="Segoe UI" panose="020B0502040204020203" pitchFamily="34" charset="0"/>
-                <a:cs typeface="Segoe UI" panose="020B0502040204020203" pitchFamily="34" charset="0"/>
-              </a:rPr>
-              <a:t> </a:t>
-            </a:r>
-            <a:r>
-              <a:rPr lang="en-US" dirty="0" err="1">
-                <a:latin typeface="Segoe UI" panose="020B0502040204020203" pitchFamily="34" charset="0"/>
-                <a:cs typeface="Segoe UI" panose="020B0502040204020203" pitchFamily="34" charset="0"/>
-              </a:rPr>
-              <a:t>cupidatat</a:t>
-            </a:r>
-            <a:r>
-              <a:rPr lang="en-US" dirty="0">
-                <a:latin typeface="Segoe UI" panose="020B0502040204020203" pitchFamily="34" charset="0"/>
-                <a:cs typeface="Segoe UI" panose="020B0502040204020203" pitchFamily="34" charset="0"/>
-              </a:rPr>
-              <a:t> non </a:t>
-            </a:r>
-            <a:r>
-              <a:rPr lang="en-US" dirty="0" err="1">
-                <a:latin typeface="Segoe UI" panose="020B0502040204020203" pitchFamily="34" charset="0"/>
-                <a:cs typeface="Segoe UI" panose="020B0502040204020203" pitchFamily="34" charset="0"/>
-              </a:rPr>
-              <a:t>proident</a:t>
-            </a:r>
-            <a:r>
-              <a:rPr lang="en-US" dirty="0">
-                <a:latin typeface="Segoe UI" panose="020B0502040204020203" pitchFamily="34" charset="0"/>
-                <a:cs typeface="Segoe UI" panose="020B0502040204020203" pitchFamily="34" charset="0"/>
-              </a:rPr>
-              <a:t>, sunt in culpa qui </a:t>
-            </a:r>
-            <a:r>
-              <a:rPr lang="en-US" dirty="0" err="1">
-                <a:latin typeface="Segoe UI" panose="020B0502040204020203" pitchFamily="34" charset="0"/>
-                <a:cs typeface="Segoe UI" panose="020B0502040204020203" pitchFamily="34" charset="0"/>
-              </a:rPr>
-              <a:t>officia</a:t>
-            </a:r>
-            <a:r>
-              <a:rPr lang="en-US" dirty="0">
-                <a:latin typeface="Segoe UI" panose="020B0502040204020203" pitchFamily="34" charset="0"/>
-                <a:cs typeface="Segoe UI" panose="020B0502040204020203" pitchFamily="34" charset="0"/>
-              </a:rPr>
-              <a:t> </a:t>
-            </a:r>
-            <a:r>
-              <a:rPr lang="en-US" dirty="0" err="1">
-                <a:latin typeface="Segoe UI" panose="020B0502040204020203" pitchFamily="34" charset="0"/>
-                <a:cs typeface="Segoe UI" panose="020B0502040204020203" pitchFamily="34" charset="0"/>
-              </a:rPr>
-              <a:t>deserunt</a:t>
-            </a:r>
-            <a:r>
-              <a:rPr lang="en-US" dirty="0">
-                <a:latin typeface="Segoe UI" panose="020B0502040204020203" pitchFamily="34" charset="0"/>
-                <a:cs typeface="Segoe UI" panose="020B0502040204020203" pitchFamily="34" charset="0"/>
-              </a:rPr>
-              <a:t> </a:t>
-            </a:r>
-            <a:r>
-              <a:rPr lang="en-US" dirty="0" err="1">
-                <a:latin typeface="Segoe UI" panose="020B0502040204020203" pitchFamily="34" charset="0"/>
-                <a:cs typeface="Segoe UI" panose="020B0502040204020203" pitchFamily="34" charset="0"/>
-              </a:rPr>
-              <a:t>mollit</a:t>
-            </a:r>
-            <a:r>
-              <a:rPr lang="en-US" dirty="0">
-                <a:latin typeface="Segoe UI" panose="020B0502040204020203" pitchFamily="34" charset="0"/>
-                <a:cs typeface="Segoe UI" panose="020B0502040204020203" pitchFamily="34" charset="0"/>
-              </a:rPr>
-              <a:t> </a:t>
-            </a:r>
-            <a:r>
-              <a:rPr lang="en-US" dirty="0" err="1">
-                <a:latin typeface="Segoe UI" panose="020B0502040204020203" pitchFamily="34" charset="0"/>
-                <a:cs typeface="Segoe UI" panose="020B0502040204020203" pitchFamily="34" charset="0"/>
-              </a:rPr>
-              <a:t>anim</a:t>
-            </a:r>
-            <a:r>
-              <a:rPr lang="en-US" dirty="0">
-                <a:latin typeface="Segoe UI" panose="020B0502040204020203" pitchFamily="34" charset="0"/>
-                <a:cs typeface="Segoe UI" panose="020B0502040204020203" pitchFamily="34" charset="0"/>
-              </a:rPr>
-              <a:t> id </a:t>
-            </a:r>
-            <a:r>
-              <a:rPr lang="en-US" dirty="0" err="1">
-                <a:latin typeface="Segoe UI" panose="020B0502040204020203" pitchFamily="34" charset="0"/>
-                <a:cs typeface="Segoe UI" panose="020B0502040204020203" pitchFamily="34" charset="0"/>
-              </a:rPr>
-              <a:t>est</a:t>
-            </a:r>
-            <a:r>
-              <a:rPr lang="en-US" dirty="0">
-                <a:latin typeface="Segoe UI" panose="020B0502040204020203" pitchFamily="34" charset="0"/>
-                <a:cs typeface="Segoe UI" panose="020B0502040204020203" pitchFamily="34" charset="0"/>
-              </a:rPr>
-              <a:t> </a:t>
-            </a:r>
-            <a:r>
-              <a:rPr lang="en-US" dirty="0" err="1">
-                <a:latin typeface="Segoe UI" panose="020B0502040204020203" pitchFamily="34" charset="0"/>
-                <a:cs typeface="Segoe UI" panose="020B0502040204020203" pitchFamily="34" charset="0"/>
-              </a:rPr>
-              <a:t>laborum</a:t>
-            </a:r>
-            <a:r>
-              <a:rPr lang="en-US" dirty="0">
-                <a:latin typeface="Segoe UI" panose="020B0502040204020203" pitchFamily="34" charset="0"/>
-                <a:cs typeface="Segoe UI" panose="020B0502040204020203" pitchFamily="34" charset="0"/>
-              </a:rPr>
-              <a:t>."</a:t>
-            </a:r>
-          </a:p>
-        </p:txBody>
-      </p:sp>
-      <p:sp>
-        <p:nvSpPr>
-          <p:cNvPr id="4" name="Text Placeholder 3">
-            <a:extLst>
-              <a:ext uri="{FF2B5EF4-FFF2-40B4-BE49-F238E27FC236}">
-                <a16:creationId xmlns:a16="http://schemas.microsoft.com/office/drawing/2014/main" id="{91051B93-082E-F159-F4B6-DDC0E3942FE4}"/>
+              <a:t>Test the app as an end-use</a:t>
+            </a:r>
+            <a:r>
+              <a:rPr lang="en-US" sz="3200" dirty="0"/>
+              <a:t>r &amp; play a game</a:t>
+            </a:r>
+            <a:endParaRPr lang="en-US" sz="3200" dirty="0">
+              <a:latin typeface="Segoe UI" panose="020B0502040204020203" pitchFamily="34" charset="0"/>
+              <a:cs typeface="Segoe UI" panose="020B0502040204020203" pitchFamily="34" charset="0"/>
+            </a:endParaRPr>
+          </a:p>
+        </p:txBody>
+      </p:sp>
+      <p:sp>
+        <p:nvSpPr>
+          <p:cNvPr id="8" name="Text Placeholder 7">
+            <a:extLst>
+              <a:ext uri="{FF2B5EF4-FFF2-40B4-BE49-F238E27FC236}">
+                <a16:creationId xmlns:a16="http://schemas.microsoft.com/office/drawing/2014/main" id="{E3048B16-5BF1-7CB9-7FB4-FEF3812F70B0}"/>
               </a:ext>
             </a:extLst>
           </p:cNvPr>
@@ -9490,15 +10744,104 @@
           <a:lstStyle/>
           <a:p>
             <a:r>
-              <a:rPr lang="en-US" sz="3200" b="1" dirty="0">
-                <a:solidFill>
-                  <a:srgbClr val="7030A0"/>
-                </a:solidFill>
-                <a:latin typeface="Segoe UI" panose="020B0502040204020203" pitchFamily="34" charset="0"/>
-                <a:cs typeface="Segoe UI" panose="020B0502040204020203" pitchFamily="34" charset="0"/>
-              </a:rPr>
-              <a:t>Slide Subtitle Segoe UI 32pt</a:t>
-            </a:r>
+              <a:rPr lang="en-US" dirty="0"/>
+              <a:t>Run the app</a:t>
+            </a:r>
+          </a:p>
+        </p:txBody>
+      </p:sp>
+      <p:sp>
+        <p:nvSpPr>
+          <p:cNvPr id="4" name="TextBox 3">
+            <a:extLst>
+              <a:ext uri="{FF2B5EF4-FFF2-40B4-BE49-F238E27FC236}">
+                <a16:creationId xmlns:a16="http://schemas.microsoft.com/office/drawing/2014/main" id="{63CFF63D-04FB-705F-FDE7-615DA747FAC4}"/>
+              </a:ext>
+            </a:extLst>
+          </p:cNvPr>
+          <p:cNvSpPr txBox="1"/>
+          <p:nvPr/>
+        </p:nvSpPr>
+        <p:spPr>
+          <a:xfrm>
+            <a:off x="5034987" y="1307939"/>
+            <a:ext cx="184731" cy="369332"/>
+          </a:xfrm>
+          <a:prstGeom prst="rect">
+            <a:avLst/>
+          </a:prstGeom>
+          <a:noFill/>
+        </p:spPr>
+        <p:txBody>
+          <a:bodyPr wrap="none" rtlCol="0">
+            <a:spAutoFit/>
+          </a:bodyPr>
+          <a:lstStyle/>
+          <a:p>
+            <a:endParaRPr lang="en-US" dirty="0"/>
+          </a:p>
+        </p:txBody>
+      </p:sp>
+      <p:sp>
+        <p:nvSpPr>
+          <p:cNvPr id="6" name="TextBox 5">
+            <a:extLst>
+              <a:ext uri="{FF2B5EF4-FFF2-40B4-BE49-F238E27FC236}">
+                <a16:creationId xmlns:a16="http://schemas.microsoft.com/office/drawing/2014/main" id="{AB9110E3-5DA2-43FD-3338-F621924160AB}"/>
+              </a:ext>
+            </a:extLst>
+          </p:cNvPr>
+          <p:cNvSpPr txBox="1"/>
+          <p:nvPr/>
+        </p:nvSpPr>
+        <p:spPr>
+          <a:xfrm>
+            <a:off x="5775767" y="1088020"/>
+            <a:ext cx="184731" cy="369332"/>
+          </a:xfrm>
+          <a:prstGeom prst="rect">
+            <a:avLst/>
+          </a:prstGeom>
+          <a:noFill/>
+        </p:spPr>
+        <p:txBody>
+          <a:bodyPr wrap="none" rtlCol="0">
+            <a:spAutoFit/>
+          </a:bodyPr>
+          <a:lstStyle/>
+          <a:p>
+            <a:endParaRPr lang="en-US" dirty="0"/>
+          </a:p>
+        </p:txBody>
+      </p:sp>
+      <p:sp>
+        <p:nvSpPr>
+          <p:cNvPr id="7" name="TextBox 6">
+            <a:extLst>
+              <a:ext uri="{FF2B5EF4-FFF2-40B4-BE49-F238E27FC236}">
+                <a16:creationId xmlns:a16="http://schemas.microsoft.com/office/drawing/2014/main" id="{42E1B2F0-C4E0-E0F5-983F-767CA58230D0}"/>
+              </a:ext>
+            </a:extLst>
+          </p:cNvPr>
+          <p:cNvSpPr txBox="1"/>
+          <p:nvPr/>
+        </p:nvSpPr>
+        <p:spPr>
+          <a:xfrm>
+            <a:off x="6111433" y="1157468"/>
+            <a:ext cx="184731" cy="369332"/>
+          </a:xfrm>
+          <a:prstGeom prst="rect">
+            <a:avLst/>
+          </a:prstGeom>
+          <a:noFill/>
+        </p:spPr>
+        <p:txBody>
+          <a:bodyPr wrap="none" rtlCol="0">
+            <a:spAutoFit/>
+          </a:bodyPr>
+          <a:lstStyle/>
+          <a:p>
             <a:endParaRPr lang="en-US" dirty="0"/>
           </a:p>
         </p:txBody>
@@ -9506,7 +10849,7 @@
     </p:spTree>
     <p:extLst>
       <p:ext uri="{BB962C8B-B14F-4D97-AF65-F5344CB8AC3E}">
-        <p14:creationId xmlns:p14="http://schemas.microsoft.com/office/powerpoint/2010/main" val="2240261495"/>
+        <p14:creationId xmlns:p14="http://schemas.microsoft.com/office/powerpoint/2010/main" val="2471118552"/>
       </p:ext>
     </p:extLst>
   </p:cSld>
@@ -9535,7 +10878,13 @@
       </p:grpSpPr>
       <p:sp>
         <p:nvSpPr>
-          <p:cNvPr id="3" name="Title 2"/>
+          <p:cNvPr id="2" name="Title 1">
+            <a:extLst>
+              <a:ext uri="{FF2B5EF4-FFF2-40B4-BE49-F238E27FC236}">
+                <a16:creationId xmlns:a16="http://schemas.microsoft.com/office/drawing/2014/main" id="{08C237E2-611E-B3D5-B7A0-DB2A1638DB33}"/>
+              </a:ext>
+            </a:extLst>
+          </p:cNvPr>
           <p:cNvSpPr>
             <a:spLocks noGrp="1"/>
           </p:cNvSpPr>
@@ -9545,264 +10894,48 @@
         </p:nvSpPr>
         <p:spPr/>
         <p:txBody>
-          <a:bodyPr>
-            <a:normAutofit/>
-          </a:bodyPr>
-          <a:lstStyle/>
-          <a:p>
-            <a:r>
-              <a:rPr lang="en-US" sz="5400" b="1" dirty="0">
-                <a:solidFill>
-                  <a:srgbClr val="002060"/>
-                </a:solidFill>
-                <a:latin typeface="Segoe UI" panose="020B0502040204020203" pitchFamily="34" charset="0"/>
-                <a:cs typeface="Segoe UI" panose="020B0502040204020203" pitchFamily="34" charset="0"/>
-              </a:rPr>
-              <a:t>Challenge #1</a:t>
-            </a:r>
-            <a:endParaRPr lang="en-US" sz="3200" b="1" dirty="0">
-              <a:solidFill>
-                <a:srgbClr val="7030A0"/>
-              </a:solidFill>
-              <a:latin typeface="Segoe UI" panose="020B0502040204020203" pitchFamily="34" charset="0"/>
-              <a:cs typeface="Segoe UI" panose="020B0502040204020203" pitchFamily="34" charset="0"/>
-            </a:endParaRPr>
-          </a:p>
-        </p:txBody>
-      </p:sp>
-      <p:sp>
-        <p:nvSpPr>
-          <p:cNvPr id="2" name="Text Placeholder 1"/>
-          <p:cNvSpPr>
-            <a:spLocks noGrp="1"/>
-          </p:cNvSpPr>
-          <p:nvPr>
-            <p:ph idx="1"/>
-          </p:nvPr>
-        </p:nvSpPr>
-        <p:spPr/>
-        <p:txBody>
-          <a:bodyPr>
-            <a:normAutofit/>
-          </a:bodyPr>
-          <a:lstStyle/>
-          <a:p>
-            <a:r>
-              <a:rPr lang="en-US" sz="3200" dirty="0">
-                <a:latin typeface="Segoe UI" panose="020B0502040204020203" pitchFamily="34" charset="0"/>
-                <a:cs typeface="Segoe UI" panose="020B0502040204020203" pitchFamily="34" charset="0"/>
-              </a:rPr>
-              <a:t>Key challenge goal #1</a:t>
-            </a:r>
-          </a:p>
-          <a:p>
-            <a:pPr lvl="1"/>
-            <a:r>
-              <a:rPr lang="en-US" sz="2800" dirty="0">
-                <a:latin typeface="Segoe UI" panose="020B0502040204020203" pitchFamily="34" charset="0"/>
-                <a:cs typeface="Segoe UI" panose="020B0502040204020203" pitchFamily="34" charset="0"/>
-              </a:rPr>
-              <a:t>Challenge goal details/specifications</a:t>
-            </a:r>
-          </a:p>
-          <a:p>
-            <a:pPr lvl="1"/>
-            <a:r>
-              <a:rPr lang="en-US" sz="2800" dirty="0">
-                <a:latin typeface="Segoe UI" panose="020B0502040204020203" pitchFamily="34" charset="0"/>
-                <a:cs typeface="Segoe UI" panose="020B0502040204020203" pitchFamily="34" charset="0"/>
-              </a:rPr>
-              <a:t>Takes inputs: </a:t>
-            </a:r>
-          </a:p>
-          <a:p>
-            <a:pPr lvl="2"/>
-            <a:r>
-              <a:rPr lang="en-US" sz="2400" dirty="0">
-                <a:latin typeface="Segoe UI" panose="020B0502040204020203" pitchFamily="34" charset="0"/>
-                <a:cs typeface="Segoe UI" panose="020B0502040204020203" pitchFamily="34" charset="0"/>
-              </a:rPr>
-              <a:t>Location</a:t>
-            </a:r>
-          </a:p>
-          <a:p>
-            <a:pPr lvl="2"/>
-            <a:r>
-              <a:rPr lang="en-US" sz="2400" dirty="0">
-                <a:latin typeface="Segoe UI" panose="020B0502040204020203" pitchFamily="34" charset="0"/>
-                <a:cs typeface="Segoe UI" panose="020B0502040204020203" pitchFamily="34" charset="0"/>
-              </a:rPr>
-              <a:t>A unique storage account name</a:t>
-            </a:r>
-          </a:p>
-          <a:p>
-            <a:pPr lvl="1"/>
-            <a:r>
-              <a:rPr lang="en-US" sz="2800" dirty="0">
-                <a:latin typeface="Segoe UI" panose="020B0502040204020203" pitchFamily="34" charset="0"/>
-                <a:cs typeface="Segoe UI" panose="020B0502040204020203" pitchFamily="34" charset="0"/>
-              </a:rPr>
-              <a:t>Returns output:</a:t>
-            </a:r>
-          </a:p>
-          <a:p>
-            <a:pPr lvl="2"/>
-            <a:r>
-              <a:rPr lang="en-US" sz="2400" dirty="0">
-                <a:latin typeface="Segoe UI" panose="020B0502040204020203" pitchFamily="34" charset="0"/>
-                <a:cs typeface="Segoe UI" panose="020B0502040204020203" pitchFamily="34" charset="0"/>
-              </a:rPr>
-              <a:t> storage account ID</a:t>
-            </a:r>
-          </a:p>
-          <a:p>
-            <a:r>
-              <a:rPr lang="en-US" sz="3200" dirty="0">
-                <a:latin typeface="Segoe UI" panose="020B0502040204020203" pitchFamily="34" charset="0"/>
-                <a:cs typeface="Segoe UI" panose="020B0502040204020203" pitchFamily="34" charset="0"/>
-              </a:rPr>
-              <a:t>Key challenge goal #2</a:t>
-            </a:r>
-          </a:p>
-          <a:p>
-            <a:r>
-              <a:rPr lang="en-US" sz="3200" dirty="0">
-                <a:latin typeface="Segoe UI" panose="020B0502040204020203" pitchFamily="34" charset="0"/>
-                <a:cs typeface="Segoe UI" panose="020B0502040204020203" pitchFamily="34" charset="0"/>
-              </a:rPr>
-              <a:t>Key challenge goal #3</a:t>
-            </a:r>
-          </a:p>
-        </p:txBody>
-      </p:sp>
-      <p:sp>
-        <p:nvSpPr>
-          <p:cNvPr id="8" name="Text Placeholder 7">
-            <a:extLst>
-              <a:ext uri="{FF2B5EF4-FFF2-40B4-BE49-F238E27FC236}">
-                <a16:creationId xmlns:a16="http://schemas.microsoft.com/office/drawing/2014/main" id="{E3048B16-5BF1-7CB9-7FB4-FEF3812F70B0}"/>
-              </a:ext>
-            </a:extLst>
-          </p:cNvPr>
-          <p:cNvSpPr>
-            <a:spLocks noGrp="1"/>
-          </p:cNvSpPr>
-          <p:nvPr>
-            <p:ph type="body" sz="quarter" idx="13"/>
-          </p:nvPr>
-        </p:nvSpPr>
-        <p:spPr/>
-        <p:txBody>
           <a:bodyPr/>
           <a:lstStyle/>
           <a:p>
             <a:r>
               <a:rPr lang="en-US" dirty="0"/>
-              <a:t>&lt;Insert Challenge #1 Title Here&gt;</a:t>
-            </a:r>
-          </a:p>
-        </p:txBody>
-      </p:sp>
-      <p:sp>
-        <p:nvSpPr>
-          <p:cNvPr id="4" name="TextBox 3">
-            <a:extLst>
-              <a:ext uri="{FF2B5EF4-FFF2-40B4-BE49-F238E27FC236}">
-                <a16:creationId xmlns:a16="http://schemas.microsoft.com/office/drawing/2014/main" id="{63CFF63D-04FB-705F-FDE7-615DA747FAC4}"/>
-              </a:ext>
-            </a:extLst>
-          </p:cNvPr>
-          <p:cNvSpPr txBox="1"/>
-          <p:nvPr/>
-        </p:nvSpPr>
-        <p:spPr>
-          <a:xfrm>
-            <a:off x="5034987" y="1307939"/>
-            <a:ext cx="184731" cy="369332"/>
-          </a:xfrm>
-          <a:prstGeom prst="rect">
-            <a:avLst/>
-          </a:prstGeom>
-          <a:noFill/>
-        </p:spPr>
-        <p:txBody>
-          <a:bodyPr wrap="none" rtlCol="0">
-            <a:spAutoFit/>
-          </a:bodyPr>
-          <a:lstStyle/>
-          <a:p>
-            <a:endParaRPr lang="en-US" dirty="0"/>
-          </a:p>
-        </p:txBody>
-      </p:sp>
-      <p:sp>
-        <p:nvSpPr>
-          <p:cNvPr id="6" name="TextBox 5">
-            <a:extLst>
-              <a:ext uri="{FF2B5EF4-FFF2-40B4-BE49-F238E27FC236}">
-                <a16:creationId xmlns:a16="http://schemas.microsoft.com/office/drawing/2014/main" id="{AB9110E3-5DA2-43FD-3338-F621924160AB}"/>
-              </a:ext>
-            </a:extLst>
-          </p:cNvPr>
-          <p:cNvSpPr txBox="1"/>
-          <p:nvPr/>
-        </p:nvSpPr>
-        <p:spPr>
-          <a:xfrm>
-            <a:off x="5775767" y="1088020"/>
-            <a:ext cx="184731" cy="369332"/>
-          </a:xfrm>
-          <a:prstGeom prst="rect">
-            <a:avLst/>
-          </a:prstGeom>
-          <a:noFill/>
-        </p:spPr>
-        <p:txBody>
-          <a:bodyPr wrap="none" rtlCol="0">
-            <a:spAutoFit/>
-          </a:bodyPr>
-          <a:lstStyle/>
-          <a:p>
-            <a:endParaRPr lang="en-US" dirty="0"/>
-          </a:p>
-        </p:txBody>
-      </p:sp>
-      <p:sp>
-        <p:nvSpPr>
-          <p:cNvPr id="7" name="TextBox 6">
-            <a:extLst>
-              <a:ext uri="{FF2B5EF4-FFF2-40B4-BE49-F238E27FC236}">
-                <a16:creationId xmlns:a16="http://schemas.microsoft.com/office/drawing/2014/main" id="{42E1B2F0-C4E0-E0F5-983F-767CA58230D0}"/>
-              </a:ext>
-            </a:extLst>
-          </p:cNvPr>
-          <p:cNvSpPr txBox="1"/>
-          <p:nvPr/>
-        </p:nvSpPr>
-        <p:spPr>
-          <a:xfrm>
-            <a:off x="6111433" y="1157468"/>
-            <a:ext cx="184731" cy="369332"/>
-          </a:xfrm>
-          <a:prstGeom prst="rect">
-            <a:avLst/>
-          </a:prstGeom>
-          <a:noFill/>
-        </p:spPr>
-        <p:txBody>
-          <a:bodyPr wrap="none" rtlCol="0">
-            <a:spAutoFit/>
-          </a:bodyPr>
-          <a:lstStyle/>
-          <a:p>
-            <a:endParaRPr lang="en-US" dirty="0"/>
+              <a:t>Challenge 2</a:t>
+            </a:r>
+          </a:p>
+        </p:txBody>
+      </p:sp>
+      <p:sp>
+        <p:nvSpPr>
+          <p:cNvPr id="3" name="Text Placeholder 2">
+            <a:extLst>
+              <a:ext uri="{FF2B5EF4-FFF2-40B4-BE49-F238E27FC236}">
+                <a16:creationId xmlns:a16="http://schemas.microsoft.com/office/drawing/2014/main" id="{22AD97D8-5C57-D744-5FAB-7CD4DEC21FB5}"/>
+              </a:ext>
+            </a:extLst>
+          </p:cNvPr>
+          <p:cNvSpPr>
+            <a:spLocks noGrp="1"/>
+          </p:cNvSpPr>
+          <p:nvPr>
+            <p:ph type="body" idx="1"/>
+          </p:nvPr>
+        </p:nvSpPr>
+        <p:spPr/>
+        <p:txBody>
+          <a:bodyPr/>
+          <a:lstStyle/>
+          <a:p>
+            <a:r>
+              <a:rPr lang="en-US" dirty="0"/>
+              <a:t>Move to Azure SQL Database</a:t>
+            </a:r>
           </a:p>
         </p:txBody>
       </p:sp>
     </p:spTree>
     <p:extLst>
       <p:ext uri="{BB962C8B-B14F-4D97-AF65-F5344CB8AC3E}">
-        <p14:creationId xmlns:p14="http://schemas.microsoft.com/office/powerpoint/2010/main" val="2471118552"/>
+        <p14:creationId xmlns:p14="http://schemas.microsoft.com/office/powerpoint/2010/main" val="1304008667"/>
       </p:ext>
     </p:extLst>
   </p:cSld>
@@ -9831,13 +10964,7 @@
       </p:grpSpPr>
       <p:sp>
         <p:nvSpPr>
-          <p:cNvPr id="2" name="Title 1">
-            <a:extLst>
-              <a:ext uri="{FF2B5EF4-FFF2-40B4-BE49-F238E27FC236}">
-                <a16:creationId xmlns:a16="http://schemas.microsoft.com/office/drawing/2014/main" id="{08C237E2-611E-B3D5-B7A0-DB2A1638DB33}"/>
-              </a:ext>
-            </a:extLst>
-          </p:cNvPr>
+          <p:cNvPr id="3" name="Title 2"/>
           <p:cNvSpPr>
             <a:spLocks noGrp="1"/>
           </p:cNvSpPr>
@@ -9847,40 +10974,89 @@
         </p:nvSpPr>
         <p:spPr/>
         <p:txBody>
+          <a:bodyPr>
+            <a:normAutofit/>
+          </a:bodyPr>
+          <a:lstStyle/>
+          <a:p>
+            <a:r>
+              <a:rPr lang="en-US" sz="5400" b="1" dirty="0">
+                <a:solidFill>
+                  <a:srgbClr val="002060"/>
+                </a:solidFill>
+                <a:latin typeface="Segoe UI" panose="020B0502040204020203" pitchFamily="34" charset="0"/>
+                <a:cs typeface="Segoe UI" panose="020B0502040204020203" pitchFamily="34" charset="0"/>
+              </a:rPr>
+              <a:t>Challenge 2</a:t>
+            </a:r>
+            <a:endParaRPr lang="en-US" sz="3200" b="1" dirty="0">
+              <a:solidFill>
+                <a:srgbClr val="7030A0"/>
+              </a:solidFill>
+              <a:latin typeface="Segoe UI" panose="020B0502040204020203" pitchFamily="34" charset="0"/>
+              <a:cs typeface="Segoe UI" panose="020B0502040204020203" pitchFamily="34" charset="0"/>
+            </a:endParaRPr>
+          </a:p>
+        </p:txBody>
+      </p:sp>
+      <p:sp>
+        <p:nvSpPr>
+          <p:cNvPr id="4" name="Content Placeholder 3">
+            <a:extLst>
+              <a:ext uri="{FF2B5EF4-FFF2-40B4-BE49-F238E27FC236}">
+                <a16:creationId xmlns:a16="http://schemas.microsoft.com/office/drawing/2014/main" id="{06F7F96E-1EA5-9285-4DB4-502802165248}"/>
+              </a:ext>
+            </a:extLst>
+          </p:cNvPr>
+          <p:cNvSpPr>
+            <a:spLocks noGrp="1"/>
+          </p:cNvSpPr>
+          <p:nvPr>
+            <p:ph idx="1"/>
+          </p:nvPr>
+        </p:nvSpPr>
+        <p:spPr/>
+        <p:txBody>
           <a:bodyPr/>
           <a:lstStyle/>
           <a:p>
             <a:r>
+              <a:rPr lang="en-US" sz="3200" dirty="0">
+                <a:latin typeface="Segoe UI" panose="020B0502040204020203" pitchFamily="34" charset="0"/>
+                <a:cs typeface="Segoe UI" panose="020B0502040204020203" pitchFamily="34" charset="0"/>
+              </a:rPr>
+              <a:t>Provision an Azure SQL database using Infrastructure as Code</a:t>
+            </a:r>
+          </a:p>
+          <a:p>
+            <a:r>
+              <a:rPr lang="en-US" sz="3200" dirty="0"/>
+              <a:t>Update your app (re-build and re-deploy the Docker image) with the new connection string (as environment variable), test the app as an end-user, and play a game once deployed there.</a:t>
+            </a:r>
+            <a:endParaRPr lang="en-US" dirty="0"/>
+          </a:p>
+        </p:txBody>
+      </p:sp>
+      <p:sp>
+        <p:nvSpPr>
+          <p:cNvPr id="2" name="Text Placeholder 1"/>
+          <p:cNvSpPr>
+            <a:spLocks noGrp="1"/>
+          </p:cNvSpPr>
+          <p:nvPr>
+            <p:ph type="body" sz="quarter" idx="13"/>
+          </p:nvPr>
+        </p:nvSpPr>
+        <p:spPr/>
+        <p:txBody>
+          <a:bodyPr>
+            <a:normAutofit/>
+          </a:bodyPr>
+          <a:lstStyle/>
+          <a:p>
+            <a:r>
               <a:rPr lang="en-US" dirty="0"/>
-              <a:t>Challenge 2 Topic Header</a:t>
-            </a:r>
-          </a:p>
-        </p:txBody>
-      </p:sp>
-      <p:sp>
-        <p:nvSpPr>
-          <p:cNvPr id="3" name="Text Placeholder 2">
-            <a:extLst>
-              <a:ext uri="{FF2B5EF4-FFF2-40B4-BE49-F238E27FC236}">
-                <a16:creationId xmlns:a16="http://schemas.microsoft.com/office/drawing/2014/main" id="{22AD97D8-5C57-D744-5FAB-7CD4DEC21FB5}"/>
-              </a:ext>
-            </a:extLst>
-          </p:cNvPr>
-          <p:cNvSpPr>
-            <a:spLocks noGrp="1"/>
-          </p:cNvSpPr>
-          <p:nvPr>
-            <p:ph type="body" idx="1"/>
-          </p:nvPr>
-        </p:nvSpPr>
-        <p:spPr/>
-        <p:txBody>
-          <a:bodyPr/>
-          <a:lstStyle/>
-          <a:p>
-            <a:r>
-              <a:rPr lang="en-US" dirty="0"/>
-              <a:t>Sub-Topic Tile</a:t>
+              <a:t>Move to Azure SQL Database</a:t>
             </a:r>
           </a:p>
         </p:txBody>
@@ -9888,7 +11064,7 @@
     </p:spTree>
     <p:extLst>
       <p:ext uri="{BB962C8B-B14F-4D97-AF65-F5344CB8AC3E}">
-        <p14:creationId xmlns:p14="http://schemas.microsoft.com/office/powerpoint/2010/main" val="1304008667"/>
+        <p14:creationId xmlns:p14="http://schemas.microsoft.com/office/powerpoint/2010/main" val="338137321"/>
       </p:ext>
     </p:extLst>
   </p:cSld>
@@ -9920,7 +11096,7 @@
           <p:cNvPr id="2" name="Title 1">
             <a:extLst>
               <a:ext uri="{FF2B5EF4-FFF2-40B4-BE49-F238E27FC236}">
-                <a16:creationId xmlns:a16="http://schemas.microsoft.com/office/drawing/2014/main" id="{036509A8-D248-48A9-80E4-41218D56B3F3}"/>
+                <a16:creationId xmlns:a16="http://schemas.microsoft.com/office/drawing/2014/main" id="{FD22A5CE-6B55-7E50-78D7-F315E2D5FE09}"/>
               </a:ext>
             </a:extLst>
           </p:cNvPr>
@@ -9933,673 +11109,30 @@
         </p:nvSpPr>
         <p:spPr/>
         <p:txBody>
-          <a:bodyPr>
-            <a:normAutofit fontScale="90000"/>
-          </a:bodyPr>
-          <a:lstStyle/>
-          <a:p>
-            <a:r>
-              <a:rPr lang="en-US" sz="6000" b="1" dirty="0">
-                <a:solidFill>
-                  <a:srgbClr val="002060"/>
-                </a:solidFill>
-                <a:latin typeface="Segoe UI" panose="020B0502040204020203" pitchFamily="34" charset="0"/>
-                <a:cs typeface="Segoe UI" panose="020B0502040204020203" pitchFamily="34" charset="0"/>
-              </a:rPr>
-              <a:t>Title Segoe UI 54pt</a:t>
-            </a:r>
-            <a:endParaRPr lang="en-US" sz="5400" b="1" dirty="0">
-              <a:solidFill>
-                <a:srgbClr val="7030A0"/>
-              </a:solidFill>
-              <a:latin typeface="Segoe UI" panose="020B0502040204020203" pitchFamily="34" charset="0"/>
-              <a:cs typeface="Segoe UI" panose="020B0502040204020203" pitchFamily="34" charset="0"/>
-            </a:endParaRPr>
-          </a:p>
-        </p:txBody>
-      </p:sp>
-      <p:sp>
-        <p:nvSpPr>
-          <p:cNvPr id="3" name="Content Placeholder 2">
-            <a:extLst>
-              <a:ext uri="{FF2B5EF4-FFF2-40B4-BE49-F238E27FC236}">
-                <a16:creationId xmlns:a16="http://schemas.microsoft.com/office/drawing/2014/main" id="{17DBF992-46E2-4A48-9C03-B9E15BA5EC83}"/>
-              </a:ext>
-            </a:extLst>
-          </p:cNvPr>
-          <p:cNvSpPr>
-            <a:spLocks noGrp="1"/>
-          </p:cNvSpPr>
-          <p:nvPr>
-            <p:ph idx="1"/>
-          </p:nvPr>
-        </p:nvSpPr>
-        <p:spPr/>
-        <p:txBody>
           <a:bodyPr/>
           <a:lstStyle/>
           <a:p>
             <a:r>
-              <a:rPr lang="en-US" dirty="0">
-                <a:latin typeface="Segoe UI" panose="020B0502040204020203" pitchFamily="34" charset="0"/>
-                <a:cs typeface="Segoe UI" panose="020B0502040204020203" pitchFamily="34" charset="0"/>
-              </a:rPr>
-              <a:t>Segoe UI font for content</a:t>
-            </a:r>
-          </a:p>
-          <a:p>
-            <a:r>
-              <a:rPr lang="en-US" dirty="0">
-                <a:latin typeface="Segoe UI" panose="020B0502040204020203" pitchFamily="34" charset="0"/>
-                <a:cs typeface="Segoe UI" panose="020B0502040204020203" pitchFamily="34" charset="0"/>
-              </a:rPr>
-              <a:t>"Lorem ipsum dolor sit </a:t>
-            </a:r>
-            <a:r>
-              <a:rPr lang="en-US" dirty="0" err="1">
-                <a:latin typeface="Segoe UI" panose="020B0502040204020203" pitchFamily="34" charset="0"/>
-                <a:cs typeface="Segoe UI" panose="020B0502040204020203" pitchFamily="34" charset="0"/>
-              </a:rPr>
-              <a:t>amet</a:t>
-            </a:r>
-            <a:r>
-              <a:rPr lang="en-US" dirty="0">
-                <a:latin typeface="Segoe UI" panose="020B0502040204020203" pitchFamily="34" charset="0"/>
-                <a:cs typeface="Segoe UI" panose="020B0502040204020203" pitchFamily="34" charset="0"/>
-              </a:rPr>
-              <a:t>, </a:t>
-            </a:r>
-            <a:r>
-              <a:rPr lang="en-US" dirty="0" err="1">
-                <a:latin typeface="Segoe UI" panose="020B0502040204020203" pitchFamily="34" charset="0"/>
-                <a:cs typeface="Segoe UI" panose="020B0502040204020203" pitchFamily="34" charset="0"/>
-              </a:rPr>
-              <a:t>consectetur</a:t>
-            </a:r>
-            <a:r>
-              <a:rPr lang="en-US" dirty="0">
-                <a:latin typeface="Segoe UI" panose="020B0502040204020203" pitchFamily="34" charset="0"/>
-                <a:cs typeface="Segoe UI" panose="020B0502040204020203" pitchFamily="34" charset="0"/>
-              </a:rPr>
-              <a:t> </a:t>
-            </a:r>
-            <a:r>
-              <a:rPr lang="en-US" dirty="0" err="1">
-                <a:latin typeface="Segoe UI" panose="020B0502040204020203" pitchFamily="34" charset="0"/>
-                <a:cs typeface="Segoe UI" panose="020B0502040204020203" pitchFamily="34" charset="0"/>
-              </a:rPr>
-              <a:t>adipiscing</a:t>
-            </a:r>
-            <a:r>
-              <a:rPr lang="en-US" dirty="0">
-                <a:latin typeface="Segoe UI" panose="020B0502040204020203" pitchFamily="34" charset="0"/>
-                <a:cs typeface="Segoe UI" panose="020B0502040204020203" pitchFamily="34" charset="0"/>
-              </a:rPr>
-              <a:t> </a:t>
-            </a:r>
-            <a:r>
-              <a:rPr lang="en-US" dirty="0" err="1">
-                <a:latin typeface="Segoe UI" panose="020B0502040204020203" pitchFamily="34" charset="0"/>
-                <a:cs typeface="Segoe UI" panose="020B0502040204020203" pitchFamily="34" charset="0"/>
-              </a:rPr>
-              <a:t>elit</a:t>
-            </a:r>
-            <a:r>
-              <a:rPr lang="en-US" dirty="0">
-                <a:latin typeface="Segoe UI" panose="020B0502040204020203" pitchFamily="34" charset="0"/>
-                <a:cs typeface="Segoe UI" panose="020B0502040204020203" pitchFamily="34" charset="0"/>
-              </a:rPr>
-              <a:t>, sed do </a:t>
-            </a:r>
-            <a:r>
-              <a:rPr lang="en-US" dirty="0" err="1">
-                <a:latin typeface="Segoe UI" panose="020B0502040204020203" pitchFamily="34" charset="0"/>
-                <a:cs typeface="Segoe UI" panose="020B0502040204020203" pitchFamily="34" charset="0"/>
-              </a:rPr>
-              <a:t>eiusmod</a:t>
-            </a:r>
-            <a:r>
-              <a:rPr lang="en-US" dirty="0">
-                <a:latin typeface="Segoe UI" panose="020B0502040204020203" pitchFamily="34" charset="0"/>
-                <a:cs typeface="Segoe UI" panose="020B0502040204020203" pitchFamily="34" charset="0"/>
-              </a:rPr>
-              <a:t> </a:t>
-            </a:r>
-            <a:r>
-              <a:rPr lang="en-US" dirty="0" err="1">
-                <a:latin typeface="Segoe UI" panose="020B0502040204020203" pitchFamily="34" charset="0"/>
-                <a:cs typeface="Segoe UI" panose="020B0502040204020203" pitchFamily="34" charset="0"/>
-              </a:rPr>
-              <a:t>tempor</a:t>
-            </a:r>
-            <a:r>
-              <a:rPr lang="en-US" dirty="0">
-                <a:latin typeface="Segoe UI" panose="020B0502040204020203" pitchFamily="34" charset="0"/>
-                <a:cs typeface="Segoe UI" panose="020B0502040204020203" pitchFamily="34" charset="0"/>
-              </a:rPr>
-              <a:t> </a:t>
-            </a:r>
-            <a:r>
-              <a:rPr lang="en-US" dirty="0" err="1">
-                <a:latin typeface="Segoe UI" panose="020B0502040204020203" pitchFamily="34" charset="0"/>
-                <a:cs typeface="Segoe UI" panose="020B0502040204020203" pitchFamily="34" charset="0"/>
-              </a:rPr>
-              <a:t>incididunt</a:t>
-            </a:r>
-            <a:r>
-              <a:rPr lang="en-US" dirty="0">
-                <a:latin typeface="Segoe UI" panose="020B0502040204020203" pitchFamily="34" charset="0"/>
-                <a:cs typeface="Segoe UI" panose="020B0502040204020203" pitchFamily="34" charset="0"/>
-              </a:rPr>
-              <a:t> </a:t>
-            </a:r>
-            <a:r>
-              <a:rPr lang="en-US" dirty="0" err="1">
-                <a:latin typeface="Segoe UI" panose="020B0502040204020203" pitchFamily="34" charset="0"/>
-                <a:cs typeface="Segoe UI" panose="020B0502040204020203" pitchFamily="34" charset="0"/>
-              </a:rPr>
-              <a:t>ut</a:t>
-            </a:r>
-            <a:r>
-              <a:rPr lang="en-US" dirty="0">
-                <a:latin typeface="Segoe UI" panose="020B0502040204020203" pitchFamily="34" charset="0"/>
-                <a:cs typeface="Segoe UI" panose="020B0502040204020203" pitchFamily="34" charset="0"/>
-              </a:rPr>
-              <a:t> labore et dolore magna </a:t>
-            </a:r>
-            <a:r>
-              <a:rPr lang="en-US" dirty="0" err="1">
-                <a:latin typeface="Segoe UI" panose="020B0502040204020203" pitchFamily="34" charset="0"/>
-                <a:cs typeface="Segoe UI" panose="020B0502040204020203" pitchFamily="34" charset="0"/>
-              </a:rPr>
-              <a:t>aliqua</a:t>
-            </a:r>
-            <a:r>
-              <a:rPr lang="en-US" dirty="0">
-                <a:latin typeface="Segoe UI" panose="020B0502040204020203" pitchFamily="34" charset="0"/>
-                <a:cs typeface="Segoe UI" panose="020B0502040204020203" pitchFamily="34" charset="0"/>
-              </a:rPr>
-              <a:t>. Ut </a:t>
-            </a:r>
-            <a:r>
-              <a:rPr lang="en-US" dirty="0" err="1">
-                <a:latin typeface="Segoe UI" panose="020B0502040204020203" pitchFamily="34" charset="0"/>
-                <a:cs typeface="Segoe UI" panose="020B0502040204020203" pitchFamily="34" charset="0"/>
-              </a:rPr>
-              <a:t>enim</a:t>
-            </a:r>
-            <a:r>
-              <a:rPr lang="en-US" dirty="0">
-                <a:latin typeface="Segoe UI" panose="020B0502040204020203" pitchFamily="34" charset="0"/>
-                <a:cs typeface="Segoe UI" panose="020B0502040204020203" pitchFamily="34" charset="0"/>
-              </a:rPr>
-              <a:t> ad minim </a:t>
-            </a:r>
-            <a:r>
-              <a:rPr lang="en-US" dirty="0" err="1">
-                <a:latin typeface="Segoe UI" panose="020B0502040204020203" pitchFamily="34" charset="0"/>
-                <a:cs typeface="Segoe UI" panose="020B0502040204020203" pitchFamily="34" charset="0"/>
-              </a:rPr>
-              <a:t>veniam</a:t>
-            </a:r>
-            <a:r>
-              <a:rPr lang="en-US" dirty="0">
-                <a:latin typeface="Segoe UI" panose="020B0502040204020203" pitchFamily="34" charset="0"/>
-                <a:cs typeface="Segoe UI" panose="020B0502040204020203" pitchFamily="34" charset="0"/>
-              </a:rPr>
-              <a:t>, </a:t>
-            </a:r>
-            <a:r>
-              <a:rPr lang="en-US" dirty="0" err="1">
-                <a:latin typeface="Segoe UI" panose="020B0502040204020203" pitchFamily="34" charset="0"/>
-                <a:cs typeface="Segoe UI" panose="020B0502040204020203" pitchFamily="34" charset="0"/>
-              </a:rPr>
-              <a:t>quis</a:t>
-            </a:r>
-            <a:r>
-              <a:rPr lang="en-US" dirty="0">
-                <a:latin typeface="Segoe UI" panose="020B0502040204020203" pitchFamily="34" charset="0"/>
-                <a:cs typeface="Segoe UI" panose="020B0502040204020203" pitchFamily="34" charset="0"/>
-              </a:rPr>
-              <a:t> </a:t>
-            </a:r>
-            <a:r>
-              <a:rPr lang="en-US" dirty="0" err="1">
-                <a:latin typeface="Segoe UI" panose="020B0502040204020203" pitchFamily="34" charset="0"/>
-                <a:cs typeface="Segoe UI" panose="020B0502040204020203" pitchFamily="34" charset="0"/>
-              </a:rPr>
-              <a:t>nostrud</a:t>
-            </a:r>
-            <a:r>
-              <a:rPr lang="en-US" dirty="0">
-                <a:latin typeface="Segoe UI" panose="020B0502040204020203" pitchFamily="34" charset="0"/>
-                <a:cs typeface="Segoe UI" panose="020B0502040204020203" pitchFamily="34" charset="0"/>
-              </a:rPr>
-              <a:t> exercitation </a:t>
-            </a:r>
-            <a:r>
-              <a:rPr lang="en-US" dirty="0" err="1">
-                <a:latin typeface="Segoe UI" panose="020B0502040204020203" pitchFamily="34" charset="0"/>
-                <a:cs typeface="Segoe UI" panose="020B0502040204020203" pitchFamily="34" charset="0"/>
-              </a:rPr>
-              <a:t>ullamco</a:t>
-            </a:r>
-            <a:r>
-              <a:rPr lang="en-US" dirty="0">
-                <a:latin typeface="Segoe UI" panose="020B0502040204020203" pitchFamily="34" charset="0"/>
-                <a:cs typeface="Segoe UI" panose="020B0502040204020203" pitchFamily="34" charset="0"/>
-              </a:rPr>
-              <a:t> </a:t>
-            </a:r>
-            <a:r>
-              <a:rPr lang="en-US" dirty="0" err="1">
-                <a:latin typeface="Segoe UI" panose="020B0502040204020203" pitchFamily="34" charset="0"/>
-                <a:cs typeface="Segoe UI" panose="020B0502040204020203" pitchFamily="34" charset="0"/>
-              </a:rPr>
-              <a:t>laboris</a:t>
-            </a:r>
-            <a:r>
-              <a:rPr lang="en-US" dirty="0">
-                <a:latin typeface="Segoe UI" panose="020B0502040204020203" pitchFamily="34" charset="0"/>
-                <a:cs typeface="Segoe UI" panose="020B0502040204020203" pitchFamily="34" charset="0"/>
-              </a:rPr>
-              <a:t> nisi </a:t>
-            </a:r>
-            <a:r>
-              <a:rPr lang="en-US" dirty="0" err="1">
-                <a:latin typeface="Segoe UI" panose="020B0502040204020203" pitchFamily="34" charset="0"/>
-                <a:cs typeface="Segoe UI" panose="020B0502040204020203" pitchFamily="34" charset="0"/>
-              </a:rPr>
-              <a:t>ut</a:t>
-            </a:r>
-            <a:r>
-              <a:rPr lang="en-US" dirty="0">
-                <a:latin typeface="Segoe UI" panose="020B0502040204020203" pitchFamily="34" charset="0"/>
-                <a:cs typeface="Segoe UI" panose="020B0502040204020203" pitchFamily="34" charset="0"/>
-              </a:rPr>
-              <a:t> </a:t>
-            </a:r>
-            <a:r>
-              <a:rPr lang="en-US" dirty="0" err="1">
-                <a:latin typeface="Segoe UI" panose="020B0502040204020203" pitchFamily="34" charset="0"/>
-                <a:cs typeface="Segoe UI" panose="020B0502040204020203" pitchFamily="34" charset="0"/>
-              </a:rPr>
-              <a:t>aliquip</a:t>
-            </a:r>
-            <a:r>
-              <a:rPr lang="en-US" dirty="0">
-                <a:latin typeface="Segoe UI" panose="020B0502040204020203" pitchFamily="34" charset="0"/>
-                <a:cs typeface="Segoe UI" panose="020B0502040204020203" pitchFamily="34" charset="0"/>
-              </a:rPr>
-              <a:t> ex </a:t>
-            </a:r>
-            <a:r>
-              <a:rPr lang="en-US" dirty="0" err="1">
-                <a:latin typeface="Segoe UI" panose="020B0502040204020203" pitchFamily="34" charset="0"/>
-                <a:cs typeface="Segoe UI" panose="020B0502040204020203" pitchFamily="34" charset="0"/>
-              </a:rPr>
-              <a:t>ea</a:t>
-            </a:r>
-            <a:r>
-              <a:rPr lang="en-US" dirty="0">
-                <a:latin typeface="Segoe UI" panose="020B0502040204020203" pitchFamily="34" charset="0"/>
-                <a:cs typeface="Segoe UI" panose="020B0502040204020203" pitchFamily="34" charset="0"/>
-              </a:rPr>
-              <a:t> </a:t>
-            </a:r>
-            <a:r>
-              <a:rPr lang="en-US" dirty="0" err="1">
-                <a:latin typeface="Segoe UI" panose="020B0502040204020203" pitchFamily="34" charset="0"/>
-                <a:cs typeface="Segoe UI" panose="020B0502040204020203" pitchFamily="34" charset="0"/>
-              </a:rPr>
-              <a:t>commodo</a:t>
-            </a:r>
-            <a:r>
-              <a:rPr lang="en-US" dirty="0">
-                <a:latin typeface="Segoe UI" panose="020B0502040204020203" pitchFamily="34" charset="0"/>
-                <a:cs typeface="Segoe UI" panose="020B0502040204020203" pitchFamily="34" charset="0"/>
-              </a:rPr>
-              <a:t> </a:t>
-            </a:r>
-            <a:r>
-              <a:rPr lang="en-US" dirty="0" err="1">
-                <a:latin typeface="Segoe UI" panose="020B0502040204020203" pitchFamily="34" charset="0"/>
-                <a:cs typeface="Segoe UI" panose="020B0502040204020203" pitchFamily="34" charset="0"/>
-              </a:rPr>
-              <a:t>consequat</a:t>
-            </a:r>
-            <a:r>
-              <a:rPr lang="en-US" dirty="0">
-                <a:latin typeface="Segoe UI" panose="020B0502040204020203" pitchFamily="34" charset="0"/>
-                <a:cs typeface="Segoe UI" panose="020B0502040204020203" pitchFamily="34" charset="0"/>
-              </a:rPr>
-              <a:t>. Duis </a:t>
-            </a:r>
-            <a:r>
-              <a:rPr lang="en-US" dirty="0" err="1">
-                <a:latin typeface="Segoe UI" panose="020B0502040204020203" pitchFamily="34" charset="0"/>
-                <a:cs typeface="Segoe UI" panose="020B0502040204020203" pitchFamily="34" charset="0"/>
-              </a:rPr>
-              <a:t>aute</a:t>
-            </a:r>
-            <a:r>
-              <a:rPr lang="en-US" dirty="0">
-                <a:latin typeface="Segoe UI" panose="020B0502040204020203" pitchFamily="34" charset="0"/>
-                <a:cs typeface="Segoe UI" panose="020B0502040204020203" pitchFamily="34" charset="0"/>
-              </a:rPr>
-              <a:t> </a:t>
-            </a:r>
-            <a:r>
-              <a:rPr lang="en-US" dirty="0" err="1">
-                <a:latin typeface="Segoe UI" panose="020B0502040204020203" pitchFamily="34" charset="0"/>
-                <a:cs typeface="Segoe UI" panose="020B0502040204020203" pitchFamily="34" charset="0"/>
-              </a:rPr>
-              <a:t>irure</a:t>
-            </a:r>
-            <a:r>
-              <a:rPr lang="en-US" dirty="0">
-                <a:latin typeface="Segoe UI" panose="020B0502040204020203" pitchFamily="34" charset="0"/>
-                <a:cs typeface="Segoe UI" panose="020B0502040204020203" pitchFamily="34" charset="0"/>
-              </a:rPr>
-              <a:t> dolor in </a:t>
-            </a:r>
-            <a:r>
-              <a:rPr lang="en-US" dirty="0" err="1">
-                <a:latin typeface="Segoe UI" panose="020B0502040204020203" pitchFamily="34" charset="0"/>
-                <a:cs typeface="Segoe UI" panose="020B0502040204020203" pitchFamily="34" charset="0"/>
-              </a:rPr>
-              <a:t>reprehenderit</a:t>
-            </a:r>
-            <a:r>
-              <a:rPr lang="en-US" dirty="0">
-                <a:latin typeface="Segoe UI" panose="020B0502040204020203" pitchFamily="34" charset="0"/>
-                <a:cs typeface="Segoe UI" panose="020B0502040204020203" pitchFamily="34" charset="0"/>
-              </a:rPr>
-              <a:t> in </a:t>
-            </a:r>
-            <a:r>
-              <a:rPr lang="en-US" dirty="0" err="1">
-                <a:latin typeface="Segoe UI" panose="020B0502040204020203" pitchFamily="34" charset="0"/>
-                <a:cs typeface="Segoe UI" panose="020B0502040204020203" pitchFamily="34" charset="0"/>
-              </a:rPr>
-              <a:t>voluptate</a:t>
-            </a:r>
-            <a:r>
-              <a:rPr lang="en-US" dirty="0">
-                <a:latin typeface="Segoe UI" panose="020B0502040204020203" pitchFamily="34" charset="0"/>
-                <a:cs typeface="Segoe UI" panose="020B0502040204020203" pitchFamily="34" charset="0"/>
-              </a:rPr>
-              <a:t> </a:t>
-            </a:r>
-            <a:r>
-              <a:rPr lang="en-US" dirty="0" err="1">
-                <a:latin typeface="Segoe UI" panose="020B0502040204020203" pitchFamily="34" charset="0"/>
-                <a:cs typeface="Segoe UI" panose="020B0502040204020203" pitchFamily="34" charset="0"/>
-              </a:rPr>
-              <a:t>velit</a:t>
-            </a:r>
-            <a:r>
-              <a:rPr lang="en-US" dirty="0">
-                <a:latin typeface="Segoe UI" panose="020B0502040204020203" pitchFamily="34" charset="0"/>
-                <a:cs typeface="Segoe UI" panose="020B0502040204020203" pitchFamily="34" charset="0"/>
-              </a:rPr>
-              <a:t> </a:t>
-            </a:r>
-            <a:r>
-              <a:rPr lang="en-US" dirty="0" err="1">
-                <a:latin typeface="Segoe UI" panose="020B0502040204020203" pitchFamily="34" charset="0"/>
-                <a:cs typeface="Segoe UI" panose="020B0502040204020203" pitchFamily="34" charset="0"/>
-              </a:rPr>
-              <a:t>esse</a:t>
-            </a:r>
-            <a:r>
-              <a:rPr lang="en-US" dirty="0">
-                <a:latin typeface="Segoe UI" panose="020B0502040204020203" pitchFamily="34" charset="0"/>
-                <a:cs typeface="Segoe UI" panose="020B0502040204020203" pitchFamily="34" charset="0"/>
-              </a:rPr>
-              <a:t> </a:t>
-            </a:r>
-            <a:r>
-              <a:rPr lang="en-US" dirty="0" err="1">
-                <a:latin typeface="Segoe UI" panose="020B0502040204020203" pitchFamily="34" charset="0"/>
-                <a:cs typeface="Segoe UI" panose="020B0502040204020203" pitchFamily="34" charset="0"/>
-              </a:rPr>
-              <a:t>cillum</a:t>
-            </a:r>
-            <a:r>
-              <a:rPr lang="en-US" dirty="0">
-                <a:latin typeface="Segoe UI" panose="020B0502040204020203" pitchFamily="34" charset="0"/>
-                <a:cs typeface="Segoe UI" panose="020B0502040204020203" pitchFamily="34" charset="0"/>
-              </a:rPr>
-              <a:t> dolore </a:t>
-            </a:r>
-            <a:r>
-              <a:rPr lang="en-US" dirty="0" err="1">
-                <a:latin typeface="Segoe UI" panose="020B0502040204020203" pitchFamily="34" charset="0"/>
-                <a:cs typeface="Segoe UI" panose="020B0502040204020203" pitchFamily="34" charset="0"/>
-              </a:rPr>
-              <a:t>eu</a:t>
-            </a:r>
-            <a:r>
-              <a:rPr lang="en-US" dirty="0">
-                <a:latin typeface="Segoe UI" panose="020B0502040204020203" pitchFamily="34" charset="0"/>
-                <a:cs typeface="Segoe UI" panose="020B0502040204020203" pitchFamily="34" charset="0"/>
-              </a:rPr>
-              <a:t> </a:t>
-            </a:r>
-            <a:r>
-              <a:rPr lang="en-US" dirty="0" err="1">
-                <a:latin typeface="Segoe UI" panose="020B0502040204020203" pitchFamily="34" charset="0"/>
-                <a:cs typeface="Segoe UI" panose="020B0502040204020203" pitchFamily="34" charset="0"/>
-              </a:rPr>
-              <a:t>fugiat</a:t>
-            </a:r>
-            <a:r>
-              <a:rPr lang="en-US" dirty="0">
-                <a:latin typeface="Segoe UI" panose="020B0502040204020203" pitchFamily="34" charset="0"/>
-                <a:cs typeface="Segoe UI" panose="020B0502040204020203" pitchFamily="34" charset="0"/>
-              </a:rPr>
-              <a:t> </a:t>
-            </a:r>
-            <a:r>
-              <a:rPr lang="en-US" dirty="0" err="1">
-                <a:latin typeface="Segoe UI" panose="020B0502040204020203" pitchFamily="34" charset="0"/>
-                <a:cs typeface="Segoe UI" panose="020B0502040204020203" pitchFamily="34" charset="0"/>
-              </a:rPr>
-              <a:t>nulla</a:t>
-            </a:r>
-            <a:r>
-              <a:rPr lang="en-US" dirty="0">
-                <a:latin typeface="Segoe UI" panose="020B0502040204020203" pitchFamily="34" charset="0"/>
-                <a:cs typeface="Segoe UI" panose="020B0502040204020203" pitchFamily="34" charset="0"/>
-              </a:rPr>
-              <a:t> </a:t>
-            </a:r>
-            <a:r>
-              <a:rPr lang="en-US" dirty="0" err="1">
-                <a:latin typeface="Segoe UI" panose="020B0502040204020203" pitchFamily="34" charset="0"/>
-                <a:cs typeface="Segoe UI" panose="020B0502040204020203" pitchFamily="34" charset="0"/>
-              </a:rPr>
-              <a:t>pariatur</a:t>
-            </a:r>
-            <a:r>
-              <a:rPr lang="en-US" dirty="0">
-                <a:latin typeface="Segoe UI" panose="020B0502040204020203" pitchFamily="34" charset="0"/>
-                <a:cs typeface="Segoe UI" panose="020B0502040204020203" pitchFamily="34" charset="0"/>
-              </a:rPr>
-              <a:t>. </a:t>
-            </a:r>
-            <a:r>
-              <a:rPr lang="en-US" dirty="0" err="1">
-                <a:latin typeface="Segoe UI" panose="020B0502040204020203" pitchFamily="34" charset="0"/>
-                <a:cs typeface="Segoe UI" panose="020B0502040204020203" pitchFamily="34" charset="0"/>
-              </a:rPr>
-              <a:t>Excepteur</a:t>
-            </a:r>
-            <a:r>
-              <a:rPr lang="en-US" dirty="0">
-                <a:latin typeface="Segoe UI" panose="020B0502040204020203" pitchFamily="34" charset="0"/>
-                <a:cs typeface="Segoe UI" panose="020B0502040204020203" pitchFamily="34" charset="0"/>
-              </a:rPr>
-              <a:t> </a:t>
-            </a:r>
-            <a:r>
-              <a:rPr lang="en-US" dirty="0" err="1">
-                <a:latin typeface="Segoe UI" panose="020B0502040204020203" pitchFamily="34" charset="0"/>
-                <a:cs typeface="Segoe UI" panose="020B0502040204020203" pitchFamily="34" charset="0"/>
-              </a:rPr>
-              <a:t>sint</a:t>
-            </a:r>
-            <a:r>
-              <a:rPr lang="en-US" dirty="0">
-                <a:latin typeface="Segoe UI" panose="020B0502040204020203" pitchFamily="34" charset="0"/>
-                <a:cs typeface="Segoe UI" panose="020B0502040204020203" pitchFamily="34" charset="0"/>
-              </a:rPr>
-              <a:t> </a:t>
-            </a:r>
-            <a:r>
-              <a:rPr lang="en-US" dirty="0" err="1">
-                <a:latin typeface="Segoe UI" panose="020B0502040204020203" pitchFamily="34" charset="0"/>
-                <a:cs typeface="Segoe UI" panose="020B0502040204020203" pitchFamily="34" charset="0"/>
-              </a:rPr>
-              <a:t>occaecat</a:t>
-            </a:r>
-            <a:r>
-              <a:rPr lang="en-US" dirty="0">
-                <a:latin typeface="Segoe UI" panose="020B0502040204020203" pitchFamily="34" charset="0"/>
-                <a:cs typeface="Segoe UI" panose="020B0502040204020203" pitchFamily="34" charset="0"/>
-              </a:rPr>
-              <a:t> </a:t>
-            </a:r>
-            <a:r>
-              <a:rPr lang="en-US" dirty="0" err="1">
-                <a:latin typeface="Segoe UI" panose="020B0502040204020203" pitchFamily="34" charset="0"/>
-                <a:cs typeface="Segoe UI" panose="020B0502040204020203" pitchFamily="34" charset="0"/>
-              </a:rPr>
-              <a:t>cupidatat</a:t>
-            </a:r>
-            <a:r>
-              <a:rPr lang="en-US" dirty="0">
-                <a:latin typeface="Segoe UI" panose="020B0502040204020203" pitchFamily="34" charset="0"/>
-                <a:cs typeface="Segoe UI" panose="020B0502040204020203" pitchFamily="34" charset="0"/>
-              </a:rPr>
-              <a:t> non </a:t>
-            </a:r>
-            <a:r>
-              <a:rPr lang="en-US" dirty="0" err="1">
-                <a:latin typeface="Segoe UI" panose="020B0502040204020203" pitchFamily="34" charset="0"/>
-                <a:cs typeface="Segoe UI" panose="020B0502040204020203" pitchFamily="34" charset="0"/>
-              </a:rPr>
-              <a:t>proident</a:t>
-            </a:r>
-            <a:r>
-              <a:rPr lang="en-US" dirty="0">
-                <a:latin typeface="Segoe UI" panose="020B0502040204020203" pitchFamily="34" charset="0"/>
-                <a:cs typeface="Segoe UI" panose="020B0502040204020203" pitchFamily="34" charset="0"/>
-              </a:rPr>
-              <a:t>, sunt in culpa qui </a:t>
-            </a:r>
-            <a:r>
-              <a:rPr lang="en-US" dirty="0" err="1">
-                <a:latin typeface="Segoe UI" panose="020B0502040204020203" pitchFamily="34" charset="0"/>
-                <a:cs typeface="Segoe UI" panose="020B0502040204020203" pitchFamily="34" charset="0"/>
-              </a:rPr>
-              <a:t>officia</a:t>
-            </a:r>
-            <a:r>
-              <a:rPr lang="en-US" dirty="0">
-                <a:latin typeface="Segoe UI" panose="020B0502040204020203" pitchFamily="34" charset="0"/>
-                <a:cs typeface="Segoe UI" panose="020B0502040204020203" pitchFamily="34" charset="0"/>
-              </a:rPr>
-              <a:t> </a:t>
-            </a:r>
-            <a:r>
-              <a:rPr lang="en-US" dirty="0" err="1">
-                <a:latin typeface="Segoe UI" panose="020B0502040204020203" pitchFamily="34" charset="0"/>
-                <a:cs typeface="Segoe UI" panose="020B0502040204020203" pitchFamily="34" charset="0"/>
-              </a:rPr>
-              <a:t>deserunt</a:t>
-            </a:r>
-            <a:r>
-              <a:rPr lang="en-US" dirty="0">
-                <a:latin typeface="Segoe UI" panose="020B0502040204020203" pitchFamily="34" charset="0"/>
-                <a:cs typeface="Segoe UI" panose="020B0502040204020203" pitchFamily="34" charset="0"/>
-              </a:rPr>
-              <a:t> </a:t>
-            </a:r>
-            <a:r>
-              <a:rPr lang="en-US" dirty="0" err="1">
-                <a:latin typeface="Segoe UI" panose="020B0502040204020203" pitchFamily="34" charset="0"/>
-                <a:cs typeface="Segoe UI" panose="020B0502040204020203" pitchFamily="34" charset="0"/>
-              </a:rPr>
-              <a:t>mollit</a:t>
-            </a:r>
-            <a:r>
-              <a:rPr lang="en-US" dirty="0">
-                <a:latin typeface="Segoe UI" panose="020B0502040204020203" pitchFamily="34" charset="0"/>
-                <a:cs typeface="Segoe UI" panose="020B0502040204020203" pitchFamily="34" charset="0"/>
-              </a:rPr>
-              <a:t> </a:t>
-            </a:r>
-            <a:r>
-              <a:rPr lang="en-US" dirty="0" err="1">
-                <a:latin typeface="Segoe UI" panose="020B0502040204020203" pitchFamily="34" charset="0"/>
-                <a:cs typeface="Segoe UI" panose="020B0502040204020203" pitchFamily="34" charset="0"/>
-              </a:rPr>
-              <a:t>anim</a:t>
-            </a:r>
-            <a:r>
-              <a:rPr lang="en-US" dirty="0">
-                <a:latin typeface="Segoe UI" panose="020B0502040204020203" pitchFamily="34" charset="0"/>
-                <a:cs typeface="Segoe UI" panose="020B0502040204020203" pitchFamily="34" charset="0"/>
-              </a:rPr>
-              <a:t> id </a:t>
-            </a:r>
-            <a:r>
-              <a:rPr lang="en-US" dirty="0" err="1">
-                <a:latin typeface="Segoe UI" panose="020B0502040204020203" pitchFamily="34" charset="0"/>
-                <a:cs typeface="Segoe UI" panose="020B0502040204020203" pitchFamily="34" charset="0"/>
-              </a:rPr>
-              <a:t>est</a:t>
-            </a:r>
-            <a:r>
-              <a:rPr lang="en-US" dirty="0">
-                <a:latin typeface="Segoe UI" panose="020B0502040204020203" pitchFamily="34" charset="0"/>
-                <a:cs typeface="Segoe UI" panose="020B0502040204020203" pitchFamily="34" charset="0"/>
-              </a:rPr>
-              <a:t> </a:t>
-            </a:r>
-            <a:r>
-              <a:rPr lang="en-US" dirty="0" err="1">
-                <a:latin typeface="Segoe UI" panose="020B0502040204020203" pitchFamily="34" charset="0"/>
-                <a:cs typeface="Segoe UI" panose="020B0502040204020203" pitchFamily="34" charset="0"/>
-              </a:rPr>
-              <a:t>laborum</a:t>
-            </a:r>
-            <a:r>
-              <a:rPr lang="en-US" dirty="0">
-                <a:latin typeface="Segoe UI" panose="020B0502040204020203" pitchFamily="34" charset="0"/>
-                <a:cs typeface="Segoe UI" panose="020B0502040204020203" pitchFamily="34" charset="0"/>
-              </a:rPr>
-              <a:t>."</a:t>
-            </a:r>
-          </a:p>
-        </p:txBody>
-      </p:sp>
-      <p:sp>
-        <p:nvSpPr>
-          <p:cNvPr id="4" name="Text Placeholder 3">
-            <a:extLst>
-              <a:ext uri="{FF2B5EF4-FFF2-40B4-BE49-F238E27FC236}">
-                <a16:creationId xmlns:a16="http://schemas.microsoft.com/office/drawing/2014/main" id="{91051B93-082E-F159-F4B6-DDC0E3942FE4}"/>
-              </a:ext>
-            </a:extLst>
-          </p:cNvPr>
-          <p:cNvSpPr>
-            <a:spLocks noGrp="1"/>
-          </p:cNvSpPr>
-          <p:nvPr>
-            <p:ph type="body" sz="quarter" idx="13"/>
+              <a:rPr lang="en-US" dirty="0"/>
+              <a:t>Challenge 3</a:t>
+            </a:r>
+          </a:p>
+        </p:txBody>
+      </p:sp>
+      <p:sp>
+        <p:nvSpPr>
+          <p:cNvPr id="3" name="Text Placeholder 2">
+            <a:extLst>
+              <a:ext uri="{FF2B5EF4-FFF2-40B4-BE49-F238E27FC236}">
+                <a16:creationId xmlns:a16="http://schemas.microsoft.com/office/drawing/2014/main" id="{26CFF82C-2B76-41AB-EE30-AFED414A7980}"/>
+              </a:ext>
+            </a:extLst>
+          </p:cNvPr>
+          <p:cNvSpPr>
+            <a:spLocks noGrp="1"/>
+          </p:cNvSpPr>
+          <p:nvPr>
+            <p:ph type="body" idx="1"/>
           </p:nvPr>
         </p:nvSpPr>
         <p:spPr/>
@@ -10608,23 +11141,16 @@
           <a:lstStyle/>
           <a:p>
             <a:r>
-              <a:rPr lang="en-US" sz="3200" b="1" dirty="0">
-                <a:solidFill>
-                  <a:srgbClr val="7030A0"/>
-                </a:solidFill>
-                <a:latin typeface="Segoe UI" panose="020B0502040204020203" pitchFamily="34" charset="0"/>
-                <a:cs typeface="Segoe UI" panose="020B0502040204020203" pitchFamily="34" charset="0"/>
-              </a:rPr>
-              <a:t>Slide Subtitle Segoe UI 32pt</a:t>
-            </a:r>
-            <a:endParaRPr lang="en-US" dirty="0"/>
+              <a:rPr lang="en-US" dirty="0"/>
+              <a:t>Run the app on Azure</a:t>
+            </a:r>
           </a:p>
         </p:txBody>
       </p:sp>
     </p:spTree>
     <p:extLst>
       <p:ext uri="{BB962C8B-B14F-4D97-AF65-F5344CB8AC3E}">
-        <p14:creationId xmlns:p14="http://schemas.microsoft.com/office/powerpoint/2010/main" val="1693316930"/>
+        <p14:creationId xmlns:p14="http://schemas.microsoft.com/office/powerpoint/2010/main" val="3089467722"/>
       </p:ext>
     </p:extLst>
   </p:cSld>
@@ -10676,7 +11202,7 @@
                 <a:latin typeface="Segoe UI" panose="020B0502040204020203" pitchFamily="34" charset="0"/>
                 <a:cs typeface="Segoe UI" panose="020B0502040204020203" pitchFamily="34" charset="0"/>
               </a:rPr>
-              <a:t>Challenge #2</a:t>
+              <a:t>Challenge 3</a:t>
             </a:r>
             <a:endParaRPr lang="en-US" sz="3200" b="1" dirty="0">
               <a:solidFill>
@@ -10693,7 +11219,7 @@
           <p:cNvPr id="4" name="Content Placeholder 3">
             <a:extLst>
               <a:ext uri="{FF2B5EF4-FFF2-40B4-BE49-F238E27FC236}">
-                <a16:creationId xmlns:a16="http://schemas.microsoft.com/office/drawing/2014/main" id="{06F7F96E-1EA5-9285-4DB4-502802165248}"/>
+                <a16:creationId xmlns:a16="http://schemas.microsoft.com/office/drawing/2014/main" id="{072FDFA0-CC9F-E8E1-863B-9F616F3536D9}"/>
               </a:ext>
             </a:extLst>
           </p:cNvPr>
@@ -10714,67 +11240,7 @@
                 <a:latin typeface="Segoe UI" panose="020B0502040204020203" pitchFamily="34" charset="0"/>
                 <a:cs typeface="Segoe UI" panose="020B0502040204020203" pitchFamily="34" charset="0"/>
               </a:rPr>
-              <a:t>Key challenge goal #1</a:t>
-            </a:r>
-          </a:p>
-          <a:p>
-            <a:pPr lvl="1"/>
-            <a:r>
-              <a:rPr lang="en-US" sz="2800" dirty="0">
-                <a:latin typeface="Segoe UI" panose="020B0502040204020203" pitchFamily="34" charset="0"/>
-                <a:cs typeface="Segoe UI" panose="020B0502040204020203" pitchFamily="34" charset="0"/>
-              </a:rPr>
-              <a:t>Challenge goal details/specifications</a:t>
-            </a:r>
-          </a:p>
-          <a:p>
-            <a:pPr lvl="1"/>
-            <a:r>
-              <a:rPr lang="en-US" sz="2800" dirty="0">
-                <a:latin typeface="Segoe UI" panose="020B0502040204020203" pitchFamily="34" charset="0"/>
-                <a:cs typeface="Segoe UI" panose="020B0502040204020203" pitchFamily="34" charset="0"/>
-              </a:rPr>
-              <a:t>Takes inputs: </a:t>
-            </a:r>
-          </a:p>
-          <a:p>
-            <a:pPr lvl="2"/>
-            <a:r>
-              <a:rPr lang="en-US" sz="2400" dirty="0">
-                <a:latin typeface="Segoe UI" panose="020B0502040204020203" pitchFamily="34" charset="0"/>
-                <a:cs typeface="Segoe UI" panose="020B0502040204020203" pitchFamily="34" charset="0"/>
-              </a:rPr>
-              <a:t>Location</a:t>
-            </a:r>
-          </a:p>
-          <a:p>
-            <a:pPr lvl="2"/>
-            <a:r>
-              <a:rPr lang="en-US" sz="2400" dirty="0">
-                <a:latin typeface="Segoe UI" panose="020B0502040204020203" pitchFamily="34" charset="0"/>
-                <a:cs typeface="Segoe UI" panose="020B0502040204020203" pitchFamily="34" charset="0"/>
-              </a:rPr>
-              <a:t>A unique storage account name</a:t>
-            </a:r>
-          </a:p>
-          <a:p>
-            <a:pPr lvl="1"/>
-            <a:r>
-              <a:rPr lang="en-US" sz="2800" dirty="0">
-                <a:latin typeface="Segoe UI" panose="020B0502040204020203" pitchFamily="34" charset="0"/>
-                <a:cs typeface="Segoe UI" panose="020B0502040204020203" pitchFamily="34" charset="0"/>
-              </a:rPr>
-              <a:t>Returns output:</a:t>
-            </a:r>
-          </a:p>
-          <a:p>
-            <a:pPr lvl="2"/>
-            <a:r>
-              <a:rPr lang="en-US" sz="2400" dirty="0">
-                <a:latin typeface="Segoe UI" panose="020B0502040204020203" pitchFamily="34" charset="0"/>
-                <a:cs typeface="Segoe UI" panose="020B0502040204020203" pitchFamily="34" charset="0"/>
-              </a:rPr>
-              <a:t> storage account ID</a:t>
+              <a:t>Provision an Azure Container Registry (ACR) to push your container in it.</a:t>
             </a:r>
           </a:p>
           <a:p>
@@ -10783,7 +11249,7 @@
                 <a:latin typeface="Segoe UI" panose="020B0502040204020203" pitchFamily="34" charset="0"/>
                 <a:cs typeface="Segoe UI" panose="020B0502040204020203" pitchFamily="34" charset="0"/>
               </a:rPr>
-              <a:t>Key challenge goal #2</a:t>
+              <a:t>Push your local Docker image to your ACR.</a:t>
             </a:r>
           </a:p>
           <a:p>
@@ -10792,10 +11258,8 @@
                 <a:latin typeface="Segoe UI" panose="020B0502040204020203" pitchFamily="34" charset="0"/>
                 <a:cs typeface="Segoe UI" panose="020B0502040204020203" pitchFamily="34" charset="0"/>
               </a:rPr>
-              <a:t>Key challenge goal #3</a:t>
-            </a:r>
-          </a:p>
-          <a:p>
+              <a:t>Provision an Azure Web App Service for Containers &amp; deploy the app in your Azure Web App Service for Containers by pulling the Docker image from your ACR previously created, test it as an end-user, and play a game once deployed there.</a:t>
+            </a:r>
             <a:endParaRPr lang="en-US" dirty="0"/>
           </a:p>
         </p:txBody>
@@ -10818,26 +11282,16 @@
           <a:lstStyle/>
           <a:p>
             <a:r>
-              <a:rPr lang="en-US" sz="3200" b="1" dirty="0">
-                <a:solidFill>
-                  <a:srgbClr val="7030A0"/>
-                </a:solidFill>
-                <a:latin typeface="Segoe UI" panose="020B0502040204020203" pitchFamily="34" charset="0"/>
-                <a:cs typeface="Segoe UI" panose="020B0502040204020203" pitchFamily="34" charset="0"/>
-              </a:rPr>
-              <a:t>&lt;Insert Challenge #2 Title here&gt;</a:t>
-            </a:r>
-            <a:endParaRPr lang="en-US" sz="3200" dirty="0">
-              <a:latin typeface="Segoe UI" panose="020B0502040204020203" pitchFamily="34" charset="0"/>
-              <a:cs typeface="Segoe UI" panose="020B0502040204020203" pitchFamily="34" charset="0"/>
-            </a:endParaRPr>
+              <a:rPr lang="en-US" dirty="0"/>
+              <a:t>Run the app on Azure</a:t>
+            </a:r>
           </a:p>
         </p:txBody>
       </p:sp>
     </p:spTree>
     <p:extLst>
       <p:ext uri="{BB962C8B-B14F-4D97-AF65-F5344CB8AC3E}">
-        <p14:creationId xmlns:p14="http://schemas.microsoft.com/office/powerpoint/2010/main" val="338137321"/>
+        <p14:creationId xmlns:p14="http://schemas.microsoft.com/office/powerpoint/2010/main" val="3468055912"/>
       </p:ext>
     </p:extLst>
   </p:cSld>
@@ -11665,29 +12119,6 @@
 </file>
 
 <file path=customXml/item1.xml><?xml version="1.0" encoding="utf-8"?>
-<p:properties xmlns:p="http://schemas.microsoft.com/office/2006/metadata/properties" xmlns:xsi="http://www.w3.org/2001/XMLSchema-instance" xmlns:pc="http://schemas.microsoft.com/office/infopath/2007/PartnerControls">
-  <documentManagement>
-    <_ip_UnifiedCompliancePolicyUIAction xmlns="http://schemas.microsoft.com/sharepoint/v3" xsi:nil="true"/>
-    <_ip_UnifiedCompliancePolicyProperties xmlns="http://schemas.microsoft.com/sharepoint/v3" xsi:nil="true"/>
-    <TaxCatchAll xmlns="230e9df3-be65-4c73-a93b-d1236ebd677e" xsi:nil="true"/>
-    <OneNoteFluid_FileOrder xmlns="d5681aaf-e75d-4680-b6a5-67eaf1333073" xsi:nil="true"/>
-    <lcf76f155ced4ddcb4097134ff3c332f xmlns="d5681aaf-e75d-4680-b6a5-67eaf1333073">
-      <Terms xmlns="http://schemas.microsoft.com/office/infopath/2007/PartnerControls"/>
-    </lcf76f155ced4ddcb4097134ff3c332f>
-  </documentManagement>
-</p:properties>
-</file>
-
-<file path=customXml/item2.xml><?xml version="1.0" encoding="utf-8"?>
-<?mso-contentType ?>
-<FormTemplates xmlns="http://schemas.microsoft.com/sharepoint/v3/contenttype/forms">
-  <Display>DocumentLibraryForm</Display>
-  <Edit>DocumentLibraryForm</Edit>
-  <New>DocumentLibraryForm</New>
-</FormTemplates>
-</file>
-
-<file path=customXml/item3.xml><?xml version="1.0" encoding="utf-8"?>
 <ct:contentTypeSchema xmlns:ct="http://schemas.microsoft.com/office/2006/metadata/contentType" xmlns:ma="http://schemas.microsoft.com/office/2006/metadata/properties/metaAttributes" ct:_="" ma:_="" ma:contentTypeName="Document" ma:contentTypeID="0x0101002D60DD8F652F1944BE71621823B93445" ma:contentTypeVersion="20" ma:contentTypeDescription="Create a new document." ma:contentTypeScope="" ma:versionID="ca9162edec49feb2fee0b4551a61220d">
   <xsd:schema xmlns:xsd="http://www.w3.org/2001/XMLSchema" xmlns:xs="http://www.w3.org/2001/XMLSchema" xmlns:p="http://schemas.microsoft.com/office/2006/metadata/properties" xmlns:ns1="http://schemas.microsoft.com/sharepoint/v3" xmlns:ns2="d5681aaf-e75d-4680-b6a5-67eaf1333073" xmlns:ns3="230e9df3-be65-4c73-a93b-d1236ebd677e" xmlns:ns4="15d470b8-ee0f-4c7c-b3dd-47210eefc9bb" targetNamespace="http://schemas.microsoft.com/office/2006/metadata/properties" ma:root="true" ma:fieldsID="257895244c366e75573991e6fb322f55" ns1:_="" ns2:_="" ns3:_="" ns4:_="">
     <xsd:import namespace="http://schemas.microsoft.com/sharepoint/v3"/>
@@ -11960,7 +12391,59 @@
 </ct:contentTypeSchema>
 </file>
 
+<file path=customXml/item2.xml><?xml version="1.0" encoding="utf-8"?>
+<?mso-contentType ?>
+<FormTemplates xmlns="http://schemas.microsoft.com/sharepoint/v3/contenttype/forms">
+  <Display>DocumentLibraryForm</Display>
+  <Edit>DocumentLibraryForm</Edit>
+  <New>DocumentLibraryForm</New>
+</FormTemplates>
+</file>
+
+<file path=customXml/item3.xml><?xml version="1.0" encoding="utf-8"?>
+<p:properties xmlns:p="http://schemas.microsoft.com/office/2006/metadata/properties" xmlns:xsi="http://www.w3.org/2001/XMLSchema-instance" xmlns:pc="http://schemas.microsoft.com/office/infopath/2007/PartnerControls">
+  <documentManagement>
+    <_ip_UnifiedCompliancePolicyUIAction xmlns="http://schemas.microsoft.com/sharepoint/v3" xsi:nil="true"/>
+    <_ip_UnifiedCompliancePolicyProperties xmlns="http://schemas.microsoft.com/sharepoint/v3" xsi:nil="true"/>
+    <TaxCatchAll xmlns="230e9df3-be65-4c73-a93b-d1236ebd677e" xsi:nil="true"/>
+    <OneNoteFluid_FileOrder xmlns="d5681aaf-e75d-4680-b6a5-67eaf1333073" xsi:nil="true"/>
+    <lcf76f155ced4ddcb4097134ff3c332f xmlns="d5681aaf-e75d-4680-b6a5-67eaf1333073">
+      <Terms xmlns="http://schemas.microsoft.com/office/infopath/2007/PartnerControls"/>
+    </lcf76f155ced4ddcb4097134ff3c332f>
+  </documentManagement>
+</p:properties>
+</file>
+
 <file path=customXml/itemProps1.xml><?xml version="1.0" encoding="utf-8"?>
+<ds:datastoreItem xmlns:ds="http://schemas.openxmlformats.org/officeDocument/2006/customXml" ds:itemID="{D297C88A-D0C3-4811-9063-F2652EC3F003}">
+  <ds:schemaRefs>
+    <ds:schemaRef ds:uri="http://schemas.microsoft.com/office/2006/metadata/contentType"/>
+    <ds:schemaRef ds:uri="http://schemas.microsoft.com/office/2006/metadata/properties/metaAttributes"/>
+    <ds:schemaRef ds:uri="http://www.w3.org/2001/XMLSchema"/>
+    <ds:schemaRef ds:uri="http://schemas.microsoft.com/office/2006/metadata/properties"/>
+    <ds:schemaRef ds:uri="http://schemas.microsoft.com/sharepoint/v3"/>
+    <ds:schemaRef ds:uri="d5681aaf-e75d-4680-b6a5-67eaf1333073"/>
+    <ds:schemaRef ds:uri="230e9df3-be65-4c73-a93b-d1236ebd677e"/>
+    <ds:schemaRef ds:uri="15d470b8-ee0f-4c7c-b3dd-47210eefc9bb"/>
+    <ds:schemaRef ds:uri="http://schemas.microsoft.com/office/2006/documentManagement/types"/>
+    <ds:schemaRef ds:uri="http://schemas.microsoft.com/office/infopath/2007/PartnerControls"/>
+    <ds:schemaRef ds:uri="http://schemas.openxmlformats.org/package/2006/metadata/core-properties"/>
+    <ds:schemaRef ds:uri="http://purl.org/dc/elements/1.1/"/>
+    <ds:schemaRef ds:uri="http://purl.org/dc/terms/"/>
+    <ds:schemaRef ds:uri="http://schemas.microsoft.com/internal/obd"/>
+  </ds:schemaRefs>
+</ds:datastoreItem>
+</file>
+
+<file path=customXml/itemProps2.xml><?xml version="1.0" encoding="utf-8"?>
+<ds:datastoreItem xmlns:ds="http://schemas.openxmlformats.org/officeDocument/2006/customXml" ds:itemID="{FA84066F-CF25-477A-816A-71B1599BA426}">
+  <ds:schemaRefs>
+    <ds:schemaRef ds:uri="http://schemas.microsoft.com/sharepoint/v3/contenttype/forms"/>
+  </ds:schemaRefs>
+</ds:datastoreItem>
+</file>
+
+<file path=customXml/itemProps3.xml><?xml version="1.0" encoding="utf-8"?>
 <ds:datastoreItem xmlns:ds="http://schemas.openxmlformats.org/officeDocument/2006/customXml" ds:itemID="{FE1AEC35-FA48-4D92-B146-8AAF6D580B36}">
   <ds:schemaRefs>
     <ds:schemaRef ds:uri="http://schemas.microsoft.com/office/2006/documentManagement/types"/>
@@ -11978,18 +12461,6 @@
 </ds:datastoreItem>
 </file>
 
-<file path=customXml/itemProps2.xml><?xml version="1.0" encoding="utf-8"?>
-<ds:datastoreItem xmlns:ds="http://schemas.openxmlformats.org/officeDocument/2006/customXml" ds:itemID="{FA84066F-CF25-477A-816A-71B1599BA426}">
-  <ds:schemaRefs>
-    <ds:schemaRef ds:uri="http://schemas.microsoft.com/sharepoint/v3/contenttype/forms"/>
-  </ds:schemaRefs>
-</ds:datastoreItem>
-</file>
-
-<file path=customXml/itemProps3.xml><?xml version="1.0" encoding="utf-8"?>
-<ds:datastoreItem xmlns:ds="http://schemas.openxmlformats.org/officeDocument/2006/customXml" ds:itemID="{D297C88A-D0C3-4811-9063-F2652EC3F003}"/>
-</file>
-
 <file path=docMetadata/LabelInfo.xml><?xml version="1.0" encoding="utf-8"?>
 <clbl:labelList xmlns:clbl="http://schemas.microsoft.com/office/2020/mipLabelMetadata">
   <clbl:label id="{f42aa342-8706-4288-bd11-ebb85995028c}" enabled="1" method="Standard" siteId="{72f988bf-86f1-41af-91ab-2d7cd011db47}" removed="0"/>

--- a/xxx-RockPaperScissorsBoom/Coach/Lectures.pptx
+++ b/xxx-RockPaperScissorsBoom/Coach/Lectures.pptx
@@ -241,7 +241,7 @@
           <a:p>
             <a:fld id="{D2F29697-4A6D-AC4B-B035-E737BE26C24F}" type="datetimeFigureOut">
               <a:rPr lang="en-US" smtClean="0"/>
-              <a:t>7/13/2023</a:t>
+              <a:t>7/17/2023</a:t>
             </a:fld>
             <a:endParaRPr lang="en-US"/>
           </a:p>
@@ -406,7 +406,7 @@
           <a:p>
             <a:fld id="{3B795838-E26F-BF4F-AF40-5695E293B9BE}" type="datetimeFigureOut">
               <a:rPr lang="en-US" smtClean="0"/>
-              <a:t>7/13/2023</a:t>
+              <a:t>7/17/2023</a:t>
             </a:fld>
             <a:endParaRPr lang="en-US"/>
           </a:p>
@@ -3362,7 +3362,7 @@
           <a:p>
             <a:fld id="{DFED49D2-CC62-47A6-8FD4-1840AC422660}" type="datetimeFigureOut">
               <a:rPr lang="en-US" smtClean="0"/>
-              <a:t>7/13/2023</a:t>
+              <a:t>7/17/2023</a:t>
             </a:fld>
             <a:endParaRPr lang="en-US"/>
           </a:p>
@@ -3717,7 +3717,7 @@
           <a:p>
             <a:fld id="{DFED49D2-CC62-47A6-8FD4-1840AC422660}" type="datetimeFigureOut">
               <a:rPr lang="en-US" smtClean="0"/>
-              <a:t>7/13/2023</a:t>
+              <a:t>7/17/2023</a:t>
             </a:fld>
             <a:endParaRPr lang="en-US"/>
           </a:p>
@@ -3915,7 +3915,7 @@
           <a:p>
             <a:fld id="{DFED49D2-CC62-47A6-8FD4-1840AC422660}" type="datetimeFigureOut">
               <a:rPr lang="en-US" smtClean="0"/>
-              <a:t>7/13/2023</a:t>
+              <a:t>7/17/2023</a:t>
             </a:fld>
             <a:endParaRPr lang="en-US"/>
           </a:p>
@@ -4123,7 +4123,7 @@
           <a:p>
             <a:fld id="{DFED49D2-CC62-47A6-8FD4-1840AC422660}" type="datetimeFigureOut">
               <a:rPr lang="en-US" smtClean="0"/>
-              <a:t>7/13/2023</a:t>
+              <a:t>7/17/2023</a:t>
             </a:fld>
             <a:endParaRPr lang="en-US"/>
           </a:p>
@@ -4690,7 +4690,7 @@
           <a:p>
             <a:fld id="{DFED49D2-CC62-47A6-8FD4-1840AC422660}" type="datetimeFigureOut">
               <a:rPr lang="en-US" smtClean="0"/>
-              <a:t>7/13/2023</a:t>
+              <a:t>7/17/2023</a:t>
             </a:fld>
             <a:endParaRPr lang="en-US" dirty="0"/>
           </a:p>
@@ -4910,7 +4910,7 @@
           <a:p>
             <a:fld id="{DFED49D2-CC62-47A6-8FD4-1840AC422660}" type="datetimeFigureOut">
               <a:rPr lang="en-US" smtClean="0"/>
-              <a:t>7/13/2023</a:t>
+              <a:t>7/17/2023</a:t>
             </a:fld>
             <a:endParaRPr lang="en-US"/>
           </a:p>
@@ -5247,7 +5247,7 @@
           <a:p>
             <a:fld id="{DFED49D2-CC62-47A6-8FD4-1840AC422660}" type="datetimeFigureOut">
               <a:rPr lang="en-US" smtClean="0"/>
-              <a:t>7/13/2023</a:t>
+              <a:t>7/17/2023</a:t>
             </a:fld>
             <a:endParaRPr lang="en-US"/>
           </a:p>
@@ -5548,7 +5548,7 @@
           <a:p>
             <a:fld id="{DFED49D2-CC62-47A6-8FD4-1840AC422660}" type="datetimeFigureOut">
               <a:rPr lang="en-US" smtClean="0"/>
-              <a:t>7/13/2023</a:t>
+              <a:t>7/17/2023</a:t>
             </a:fld>
             <a:endParaRPr lang="en-US"/>
           </a:p>
@@ -5960,7 +5960,7 @@
           <a:p>
             <a:fld id="{DFED49D2-CC62-47A6-8FD4-1840AC422660}" type="datetimeFigureOut">
               <a:rPr lang="en-US" smtClean="0"/>
-              <a:t>7/13/2023</a:t>
+              <a:t>7/17/2023</a:t>
             </a:fld>
             <a:endParaRPr lang="en-US"/>
           </a:p>
@@ -6106,7 +6106,7 @@
           <a:p>
             <a:fld id="{DFED49D2-CC62-47A6-8FD4-1840AC422660}" type="datetimeFigureOut">
               <a:rPr lang="en-US" smtClean="0"/>
-              <a:t>7/13/2023</a:t>
+              <a:t>7/17/2023</a:t>
             </a:fld>
             <a:endParaRPr lang="en-US"/>
           </a:p>
@@ -6219,7 +6219,7 @@
           <a:p>
             <a:fld id="{DFED49D2-CC62-47A6-8FD4-1840AC422660}" type="datetimeFigureOut">
               <a:rPr lang="en-US" smtClean="0"/>
-              <a:t>7/13/2023</a:t>
+              <a:t>7/17/2023</a:t>
             </a:fld>
             <a:endParaRPr lang="en-US"/>
           </a:p>
@@ -6530,7 +6530,7 @@
           <a:p>
             <a:fld id="{DFED49D2-CC62-47A6-8FD4-1840AC422660}" type="datetimeFigureOut">
               <a:rPr lang="en-US" smtClean="0"/>
-              <a:t>7/13/2023</a:t>
+              <a:t>7/17/2023</a:t>
             </a:fld>
             <a:endParaRPr lang="en-US"/>
           </a:p>
@@ -6771,7 +6771,7 @@
           <a:p>
             <a:fld id="{DFED49D2-CC62-47A6-8FD4-1840AC422660}" type="datetimeFigureOut">
               <a:rPr lang="en-US" smtClean="0"/>
-              <a:t>7/13/2023</a:t>
+              <a:t>7/17/2023</a:t>
             </a:fld>
             <a:endParaRPr lang="en-US"/>
           </a:p>
@@ -8770,7 +8770,7 @@
                 <a:ea typeface="+mn-ea"/>
                 <a:cs typeface="Segoe UI" panose="020B0502040204020203" pitchFamily="34" charset="0"/>
               </a:rPr>
-              <a:t>&lt;Coach Name&gt;</a:t>
+              <a:t>Jordan Bean</a:t>
             </a:r>
           </a:p>
         </p:txBody>
@@ -8790,7 +8790,7 @@
         <p:spPr>
           <a:xfrm>
             <a:off x="895552" y="3952220"/>
-            <a:ext cx="3338286" cy="461665"/>
+            <a:ext cx="3338286" cy="400110"/>
           </a:xfrm>
           <a:prstGeom prst="rect">
             <a:avLst/>
@@ -8823,7 +8823,7 @@
               <a:defRPr/>
             </a:pPr>
             <a:r>
-              <a:rPr kumimoji="0" lang="en-US" sz="2400" b="0" i="0" u="none" strike="noStrike" kern="1200" cap="none" spc="0" normalizeH="0" baseline="0" noProof="0" dirty="0">
+              <a:rPr kumimoji="0" lang="en-US" sz="2000" b="0" i="0" u="none" strike="noStrike" kern="1200" cap="none" spc="0" normalizeH="0" baseline="0" noProof="0" dirty="0">
                 <a:ln>
                   <a:noFill/>
                 </a:ln>
@@ -8836,7 +8836,7 @@
                 <a:latin typeface="Segoe UI" panose="020B0502040204020203" pitchFamily="34" charset="0"/>
                 <a:cs typeface="Segoe UI" panose="020B0502040204020203" pitchFamily="34" charset="0"/>
               </a:rPr>
-              <a:t>&lt;Coach Title&gt;</a:t>
+              <a:t>Cloud Solution Architect</a:t>
             </a:r>
           </a:p>
         </p:txBody>
@@ -8901,7 +8901,7 @@
                 <a:ea typeface="+mn-ea"/>
                 <a:cs typeface="Segoe UI" panose="020B0502040204020203" pitchFamily="34" charset="0"/>
               </a:rPr>
-              <a:t>&lt;Coach Name&gt;</a:t>
+              <a:t>Rob Vettor</a:t>
             </a:r>
           </a:p>
         </p:txBody>
@@ -8921,7 +8921,7 @@
         <p:spPr>
           <a:xfrm>
             <a:off x="7854137" y="3977973"/>
-            <a:ext cx="3338286" cy="461665"/>
+            <a:ext cx="3338286" cy="400110"/>
           </a:xfrm>
           <a:prstGeom prst="rect">
             <a:avLst/>
@@ -8954,7 +8954,7 @@
               <a:defRPr/>
             </a:pPr>
             <a:r>
-              <a:rPr kumimoji="0" lang="en-US" sz="2400" b="0" i="0" u="none" strike="noStrike" kern="1200" cap="none" spc="0" normalizeH="0" baseline="0" noProof="0" dirty="0">
+              <a:rPr kumimoji="0" lang="en-US" sz="2000" b="0" i="0" u="none" strike="noStrike" kern="1200" cap="none" spc="0" normalizeH="0" baseline="0" noProof="0" dirty="0">
                 <a:ln>
                   <a:noFill/>
                 </a:ln>
@@ -8967,7 +8967,7 @@
                 <a:latin typeface="Segoe UI" panose="020B0502040204020203" pitchFamily="34" charset="0"/>
                 <a:cs typeface="Segoe UI" panose="020B0502040204020203" pitchFamily="34" charset="0"/>
               </a:rPr>
-              <a:t>&lt;Coach Title&gt;</a:t>
+              <a:t>MTC Architect</a:t>
             </a:r>
           </a:p>
         </p:txBody>
@@ -9032,7 +9032,7 @@
                 <a:ea typeface="+mn-ea"/>
                 <a:cs typeface="Segoe UI" panose="020B0502040204020203" pitchFamily="34" charset="0"/>
               </a:rPr>
-              <a:t>&lt;Coach Name&gt;</a:t>
+              <a:t>Brian Cheng</a:t>
             </a:r>
           </a:p>
         </p:txBody>
@@ -9052,7 +9052,7 @@
         <p:spPr>
           <a:xfrm>
             <a:off x="895552" y="5108875"/>
-            <a:ext cx="3338286" cy="461665"/>
+            <a:ext cx="3338286" cy="400110"/>
           </a:xfrm>
           <a:prstGeom prst="rect">
             <a:avLst/>
@@ -9085,7 +9085,7 @@
               <a:defRPr/>
             </a:pPr>
             <a:r>
-              <a:rPr kumimoji="0" lang="en-US" sz="2400" b="0" i="0" u="none" strike="noStrike" kern="1200" cap="none" spc="0" normalizeH="0" baseline="0" noProof="0" dirty="0">
+              <a:rPr kumimoji="0" lang="en-US" sz="2000" b="0" i="0" u="none" strike="noStrike" kern="1200" cap="none" spc="0" normalizeH="0" baseline="0" noProof="0" dirty="0">
                 <a:ln>
                   <a:noFill/>
                 </a:ln>
@@ -9098,138 +9098,7 @@
                 <a:latin typeface="Segoe UI" panose="020B0502040204020203" pitchFamily="34" charset="0"/>
                 <a:cs typeface="Segoe UI" panose="020B0502040204020203" pitchFamily="34" charset="0"/>
               </a:rPr>
-              <a:t>&lt;Coach Title&gt;</a:t>
-            </a:r>
-          </a:p>
-        </p:txBody>
-      </p:sp>
-      <p:sp>
-        <p:nvSpPr>
-          <p:cNvPr id="2" name="TextBox 1">
-            <a:extLst>
-              <a:ext uri="{FF2B5EF4-FFF2-40B4-BE49-F238E27FC236}">
-                <a16:creationId xmlns:a16="http://schemas.microsoft.com/office/drawing/2014/main" id="{B5A92C3D-FD94-4F13-B142-E7743BE77A67}"/>
-              </a:ext>
-            </a:extLst>
-          </p:cNvPr>
-          <p:cNvSpPr txBox="1"/>
-          <p:nvPr/>
-        </p:nvSpPr>
-        <p:spPr>
-          <a:xfrm>
-            <a:off x="7505794" y="4585655"/>
-            <a:ext cx="4005942" cy="523220"/>
-          </a:xfrm>
-          <a:prstGeom prst="rect">
-            <a:avLst/>
-          </a:prstGeom>
-          <a:noFill/>
-        </p:spPr>
-        <p:txBody>
-          <a:bodyPr wrap="square" rtlCol="0">
-            <a:spAutoFit/>
-          </a:bodyPr>
-          <a:lstStyle/>
-          <a:p>
-            <a:pPr marL="0" marR="0" lvl="0" indent="0" algn="ctr" defTabSz="914400" rtl="0" eaLnBrk="1" fontAlgn="auto" latinLnBrk="0" hangingPunct="1">
-              <a:lnSpc>
-                <a:spcPct val="100000"/>
-              </a:lnSpc>
-              <a:spcBef>
-                <a:spcPts val="0"/>
-              </a:spcBef>
-              <a:spcAft>
-                <a:spcPts val="0"/>
-              </a:spcAft>
-              <a:buClrTx/>
-              <a:buSzTx/>
-              <a:buFontTx/>
-              <a:buNone/>
-              <a:tabLst/>
-              <a:defRPr/>
-            </a:pPr>
-            <a:r>
-              <a:rPr kumimoji="0" lang="en-US" sz="2800" b="1" i="0" u="none" strike="noStrike" kern="1200" cap="none" spc="0" normalizeH="0" baseline="0" noProof="0" dirty="0">
-                <a:ln>
-                  <a:noFill/>
-                </a:ln>
-                <a:solidFill>
-                  <a:prstClr val="black"/>
-                </a:solidFill>
-                <a:effectLst/>
-                <a:uLnTx/>
-                <a:uFillTx/>
-                <a:latin typeface="Segoe UI" panose="020B0502040204020203" pitchFamily="34" charset="0"/>
-                <a:ea typeface="+mn-ea"/>
-                <a:cs typeface="Segoe UI" panose="020B0502040204020203" pitchFamily="34" charset="0"/>
-              </a:rPr>
-              <a:t>&lt;Coach Name&gt;</a:t>
-            </a:r>
-          </a:p>
-        </p:txBody>
-      </p:sp>
-      <p:sp>
-        <p:nvSpPr>
-          <p:cNvPr id="4" name="TextBox 3">
-            <a:extLst>
-              <a:ext uri="{FF2B5EF4-FFF2-40B4-BE49-F238E27FC236}">
-                <a16:creationId xmlns:a16="http://schemas.microsoft.com/office/drawing/2014/main" id="{5D18A1DD-2BF8-4974-92EB-55948F02856B}"/>
-              </a:ext>
-            </a:extLst>
-          </p:cNvPr>
-          <p:cNvSpPr txBox="1"/>
-          <p:nvPr/>
-        </p:nvSpPr>
-        <p:spPr>
-          <a:xfrm>
-            <a:off x="7854137" y="5108875"/>
-            <a:ext cx="3338286" cy="461665"/>
-          </a:xfrm>
-          <a:prstGeom prst="rect">
-            <a:avLst/>
-          </a:prstGeom>
-          <a:solidFill>
-            <a:srgbClr val="7030A0"/>
-          </a:solidFill>
-        </p:spPr>
-        <p:txBody>
-          <a:bodyPr wrap="square" rtlCol="0">
-            <a:spAutoFit/>
-          </a:bodyPr>
-          <a:lstStyle/>
-          <a:p>
-            <a:pPr marL="0" marR="0" lvl="0" indent="0" algn="ctr" defTabSz="914400" rtl="0" eaLnBrk="1" fontAlgn="auto" latinLnBrk="0" hangingPunct="1">
-              <a:lnSpc>
-                <a:spcPct val="100000"/>
-              </a:lnSpc>
-              <a:spcBef>
-                <a:spcPts val="0"/>
-              </a:spcBef>
-              <a:spcAft>
-                <a:spcPts val="0"/>
-              </a:spcAft>
-              <a:buClrTx/>
-              <a:buSzTx/>
-              <a:buFontTx/>
-              <a:buNone/>
-              <a:tabLst/>
-              <a:defRPr/>
-            </a:pPr>
-            <a:r>
-              <a:rPr kumimoji="0" lang="en-US" sz="2400" b="0" i="0" u="none" strike="noStrike" kern="1200" cap="none" spc="0" normalizeH="0" baseline="0" noProof="0" dirty="0">
-                <a:ln>
-                  <a:noFill/>
-                </a:ln>
-                <a:solidFill>
-                  <a:srgbClr val="FFFF00"/>
-                </a:solidFill>
-                <a:effectLst/>
-                <a:uLnTx/>
-                <a:uFillTx/>
-                <a:latin typeface="Segoe UI" panose="020B0502040204020203" pitchFamily="34" charset="0"/>
-                <a:cs typeface="Segoe UI" panose="020B0502040204020203" pitchFamily="34" charset="0"/>
-              </a:rPr>
-              <a:t>&lt;Coach Title&gt;</a:t>
+              <a:t>Cloud Solution Architect</a:t>
             </a:r>
           </a:p>
         </p:txBody>
@@ -10409,14 +10278,14 @@
                 <a:cs typeface="Segoe UI" panose="020B0502040204020203" pitchFamily="34" charset="0"/>
                 <a:hlinkClick r:id="rId3"/>
               </a:rPr>
-              <a:t>Install Windows Subsystem for Linux</a:t>
+              <a:t>Install the Azure CLI</a:t>
             </a:r>
             <a:r>
               <a:rPr lang="en-US" sz="2800" dirty="0">
                 <a:latin typeface="Segoe UI" panose="020B0502040204020203" pitchFamily="34" charset="0"/>
                 <a:cs typeface="Segoe UI" panose="020B0502040204020203" pitchFamily="34" charset="0"/>
               </a:rPr>
-              <a:t> (Bash Shell)</a:t>
+              <a:t> (in WSL if on Windows!) </a:t>
             </a:r>
           </a:p>
           <a:p>
@@ -10426,15 +10295,12 @@
                 <a:cs typeface="Segoe UI" panose="020B0502040204020203" pitchFamily="34" charset="0"/>
                 <a:hlinkClick r:id="rId4"/>
               </a:rPr>
-              <a:t>Install the Azure CLI</a:t>
-            </a:r>
-            <a:r>
-              <a:rPr lang="en-US" sz="2800" dirty="0">
-                <a:latin typeface="Segoe UI" panose="020B0502040204020203" pitchFamily="34" charset="0"/>
-                <a:cs typeface="Segoe UI" panose="020B0502040204020203" pitchFamily="34" charset="0"/>
-              </a:rPr>
-              <a:t> (in WSL if on Windows!) </a:t>
-            </a:r>
+              <a:t>Install PowerShell Cmdlets for Azure</a:t>
+            </a:r>
+            <a:endParaRPr lang="en-US" sz="2800" dirty="0">
+              <a:latin typeface="Segoe UI" panose="020B0502040204020203" pitchFamily="34" charset="0"/>
+              <a:cs typeface="Segoe UI" panose="020B0502040204020203" pitchFamily="34" charset="0"/>
+            </a:endParaRPr>
           </a:p>
           <a:p>
             <a:r>
@@ -10443,7 +10309,7 @@
                 <a:cs typeface="Segoe UI" panose="020B0502040204020203" pitchFamily="34" charset="0"/>
                 <a:hlinkClick r:id="rId5"/>
               </a:rPr>
-              <a:t>Install PowerShell Cmdlets for Azure</a:t>
+              <a:t>Install Visual Studio Code</a:t>
             </a:r>
             <a:endParaRPr lang="en-US" sz="2800" dirty="0">
               <a:latin typeface="Segoe UI" panose="020B0502040204020203" pitchFamily="34" charset="0"/>
@@ -10457,7 +10323,7 @@
                 <a:cs typeface="Segoe UI" panose="020B0502040204020203" pitchFamily="34" charset="0"/>
                 <a:hlinkClick r:id="rId6"/>
               </a:rPr>
-              <a:t>Install Visual Studio Code</a:t>
+              <a:t>Install ARM Tools extension for VS Code</a:t>
             </a:r>
             <a:endParaRPr lang="en-US" sz="2800" dirty="0">
               <a:latin typeface="Segoe UI" panose="020B0502040204020203" pitchFamily="34" charset="0"/>
@@ -10471,7 +10337,7 @@
                 <a:cs typeface="Segoe UI" panose="020B0502040204020203" pitchFamily="34" charset="0"/>
                 <a:hlinkClick r:id="rId7"/>
               </a:rPr>
-              <a:t>Install ARM Tools extension for VS Code</a:t>
+              <a:t>Install Bicep extension for VS Code</a:t>
             </a:r>
             <a:endParaRPr lang="en-US" sz="2800" dirty="0">
               <a:latin typeface="Segoe UI" panose="020B0502040204020203" pitchFamily="34" charset="0"/>
@@ -10480,17 +10346,18 @@
           </a:p>
           <a:p>
             <a:r>
+              <a:rPr lang="en-US" dirty="0"/>
+              <a:t>.NET 6</a:t>
+            </a:r>
+          </a:p>
+          <a:p>
+            <a:r>
               <a:rPr lang="en-US" sz="2800" dirty="0">
                 <a:latin typeface="Segoe UI" panose="020B0502040204020203" pitchFamily="34" charset="0"/>
                 <a:cs typeface="Segoe UI" panose="020B0502040204020203" pitchFamily="34" charset="0"/>
-                <a:hlinkClick r:id="rId8"/>
               </a:rPr>
-              <a:t>Install Bicep extension for VS Code</a:t>
-            </a:r>
-            <a:endParaRPr lang="en-US" sz="2800" dirty="0">
-              <a:latin typeface="Segoe UI" panose="020B0502040204020203" pitchFamily="34" charset="0"/>
-              <a:cs typeface="Segoe UI" panose="020B0502040204020203" pitchFamily="34" charset="0"/>
-            </a:endParaRPr>
+              <a:t>Docker Desktop</a:t>
+            </a:r>
           </a:p>
         </p:txBody>
       </p:sp>
@@ -12392,15 +12259,6 @@
 </file>
 
 <file path=customXml/item2.xml><?xml version="1.0" encoding="utf-8"?>
-<?mso-contentType ?>
-<FormTemplates xmlns="http://schemas.microsoft.com/sharepoint/v3/contenttype/forms">
-  <Display>DocumentLibraryForm</Display>
-  <Edit>DocumentLibraryForm</Edit>
-  <New>DocumentLibraryForm</New>
-</FormTemplates>
-</file>
-
-<file path=customXml/item3.xml><?xml version="1.0" encoding="utf-8"?>
 <p:properties xmlns:p="http://schemas.microsoft.com/office/2006/metadata/properties" xmlns:xsi="http://www.w3.org/2001/XMLSchema-instance" xmlns:pc="http://schemas.microsoft.com/office/infopath/2007/PartnerControls">
   <documentManagement>
     <_ip_UnifiedCompliancePolicyUIAction xmlns="http://schemas.microsoft.com/sharepoint/v3" xsi:nil="true"/>
@@ -12412,6 +12270,15 @@
     </lcf76f155ced4ddcb4097134ff3c332f>
   </documentManagement>
 </p:properties>
+</file>
+
+<file path=customXml/item3.xml><?xml version="1.0" encoding="utf-8"?>
+<?mso-contentType ?>
+<FormTemplates xmlns="http://schemas.microsoft.com/sharepoint/v3/contenttype/forms">
+  <Display>DocumentLibraryForm</Display>
+  <Edit>DocumentLibraryForm</Edit>
+  <New>DocumentLibraryForm</New>
+</FormTemplates>
 </file>
 
 <file path=customXml/itemProps1.xml><?xml version="1.0" encoding="utf-8"?>
@@ -12436,14 +12303,6 @@
 </file>
 
 <file path=customXml/itemProps2.xml><?xml version="1.0" encoding="utf-8"?>
-<ds:datastoreItem xmlns:ds="http://schemas.openxmlformats.org/officeDocument/2006/customXml" ds:itemID="{FA84066F-CF25-477A-816A-71B1599BA426}">
-  <ds:schemaRefs>
-    <ds:schemaRef ds:uri="http://schemas.microsoft.com/sharepoint/v3/contenttype/forms"/>
-  </ds:schemaRefs>
-</ds:datastoreItem>
-</file>
-
-<file path=customXml/itemProps3.xml><?xml version="1.0" encoding="utf-8"?>
 <ds:datastoreItem xmlns:ds="http://schemas.openxmlformats.org/officeDocument/2006/customXml" ds:itemID="{FE1AEC35-FA48-4D92-B146-8AAF6D580B36}">
   <ds:schemaRefs>
     <ds:schemaRef ds:uri="http://schemas.microsoft.com/office/2006/documentManagement/types"/>
@@ -12461,6 +12320,14 @@
 </ds:datastoreItem>
 </file>
 
+<file path=customXml/itemProps3.xml><?xml version="1.0" encoding="utf-8"?>
+<ds:datastoreItem xmlns:ds="http://schemas.openxmlformats.org/officeDocument/2006/customXml" ds:itemID="{FA84066F-CF25-477A-816A-71B1599BA426}">
+  <ds:schemaRefs>
+    <ds:schemaRef ds:uri="http://schemas.microsoft.com/sharepoint/v3/contenttype/forms"/>
+  </ds:schemaRefs>
+</ds:datastoreItem>
+</file>
+
 <file path=docMetadata/LabelInfo.xml><?xml version="1.0" encoding="utf-8"?>
 <clbl:labelList xmlns:clbl="http://schemas.microsoft.com/office/2020/mipLabelMetadata">
   <clbl:label id="{f42aa342-8706-4288-bd11-ebb85995028c}" enabled="1" method="Standard" siteId="{72f988bf-86f1-41af-91ab-2d7cd011db47}" removed="0"/>
